--- a/doc/angular 2 sesion 1.pptx
+++ b/doc/angular 2 sesion 1.pptx
@@ -271,7 +271,7 @@
           <a:p>
             <a:fld id="{1BD4731F-235D-4B72-BD02-1E5F1B5628E9}" type="datetimeFigureOut">
               <a:rPr lang="es-ES" smtClean="0"/>
-              <a:t>20/09/2018</a:t>
+              <a:t>25/09/2018</a:t>
             </a:fld>
             <a:endParaRPr lang="es-ES"/>
           </a:p>
@@ -439,7 +439,7 @@
           <a:p>
             <a:fld id="{1BD4731F-235D-4B72-BD02-1E5F1B5628E9}" type="datetimeFigureOut">
               <a:rPr lang="es-ES" smtClean="0"/>
-              <a:t>20/09/2018</a:t>
+              <a:t>25/09/2018</a:t>
             </a:fld>
             <a:endParaRPr lang="es-ES"/>
           </a:p>
@@ -617,7 +617,7 @@
           <a:p>
             <a:fld id="{1BD4731F-235D-4B72-BD02-1E5F1B5628E9}" type="datetimeFigureOut">
               <a:rPr lang="es-ES" smtClean="0"/>
-              <a:t>20/09/2018</a:t>
+              <a:t>25/09/2018</a:t>
             </a:fld>
             <a:endParaRPr lang="es-ES"/>
           </a:p>
@@ -785,7 +785,7 @@
           <a:p>
             <a:fld id="{1BD4731F-235D-4B72-BD02-1E5F1B5628E9}" type="datetimeFigureOut">
               <a:rPr lang="es-ES" smtClean="0"/>
-              <a:t>20/09/2018</a:t>
+              <a:t>25/09/2018</a:t>
             </a:fld>
             <a:endParaRPr lang="es-ES"/>
           </a:p>
@@ -1030,7 +1030,7 @@
           <a:p>
             <a:fld id="{1BD4731F-235D-4B72-BD02-1E5F1B5628E9}" type="datetimeFigureOut">
               <a:rPr lang="es-ES" smtClean="0"/>
-              <a:t>20/09/2018</a:t>
+              <a:t>25/09/2018</a:t>
             </a:fld>
             <a:endParaRPr lang="es-ES"/>
           </a:p>
@@ -1259,7 +1259,7 @@
           <a:p>
             <a:fld id="{1BD4731F-235D-4B72-BD02-1E5F1B5628E9}" type="datetimeFigureOut">
               <a:rPr lang="es-ES" smtClean="0"/>
-              <a:t>20/09/2018</a:t>
+              <a:t>25/09/2018</a:t>
             </a:fld>
             <a:endParaRPr lang="es-ES"/>
           </a:p>
@@ -1623,7 +1623,7 @@
           <a:p>
             <a:fld id="{1BD4731F-235D-4B72-BD02-1E5F1B5628E9}" type="datetimeFigureOut">
               <a:rPr lang="es-ES" smtClean="0"/>
-              <a:t>20/09/2018</a:t>
+              <a:t>25/09/2018</a:t>
             </a:fld>
             <a:endParaRPr lang="es-ES"/>
           </a:p>
@@ -1740,7 +1740,7 @@
           <a:p>
             <a:fld id="{1BD4731F-235D-4B72-BD02-1E5F1B5628E9}" type="datetimeFigureOut">
               <a:rPr lang="es-ES" smtClean="0"/>
-              <a:t>20/09/2018</a:t>
+              <a:t>25/09/2018</a:t>
             </a:fld>
             <a:endParaRPr lang="es-ES"/>
           </a:p>
@@ -1835,7 +1835,7 @@
           <a:p>
             <a:fld id="{1BD4731F-235D-4B72-BD02-1E5F1B5628E9}" type="datetimeFigureOut">
               <a:rPr lang="es-ES" smtClean="0"/>
-              <a:t>20/09/2018</a:t>
+              <a:t>25/09/2018</a:t>
             </a:fld>
             <a:endParaRPr lang="es-ES"/>
           </a:p>
@@ -2110,7 +2110,7 @@
           <a:p>
             <a:fld id="{1BD4731F-235D-4B72-BD02-1E5F1B5628E9}" type="datetimeFigureOut">
               <a:rPr lang="es-ES" smtClean="0"/>
-              <a:t>20/09/2018</a:t>
+              <a:t>25/09/2018</a:t>
             </a:fld>
             <a:endParaRPr lang="es-ES"/>
           </a:p>
@@ -2362,7 +2362,7 @@
           <a:p>
             <a:fld id="{1BD4731F-235D-4B72-BD02-1E5F1B5628E9}" type="datetimeFigureOut">
               <a:rPr lang="es-ES" smtClean="0"/>
-              <a:t>20/09/2018</a:t>
+              <a:t>25/09/2018</a:t>
             </a:fld>
             <a:endParaRPr lang="es-ES"/>
           </a:p>
@@ -2573,7 +2573,7 @@
           <a:p>
             <a:fld id="{1BD4731F-235D-4B72-BD02-1E5F1B5628E9}" type="datetimeFigureOut">
               <a:rPr lang="es-ES" smtClean="0"/>
-              <a:t>20/09/2018</a:t>
+              <a:t>25/09/2018</a:t>
             </a:fld>
             <a:endParaRPr lang="es-ES"/>
           </a:p>
@@ -4534,6 +4534,84 @@
           </a:p>
         </p:txBody>
       </p:sp>
+      <p:cxnSp>
+        <p:nvCxnSpPr>
+          <p:cNvPr id="3" name="Conector recto de flecha 2">
+            <a:extLst>
+              <a:ext uri="{FF2B5EF4-FFF2-40B4-BE49-F238E27FC236}">
+                <a16:creationId xmlns:a16="http://schemas.microsoft.com/office/drawing/2014/main" id="{E06A3E28-F1F8-423B-AA7F-9A06DA67C46D}"/>
+              </a:ext>
+            </a:extLst>
+          </p:cNvPr>
+          <p:cNvCxnSpPr/>
+          <p:nvPr/>
+        </p:nvCxnSpPr>
+        <p:spPr>
+          <a:xfrm flipH="1">
+            <a:off x="6951104" y="2318657"/>
+            <a:ext cx="1851094" cy="3954720"/>
+          </a:xfrm>
+          <a:prstGeom prst="straightConnector1">
+            <a:avLst/>
+          </a:prstGeom>
+          <a:ln>
+            <a:tailEnd type="triangle"/>
+          </a:ln>
+        </p:spPr>
+        <p:style>
+          <a:lnRef idx="1">
+            <a:schemeClr val="accent1"/>
+          </a:lnRef>
+          <a:fillRef idx="0">
+            <a:schemeClr val="accent1"/>
+          </a:fillRef>
+          <a:effectRef idx="0">
+            <a:schemeClr val="accent1"/>
+          </a:effectRef>
+          <a:fontRef idx="minor">
+            <a:schemeClr val="tx1"/>
+          </a:fontRef>
+        </p:style>
+      </p:cxnSp>
+      <p:cxnSp>
+        <p:nvCxnSpPr>
+          <p:cNvPr id="9" name="Conector recto de flecha 8">
+            <a:extLst>
+              <a:ext uri="{FF2B5EF4-FFF2-40B4-BE49-F238E27FC236}">
+                <a16:creationId xmlns:a16="http://schemas.microsoft.com/office/drawing/2014/main" id="{629D56DF-CE3C-4F02-A1AF-BEFCC2722C1A}"/>
+              </a:ext>
+            </a:extLst>
+          </p:cNvPr>
+          <p:cNvCxnSpPr/>
+          <p:nvPr/>
+        </p:nvCxnSpPr>
+        <p:spPr>
+          <a:xfrm flipH="1">
+            <a:off x="1306286" y="1191986"/>
+            <a:ext cx="6580414" cy="1943100"/>
+          </a:xfrm>
+          <a:prstGeom prst="straightConnector1">
+            <a:avLst/>
+          </a:prstGeom>
+          <a:ln>
+            <a:tailEnd type="triangle"/>
+          </a:ln>
+        </p:spPr>
+        <p:style>
+          <a:lnRef idx="1">
+            <a:schemeClr val="accent1"/>
+          </a:lnRef>
+          <a:fillRef idx="0">
+            <a:schemeClr val="accent1"/>
+          </a:fillRef>
+          <a:effectRef idx="0">
+            <a:schemeClr val="accent1"/>
+          </a:effectRef>
+          <a:fontRef idx="minor">
+            <a:schemeClr val="tx1"/>
+          </a:fontRef>
+        </p:style>
+      </p:cxnSp>
     </p:spTree>
     <p:extLst>
       <p:ext uri="{BB962C8B-B14F-4D97-AF65-F5344CB8AC3E}">
@@ -6298,6 +6376,12 @@
           <a:p>
             <a:r>
               <a:rPr lang="es-ES" dirty="0"/>
+              <a:t>Comunicación entre componentes</a:t>
+            </a:r>
+          </a:p>
+          <a:p>
+            <a:r>
+              <a:rPr lang="es-ES" dirty="0"/>
               <a:t>Creación de servicios</a:t>
             </a:r>
           </a:p>
@@ -6309,9 +6393,10 @@
           </a:p>
           <a:p>
             <a:r>
-              <a:rPr lang="es-ES" dirty="0"/>
-              <a:t>Creación de pipes</a:t>
-            </a:r>
+              <a:rPr lang="es-ES" dirty="0" err="1"/>
+              <a:t>Rxjs</a:t>
+            </a:r>
+            <a:endParaRPr lang="es-ES" dirty="0"/>
           </a:p>
           <a:p>
             <a:r>
@@ -6321,16 +6406,10 @@
             <a:endParaRPr lang="es-ES" dirty="0"/>
           </a:p>
           <a:p>
-            <a:r>
-              <a:rPr lang="es-ES" dirty="0"/>
-              <a:t>Modules</a:t>
-            </a:r>
-          </a:p>
-          <a:p>
-            <a:r>
-              <a:rPr lang="es-ES" dirty="0"/>
-              <a:t>Publicación</a:t>
-            </a:r>
+            <a:pPr marL="0" indent="0">
+              <a:buNone/>
+            </a:pPr>
+            <a:endParaRPr lang="es-ES" dirty="0"/>
           </a:p>
         </p:txBody>
       </p:sp>
@@ -10084,6 +10163,81 @@
               <a:rPr lang="es-ES" dirty="0"/>
               <a:t>https://github.com/angular/angular-cli/wiki/1-x-build</a:t>
             </a:r>
+          </a:p>
+        </p:txBody>
+      </p:sp>
+      <p:cxnSp>
+        <p:nvCxnSpPr>
+          <p:cNvPr id="11" name="Conector recto de flecha 10">
+            <a:extLst>
+              <a:ext uri="{FF2B5EF4-FFF2-40B4-BE49-F238E27FC236}">
+                <a16:creationId xmlns:a16="http://schemas.microsoft.com/office/drawing/2014/main" id="{94A52475-3E1F-43BE-BD2B-C16E1308F723}"/>
+              </a:ext>
+            </a:extLst>
+          </p:cNvPr>
+          <p:cNvCxnSpPr/>
+          <p:nvPr/>
+        </p:nvCxnSpPr>
+        <p:spPr>
+          <a:xfrm>
+            <a:off x="1306286" y="2831585"/>
+            <a:ext cx="1999134" cy="1528144"/>
+          </a:xfrm>
+          <a:prstGeom prst="straightConnector1">
+            <a:avLst/>
+          </a:prstGeom>
+          <a:ln>
+            <a:tailEnd type="triangle"/>
+          </a:ln>
+        </p:spPr>
+        <p:style>
+          <a:lnRef idx="1">
+            <a:schemeClr val="accent1"/>
+          </a:lnRef>
+          <a:fillRef idx="0">
+            <a:schemeClr val="accent1"/>
+          </a:fillRef>
+          <a:effectRef idx="0">
+            <a:schemeClr val="accent1"/>
+          </a:effectRef>
+          <a:fontRef idx="minor">
+            <a:schemeClr val="tx1"/>
+          </a:fontRef>
+        </p:style>
+      </p:cxnSp>
+      <p:sp>
+        <p:nvSpPr>
+          <p:cNvPr id="13" name="CuadroTexto 12">
+            <a:extLst>
+              <a:ext uri="{FF2B5EF4-FFF2-40B4-BE49-F238E27FC236}">
+                <a16:creationId xmlns:a16="http://schemas.microsoft.com/office/drawing/2014/main" id="{01ABB312-9EEC-453B-8D01-6C1DF9F23966}"/>
+              </a:ext>
+            </a:extLst>
+          </p:cNvPr>
+          <p:cNvSpPr txBox="1"/>
+          <p:nvPr/>
+        </p:nvSpPr>
+        <p:spPr>
+          <a:xfrm>
+            <a:off x="334544" y="2557811"/>
+            <a:ext cx="1794722" cy="369332"/>
+          </a:xfrm>
+          <a:prstGeom prst="rect">
+            <a:avLst/>
+          </a:prstGeom>
+          <a:noFill/>
+        </p:spPr>
+        <p:txBody>
+          <a:bodyPr wrap="none" rtlCol="0">
+            <a:spAutoFit/>
+          </a:bodyPr>
+          <a:lstStyle/>
+          <a:p>
+            <a:r>
+              <a:rPr lang="es-ES" dirty="0"/>
+              <a:t>Barra importante</a:t>
+            </a:r>
+            <a:endParaRPr lang="en-GB" dirty="0"/>
           </a:p>
         </p:txBody>
       </p:sp>

--- a/doc/angular 2 sesion 1.pptx
+++ b/doc/angular 2 sesion 1.pptx
@@ -26,16 +26,26 @@
     <p:sldId id="285" r:id="rId20"/>
     <p:sldId id="286" r:id="rId21"/>
     <p:sldId id="269" r:id="rId22"/>
-    <p:sldId id="280" r:id="rId23"/>
-    <p:sldId id="270" r:id="rId24"/>
-    <p:sldId id="268" r:id="rId25"/>
-    <p:sldId id="271" r:id="rId26"/>
-    <p:sldId id="272" r:id="rId27"/>
-    <p:sldId id="273" r:id="rId28"/>
-    <p:sldId id="274" r:id="rId29"/>
-    <p:sldId id="275" r:id="rId30"/>
-    <p:sldId id="276" r:id="rId31"/>
-    <p:sldId id="277" r:id="rId32"/>
+    <p:sldId id="287" r:id="rId23"/>
+    <p:sldId id="288" r:id="rId24"/>
+    <p:sldId id="289" r:id="rId25"/>
+    <p:sldId id="290" r:id="rId26"/>
+    <p:sldId id="291" r:id="rId27"/>
+    <p:sldId id="292" r:id="rId28"/>
+    <p:sldId id="293" r:id="rId29"/>
+    <p:sldId id="294" r:id="rId30"/>
+    <p:sldId id="271" r:id="rId31"/>
+    <p:sldId id="272" r:id="rId32"/>
+    <p:sldId id="273" r:id="rId33"/>
+    <p:sldId id="274" r:id="rId34"/>
+    <p:sldId id="275" r:id="rId35"/>
+    <p:sldId id="276" r:id="rId36"/>
+    <p:sldId id="296" r:id="rId37"/>
+    <p:sldId id="297" r:id="rId38"/>
+    <p:sldId id="298" r:id="rId39"/>
+    <p:sldId id="299" r:id="rId40"/>
+    <p:sldId id="277" r:id="rId41"/>
+    <p:sldId id="295" r:id="rId42"/>
   </p:sldIdLst>
   <p:sldSz cx="12192000" cy="6858000"/>
   <p:notesSz cx="6858000" cy="9144000"/>
@@ -271,7 +281,7 @@
           <a:p>
             <a:fld id="{1BD4731F-235D-4B72-BD02-1E5F1B5628E9}" type="datetimeFigureOut">
               <a:rPr lang="es-ES" smtClean="0"/>
-              <a:t>25/09/2018</a:t>
+              <a:t>26/09/2018</a:t>
             </a:fld>
             <a:endParaRPr lang="es-ES"/>
           </a:p>
@@ -439,7 +449,7 @@
           <a:p>
             <a:fld id="{1BD4731F-235D-4B72-BD02-1E5F1B5628E9}" type="datetimeFigureOut">
               <a:rPr lang="es-ES" smtClean="0"/>
-              <a:t>25/09/2018</a:t>
+              <a:t>26/09/2018</a:t>
             </a:fld>
             <a:endParaRPr lang="es-ES"/>
           </a:p>
@@ -617,7 +627,7 @@
           <a:p>
             <a:fld id="{1BD4731F-235D-4B72-BD02-1E5F1B5628E9}" type="datetimeFigureOut">
               <a:rPr lang="es-ES" smtClean="0"/>
-              <a:t>25/09/2018</a:t>
+              <a:t>26/09/2018</a:t>
             </a:fld>
             <a:endParaRPr lang="es-ES"/>
           </a:p>
@@ -785,7 +795,7 @@
           <a:p>
             <a:fld id="{1BD4731F-235D-4B72-BD02-1E5F1B5628E9}" type="datetimeFigureOut">
               <a:rPr lang="es-ES" smtClean="0"/>
-              <a:t>25/09/2018</a:t>
+              <a:t>26/09/2018</a:t>
             </a:fld>
             <a:endParaRPr lang="es-ES"/>
           </a:p>
@@ -1030,7 +1040,7 @@
           <a:p>
             <a:fld id="{1BD4731F-235D-4B72-BD02-1E5F1B5628E9}" type="datetimeFigureOut">
               <a:rPr lang="es-ES" smtClean="0"/>
-              <a:t>25/09/2018</a:t>
+              <a:t>26/09/2018</a:t>
             </a:fld>
             <a:endParaRPr lang="es-ES"/>
           </a:p>
@@ -1259,7 +1269,7 @@
           <a:p>
             <a:fld id="{1BD4731F-235D-4B72-BD02-1E5F1B5628E9}" type="datetimeFigureOut">
               <a:rPr lang="es-ES" smtClean="0"/>
-              <a:t>25/09/2018</a:t>
+              <a:t>26/09/2018</a:t>
             </a:fld>
             <a:endParaRPr lang="es-ES"/>
           </a:p>
@@ -1623,7 +1633,7 @@
           <a:p>
             <a:fld id="{1BD4731F-235D-4B72-BD02-1E5F1B5628E9}" type="datetimeFigureOut">
               <a:rPr lang="es-ES" smtClean="0"/>
-              <a:t>25/09/2018</a:t>
+              <a:t>26/09/2018</a:t>
             </a:fld>
             <a:endParaRPr lang="es-ES"/>
           </a:p>
@@ -1740,7 +1750,7 @@
           <a:p>
             <a:fld id="{1BD4731F-235D-4B72-BD02-1E5F1B5628E9}" type="datetimeFigureOut">
               <a:rPr lang="es-ES" smtClean="0"/>
-              <a:t>25/09/2018</a:t>
+              <a:t>26/09/2018</a:t>
             </a:fld>
             <a:endParaRPr lang="es-ES"/>
           </a:p>
@@ -1835,7 +1845,7 @@
           <a:p>
             <a:fld id="{1BD4731F-235D-4B72-BD02-1E5F1B5628E9}" type="datetimeFigureOut">
               <a:rPr lang="es-ES" smtClean="0"/>
-              <a:t>25/09/2018</a:t>
+              <a:t>26/09/2018</a:t>
             </a:fld>
             <a:endParaRPr lang="es-ES"/>
           </a:p>
@@ -2110,7 +2120,7 @@
           <a:p>
             <a:fld id="{1BD4731F-235D-4B72-BD02-1E5F1B5628E9}" type="datetimeFigureOut">
               <a:rPr lang="es-ES" smtClean="0"/>
-              <a:t>25/09/2018</a:t>
+              <a:t>26/09/2018</a:t>
             </a:fld>
             <a:endParaRPr lang="es-ES"/>
           </a:p>
@@ -2362,7 +2372,7 @@
           <a:p>
             <a:fld id="{1BD4731F-235D-4B72-BD02-1E5F1B5628E9}" type="datetimeFigureOut">
               <a:rPr lang="es-ES" smtClean="0"/>
-              <a:t>25/09/2018</a:t>
+              <a:t>26/09/2018</a:t>
             </a:fld>
             <a:endParaRPr lang="es-ES"/>
           </a:p>
@@ -2573,7 +2583,7 @@
           <a:p>
             <a:fld id="{1BD4731F-235D-4B72-BD02-1E5F1B5628E9}" type="datetimeFigureOut">
               <a:rPr lang="es-ES" smtClean="0"/>
-              <a:t>25/09/2018</a:t>
+              <a:t>26/09/2018</a:t>
             </a:fld>
             <a:endParaRPr lang="es-ES"/>
           </a:p>
@@ -6817,7 +6827,7 @@
         </p:nvSpPr>
         <p:spPr>
           <a:xfrm>
-            <a:off x="3795948" y="5662160"/>
+            <a:off x="4347160" y="4048126"/>
             <a:ext cx="2307042" cy="369332"/>
           </a:xfrm>
           <a:prstGeom prst="rect">
@@ -6933,13 +6943,15 @@
       <p:cxnSp>
         <p:nvCxnSpPr>
           <p:cNvPr id="14" name="Conector recto de flecha 13"/>
-          <p:cNvCxnSpPr/>
+          <p:cNvCxnSpPr>
+            <a:stCxn id="8" idx="1"/>
+          </p:cNvCxnSpPr>
           <p:nvPr/>
         </p:nvCxnSpPr>
         <p:spPr>
-          <a:xfrm flipH="1" flipV="1">
-            <a:off x="1744910" y="4898966"/>
-            <a:ext cx="1912690" cy="906216"/>
+          <a:xfrm flipH="1">
+            <a:off x="1744910" y="4232792"/>
+            <a:ext cx="2602250" cy="666174"/>
           </a:xfrm>
           <a:prstGeom prst="straightConnector1">
             <a:avLst/>
@@ -6993,10 +7005,312 @@
           <a:chExt cx="0" cy="0"/>
         </a:xfrm>
       </p:grpSpPr>
+      <p:pic>
+        <p:nvPicPr>
+          <p:cNvPr id="4" name="Imagen 3"/>
+          <p:cNvPicPr>
+            <a:picLocks noChangeAspect="1"/>
+          </p:cNvPicPr>
+          <p:nvPr/>
+        </p:nvPicPr>
+        <p:blipFill>
+          <a:blip r:embed="rId2"/>
+          <a:stretch>
+            <a:fillRect/>
+          </a:stretch>
+        </p:blipFill>
+        <p:spPr>
+          <a:xfrm>
+            <a:off x="549795" y="528924"/>
+            <a:ext cx="8323809" cy="4580952"/>
+          </a:xfrm>
+          <a:prstGeom prst="rect">
+            <a:avLst/>
+          </a:prstGeom>
+        </p:spPr>
+      </p:pic>
+      <p:sp>
+        <p:nvSpPr>
+          <p:cNvPr id="5" name="CuadroTexto 4"/>
+          <p:cNvSpPr txBox="1"/>
+          <p:nvPr/>
+        </p:nvSpPr>
+        <p:spPr>
+          <a:xfrm>
+            <a:off x="9105900" y="990600"/>
+            <a:ext cx="2578100" cy="923330"/>
+          </a:xfrm>
+          <a:prstGeom prst="rect">
+            <a:avLst/>
+          </a:prstGeom>
+          <a:noFill/>
+        </p:spPr>
+        <p:txBody>
+          <a:bodyPr wrap="square" rtlCol="0">
+            <a:spAutoFit/>
+          </a:bodyPr>
+          <a:lstStyle/>
+          <a:p>
+            <a:r>
+              <a:rPr lang="es-ES" dirty="0"/>
+              <a:t>Atributos de entrada del elemento que tiene la directiva </a:t>
+            </a:r>
+          </a:p>
+        </p:txBody>
+      </p:sp>
+      <p:cxnSp>
+        <p:nvCxnSpPr>
+          <p:cNvPr id="7" name="Conector recto de flecha 6"/>
+          <p:cNvCxnSpPr/>
+          <p:nvPr/>
+        </p:nvCxnSpPr>
+        <p:spPr>
+          <a:xfrm flipH="1">
+            <a:off x="2286000" y="1333500"/>
+            <a:ext cx="6832600" cy="927100"/>
+          </a:xfrm>
+          <a:prstGeom prst="straightConnector1">
+            <a:avLst/>
+          </a:prstGeom>
+          <a:ln>
+            <a:tailEnd type="triangle"/>
+          </a:ln>
+        </p:spPr>
+        <p:style>
+          <a:lnRef idx="1">
+            <a:schemeClr val="accent1"/>
+          </a:lnRef>
+          <a:fillRef idx="0">
+            <a:schemeClr val="accent1"/>
+          </a:fillRef>
+          <a:effectRef idx="0">
+            <a:schemeClr val="accent1"/>
+          </a:effectRef>
+          <a:fontRef idx="minor">
+            <a:schemeClr val="tx1"/>
+          </a:fontRef>
+        </p:style>
+      </p:cxnSp>
+      <p:sp>
+        <p:nvSpPr>
+          <p:cNvPr id="8" name="CuadroTexto 7"/>
+          <p:cNvSpPr txBox="1"/>
+          <p:nvPr/>
+        </p:nvSpPr>
+        <p:spPr>
+          <a:xfrm>
+            <a:off x="9105900" y="2425700"/>
+            <a:ext cx="2133600" cy="646331"/>
+          </a:xfrm>
+          <a:prstGeom prst="rect">
+            <a:avLst/>
+          </a:prstGeom>
+          <a:noFill/>
+        </p:spPr>
+        <p:txBody>
+          <a:bodyPr wrap="square" rtlCol="0">
+            <a:spAutoFit/>
+          </a:bodyPr>
+          <a:lstStyle/>
+          <a:p>
+            <a:r>
+              <a:rPr lang="es-ES" dirty="0"/>
+              <a:t>Objeto que cambia el elemento </a:t>
+            </a:r>
+          </a:p>
+        </p:txBody>
+      </p:sp>
+      <p:cxnSp>
+        <p:nvCxnSpPr>
+          <p:cNvPr id="10" name="Conector recto de flecha 9"/>
+          <p:cNvCxnSpPr/>
+          <p:nvPr/>
+        </p:nvCxnSpPr>
+        <p:spPr>
+          <a:xfrm flipH="1">
+            <a:off x="3619500" y="2603500"/>
+            <a:ext cx="5254104" cy="254000"/>
+          </a:xfrm>
+          <a:prstGeom prst="straightConnector1">
+            <a:avLst/>
+          </a:prstGeom>
+          <a:ln>
+            <a:tailEnd type="triangle"/>
+          </a:ln>
+        </p:spPr>
+        <p:style>
+          <a:lnRef idx="1">
+            <a:schemeClr val="accent1"/>
+          </a:lnRef>
+          <a:fillRef idx="0">
+            <a:schemeClr val="accent1"/>
+          </a:fillRef>
+          <a:effectRef idx="0">
+            <a:schemeClr val="accent1"/>
+          </a:effectRef>
+          <a:fontRef idx="minor">
+            <a:schemeClr val="tx1"/>
+          </a:fontRef>
+        </p:style>
+      </p:cxnSp>
+      <p:sp>
+        <p:nvSpPr>
+          <p:cNvPr id="11" name="CuadroTexto 10"/>
+          <p:cNvSpPr txBox="1"/>
+          <p:nvPr/>
+        </p:nvSpPr>
+        <p:spPr>
+          <a:xfrm>
+            <a:off x="9105900" y="3349030"/>
+            <a:ext cx="2133600" cy="369332"/>
+          </a:xfrm>
+          <a:prstGeom prst="rect">
+            <a:avLst/>
+          </a:prstGeom>
+          <a:noFill/>
+        </p:spPr>
+        <p:txBody>
+          <a:bodyPr wrap="square" rtlCol="0">
+            <a:spAutoFit/>
+          </a:bodyPr>
+          <a:lstStyle/>
+          <a:p>
+            <a:r>
+              <a:rPr lang="es-ES" dirty="0"/>
+              <a:t>El elemento</a:t>
+            </a:r>
+          </a:p>
+        </p:txBody>
+      </p:sp>
+      <p:cxnSp>
+        <p:nvCxnSpPr>
+          <p:cNvPr id="13" name="Conector recto de flecha 12"/>
+          <p:cNvCxnSpPr/>
+          <p:nvPr/>
+        </p:nvCxnSpPr>
+        <p:spPr>
+          <a:xfrm flipH="1" flipV="1">
+            <a:off x="3022600" y="3072031"/>
+            <a:ext cx="6273800" cy="511770"/>
+          </a:xfrm>
+          <a:prstGeom prst="straightConnector1">
+            <a:avLst/>
+          </a:prstGeom>
+          <a:ln>
+            <a:tailEnd type="triangle"/>
+          </a:ln>
+        </p:spPr>
+        <p:style>
+          <a:lnRef idx="1">
+            <a:schemeClr val="accent1"/>
+          </a:lnRef>
+          <a:fillRef idx="0">
+            <a:schemeClr val="accent1"/>
+          </a:fillRef>
+          <a:effectRef idx="0">
+            <a:schemeClr val="accent1"/>
+          </a:effectRef>
+          <a:fontRef idx="minor">
+            <a:schemeClr val="tx1"/>
+          </a:fontRef>
+        </p:style>
+      </p:cxnSp>
+      <p:sp>
+        <p:nvSpPr>
+          <p:cNvPr id="14" name="CuadroTexto 13"/>
+          <p:cNvSpPr txBox="1"/>
+          <p:nvPr/>
+        </p:nvSpPr>
+        <p:spPr>
+          <a:xfrm>
+            <a:off x="9118600" y="4370864"/>
+            <a:ext cx="2133600" cy="369332"/>
+          </a:xfrm>
+          <a:prstGeom prst="rect">
+            <a:avLst/>
+          </a:prstGeom>
+          <a:noFill/>
+        </p:spPr>
+        <p:txBody>
+          <a:bodyPr wrap="square" rtlCol="0">
+            <a:spAutoFit/>
+          </a:bodyPr>
+          <a:lstStyle/>
+          <a:p>
+            <a:r>
+              <a:rPr lang="es-ES" dirty="0"/>
+              <a:t>Operaciones </a:t>
+            </a:r>
+          </a:p>
+        </p:txBody>
+      </p:sp>
+      <p:cxnSp>
+        <p:nvCxnSpPr>
+          <p:cNvPr id="16" name="Conector recto de flecha 15"/>
+          <p:cNvCxnSpPr>
+            <a:stCxn id="14" idx="1"/>
+          </p:cNvCxnSpPr>
+          <p:nvPr/>
+        </p:nvCxnSpPr>
+        <p:spPr>
+          <a:xfrm flipH="1" flipV="1">
+            <a:off x="8018202" y="4230132"/>
+            <a:ext cx="1100398" cy="325398"/>
+          </a:xfrm>
+          <a:prstGeom prst="straightConnector1">
+            <a:avLst/>
+          </a:prstGeom>
+          <a:ln>
+            <a:tailEnd type="triangle"/>
+          </a:ln>
+        </p:spPr>
+        <p:style>
+          <a:lnRef idx="1">
+            <a:schemeClr val="accent1"/>
+          </a:lnRef>
+          <a:fillRef idx="0">
+            <a:schemeClr val="accent1"/>
+          </a:fillRef>
+          <a:effectRef idx="0">
+            <a:schemeClr val="accent1"/>
+          </a:effectRef>
+          <a:fontRef idx="minor">
+            <a:schemeClr val="tx1"/>
+          </a:fontRef>
+        </p:style>
+      </p:cxnSp>
+      <p:sp>
+        <p:nvSpPr>
+          <p:cNvPr id="17" name="Rectángulo 16"/>
+          <p:cNvSpPr/>
+          <p:nvPr/>
+        </p:nvSpPr>
+        <p:spPr>
+          <a:xfrm>
+            <a:off x="549795" y="5571541"/>
+            <a:ext cx="3761222" cy="369332"/>
+          </a:xfrm>
+          <a:prstGeom prst="rect">
+            <a:avLst/>
+          </a:prstGeom>
+        </p:spPr>
+        <p:txBody>
+          <a:bodyPr wrap="none">
+            <a:spAutoFit/>
+          </a:bodyPr>
+          <a:lstStyle/>
+          <a:p>
+            <a:r>
+              <a:rPr lang="es-ES" dirty="0"/>
+              <a:t>https://angular.io/api/core/Renderer2</a:t>
+            </a:r>
+          </a:p>
+        </p:txBody>
+      </p:sp>
     </p:spTree>
     <p:extLst>
       <p:ext uri="{BB962C8B-B14F-4D97-AF65-F5344CB8AC3E}">
-        <p14:creationId xmlns:p14="http://schemas.microsoft.com/office/powerpoint/2010/main" val="4276242880"/>
+        <p14:creationId xmlns:p14="http://schemas.microsoft.com/office/powerpoint/2010/main" val="1496697212"/>
       </p:ext>
     </p:extLst>
   </p:cSld>
@@ -7039,8 +7353,12 @@
           <a:lstStyle/>
           <a:p>
             <a:r>
-              <a:rPr lang="es-ES" dirty="0"/>
-              <a:t>Ejercicio</a:t>
+              <a:rPr lang="es-ES" dirty="0" err="1"/>
+              <a:t>Rxjs</a:t>
+            </a:r>
+            <a:r>
+              <a:rPr lang="es-ES" dirty="0"/>
+              <a:t> https://www.learnrxjs.io/</a:t>
             </a:r>
           </a:p>
         </p:txBody>
@@ -7062,15 +7380,92 @@
           <a:p>
             <a:r>
               <a:rPr lang="es-ES" dirty="0"/>
-              <a:t>Implementar un sistema de i18n dentro de la una directiva</a:t>
+              <a:t>Es usado en angular por</a:t>
             </a:r>
           </a:p>
           <a:p>
             <a:pPr lvl="1"/>
             <a:r>
               <a:rPr lang="es-ES" dirty="0"/>
-              <a:t>Creamos la directiva</a:t>
-            </a:r>
+              <a:t>Los formularios reactivos</a:t>
+            </a:r>
+          </a:p>
+          <a:p>
+            <a:pPr lvl="1"/>
+            <a:r>
+              <a:rPr lang="es-ES" dirty="0"/>
+              <a:t>La captura de eventos</a:t>
+            </a:r>
+          </a:p>
+          <a:p>
+            <a:pPr lvl="1"/>
+            <a:r>
+              <a:rPr lang="es-ES" dirty="0"/>
+              <a:t>El http</a:t>
+            </a:r>
+          </a:p>
+          <a:p>
+            <a:pPr lvl="1"/>
+            <a:r>
+              <a:rPr lang="es-ES" dirty="0"/>
+              <a:t>Podemos crearlos a partir</a:t>
+            </a:r>
+          </a:p>
+          <a:p>
+            <a:pPr lvl="2"/>
+            <a:r>
+              <a:rPr lang="es-ES" dirty="0"/>
+              <a:t>De </a:t>
+            </a:r>
+            <a:r>
+              <a:rPr lang="es-ES" dirty="0" err="1"/>
+              <a:t>timer</a:t>
+            </a:r>
+            <a:r>
+              <a:rPr lang="es-ES" dirty="0"/>
+              <a:t>, </a:t>
+            </a:r>
+            <a:r>
+              <a:rPr lang="es-ES" dirty="0" err="1"/>
+              <a:t>interval</a:t>
+            </a:r>
+            <a:r>
+              <a:rPr lang="es-ES" dirty="0"/>
+              <a:t>, </a:t>
+            </a:r>
+            <a:r>
+              <a:rPr lang="es-ES" dirty="0" err="1"/>
+              <a:t>array</a:t>
+            </a:r>
+            <a:r>
+              <a:rPr lang="es-ES" dirty="0"/>
+              <a:t>, promesas, </a:t>
+            </a:r>
+            <a:r>
+              <a:rPr lang="es-ES" dirty="0" err="1"/>
+              <a:t>ranges</a:t>
+            </a:r>
+            <a:endParaRPr lang="es-ES" dirty="0"/>
+          </a:p>
+          <a:p>
+            <a:pPr lvl="1"/>
+            <a:r>
+              <a:rPr lang="es-ES" dirty="0"/>
+              <a:t>El observable es el objeto principal</a:t>
+            </a:r>
+          </a:p>
+          <a:p>
+            <a:pPr lvl="1"/>
+            <a:r>
+              <a:rPr lang="es-ES" dirty="0"/>
+              <a:t>El subscribe es la operación principal</a:t>
+            </a:r>
+          </a:p>
+          <a:p>
+            <a:pPr marL="457200" lvl="1" indent="0">
+              <a:buNone/>
+            </a:pPr>
+            <a:endParaRPr lang="es-ES" dirty="0"/>
           </a:p>
           <a:p>
             <a:pPr lvl="1"/>
@@ -7081,7 +7476,7 @@
     </p:spTree>
     <p:extLst>
       <p:ext uri="{BB962C8B-B14F-4D97-AF65-F5344CB8AC3E}">
-        <p14:creationId xmlns:p14="http://schemas.microsoft.com/office/powerpoint/2010/main" val="975720002"/>
+        <p14:creationId xmlns:p14="http://schemas.microsoft.com/office/powerpoint/2010/main" val="3778323019"/>
       </p:ext>
     </p:extLst>
   </p:cSld>
@@ -7125,8 +7520,13 @@
           <a:p>
             <a:r>
               <a:rPr lang="es-ES" dirty="0"/>
-              <a:t>Pipe</a:t>
-            </a:r>
+              <a:t>Operadores </a:t>
+            </a:r>
+            <a:r>
+              <a:rPr lang="es-ES" dirty="0" err="1"/>
+              <a:t>rxjs</a:t>
+            </a:r>
+            <a:endParaRPr lang="es-ES" dirty="0"/>
           </a:p>
         </p:txBody>
       </p:sp>
@@ -7146,20 +7546,86 @@
           <a:lstStyle/>
           <a:p>
             <a:r>
+              <a:rPr lang="es-ES" dirty="0"/>
+              <a:t>Los operadores se parece a los que usaríamos con un api de colecciones</a:t>
+            </a:r>
+          </a:p>
+          <a:p>
+            <a:r>
+              <a:rPr lang="es-ES" dirty="0"/>
+              <a:t>Pipe, </a:t>
+            </a:r>
+            <a:r>
               <a:rPr lang="es-ES" dirty="0" err="1"/>
-              <a:t>ng</a:t>
-            </a:r>
-            <a:r>
-              <a:rPr lang="es-ES" dirty="0"/>
-              <a:t> g pipe nombre</a:t>
-            </a:r>
+              <a:t>Map</a:t>
+            </a:r>
+            <a:r>
+              <a:rPr lang="es-ES" dirty="0"/>
+              <a:t>, </a:t>
+            </a:r>
+            <a:r>
+              <a:rPr lang="es-ES" dirty="0" err="1"/>
+              <a:t>merge</a:t>
+            </a:r>
+            <a:r>
+              <a:rPr lang="es-ES" dirty="0"/>
+              <a:t>, </a:t>
+            </a:r>
+            <a:r>
+              <a:rPr lang="es-ES" dirty="0" err="1"/>
+              <a:t>race</a:t>
+            </a:r>
+            <a:r>
+              <a:rPr lang="es-ES" dirty="0"/>
+              <a:t>, </a:t>
+            </a:r>
+            <a:r>
+              <a:rPr lang="es-ES" dirty="0" err="1"/>
+              <a:t>concat</a:t>
+            </a:r>
+            <a:r>
+              <a:rPr lang="es-ES" dirty="0"/>
+              <a:t>, </a:t>
+            </a:r>
+            <a:r>
+              <a:rPr lang="es-ES" dirty="0" err="1"/>
+              <a:t>filter</a:t>
+            </a:r>
+            <a:r>
+              <a:rPr lang="es-ES" dirty="0"/>
+              <a:t>, </a:t>
+            </a:r>
+            <a:r>
+              <a:rPr lang="es-ES" dirty="0" err="1"/>
+              <a:t>last</a:t>
+            </a:r>
+            <a:r>
+              <a:rPr lang="es-ES" dirty="0"/>
+              <a:t>, </a:t>
+            </a:r>
+            <a:r>
+              <a:rPr lang="es-ES" dirty="0" err="1"/>
+              <a:t>first</a:t>
+            </a:r>
+            <a:r>
+              <a:rPr lang="es-ES" dirty="0"/>
+              <a:t>, </a:t>
+            </a:r>
+            <a:r>
+              <a:rPr lang="es-ES" dirty="0" err="1"/>
+              <a:t>etc</a:t>
+            </a:r>
+            <a:endParaRPr lang="es-ES" dirty="0"/>
+          </a:p>
+          <a:p>
+            <a:endParaRPr lang="es-ES" dirty="0"/>
           </a:p>
         </p:txBody>
       </p:sp>
     </p:spTree>
     <p:extLst>
       <p:ext uri="{BB962C8B-B14F-4D97-AF65-F5344CB8AC3E}">
-        <p14:creationId xmlns:p14="http://schemas.microsoft.com/office/powerpoint/2010/main" val="396167931"/>
+        <p14:creationId xmlns:p14="http://schemas.microsoft.com/office/powerpoint/2010/main" val="835756090"/>
       </p:ext>
     </p:extLst>
   </p:cSld>
@@ -7186,37 +7652,9 @@
           <a:chExt cx="0" cy="0"/>
         </a:xfrm>
       </p:grpSpPr>
-      <p:sp>
-        <p:nvSpPr>
-          <p:cNvPr id="2" name="Título 1"/>
-          <p:cNvSpPr>
-            <a:spLocks noGrp="1"/>
-          </p:cNvSpPr>
-          <p:nvPr>
-            <p:ph type="title"/>
-          </p:nvPr>
-        </p:nvSpPr>
-        <p:spPr>
-          <a:xfrm>
-            <a:off x="209026" y="162004"/>
-            <a:ext cx="10515600" cy="995678"/>
-          </a:xfrm>
-        </p:spPr>
-        <p:txBody>
-          <a:bodyPr/>
-          <a:lstStyle/>
-          <a:p>
-            <a:r>
-              <a:rPr lang="es-ES" dirty="0" err="1"/>
-              <a:t>HttpClient</a:t>
-            </a:r>
-            <a:endParaRPr lang="es-ES" dirty="0"/>
-          </a:p>
-        </p:txBody>
-      </p:sp>
       <p:pic>
         <p:nvPicPr>
-          <p:cNvPr id="5" name="Imagen 4"/>
+          <p:cNvPr id="4" name="Imagen 3"/>
           <p:cNvPicPr>
             <a:picLocks noChangeAspect="1"/>
           </p:cNvPicPr>
@@ -7230,8 +7668,8 @@
         </p:blipFill>
         <p:spPr>
           <a:xfrm>
-            <a:off x="272250" y="1370119"/>
-            <a:ext cx="7000000" cy="4190476"/>
+            <a:off x="604070" y="997717"/>
+            <a:ext cx="5114286" cy="647619"/>
           </a:xfrm>
           <a:prstGeom prst="rect">
             <a:avLst/>
@@ -7240,14 +7678,14 @@
       </p:pic>
       <p:sp>
         <p:nvSpPr>
-          <p:cNvPr id="6" name="CuadroTexto 5"/>
+          <p:cNvPr id="5" name="CuadroTexto 4"/>
           <p:cNvSpPr txBox="1"/>
           <p:nvPr/>
         </p:nvSpPr>
         <p:spPr>
           <a:xfrm>
-            <a:off x="7623440" y="1047880"/>
-            <a:ext cx="4118115" cy="2031325"/>
+            <a:off x="6348549" y="1114696"/>
+            <a:ext cx="3770812" cy="646331"/>
           </a:xfrm>
           <a:prstGeom prst="rect">
             <a:avLst/>
@@ -7255,116 +7693,21 @@
           <a:noFill/>
         </p:spPr>
         <p:txBody>
-          <a:bodyPr wrap="none" rtlCol="0">
+          <a:bodyPr wrap="square" rtlCol="0">
             <a:spAutoFit/>
           </a:bodyPr>
           <a:lstStyle/>
           <a:p>
             <a:r>
               <a:rPr lang="es-ES" dirty="0"/>
-              <a:t>Importación</a:t>
-            </a:r>
-          </a:p>
-          <a:p>
-            <a:endParaRPr lang="es-ES" dirty="0"/>
-          </a:p>
-          <a:p>
-            <a:endParaRPr lang="es-ES" dirty="0"/>
-          </a:p>
-          <a:p>
-            <a:r>
-              <a:rPr lang="es-ES" dirty="0"/>
-              <a:t>Declaración</a:t>
-            </a:r>
-          </a:p>
-          <a:p>
-            <a:endParaRPr lang="es-ES" dirty="0"/>
-          </a:p>
-          <a:p>
-            <a:r>
-              <a:rPr lang="es-ES" dirty="0"/>
-              <a:t>Importación de la clase e inyección en el c</a:t>
-            </a:r>
-          </a:p>
-          <a:p>
-            <a:r>
-              <a:rPr lang="es-ES" dirty="0"/>
-              <a:t>constructor</a:t>
-            </a:r>
-          </a:p>
-        </p:txBody>
-      </p:sp>
-      <p:cxnSp>
-        <p:nvCxnSpPr>
-          <p:cNvPr id="8" name="Conector recto de flecha 7"/>
-          <p:cNvCxnSpPr/>
-          <p:nvPr/>
-        </p:nvCxnSpPr>
-        <p:spPr>
-          <a:xfrm flipH="1">
-            <a:off x="2332140" y="1276821"/>
-            <a:ext cx="5291300" cy="543738"/>
-          </a:xfrm>
-          <a:prstGeom prst="straightConnector1">
-            <a:avLst/>
-          </a:prstGeom>
-          <a:ln>
-            <a:tailEnd type="triangle"/>
-          </a:ln>
-        </p:spPr>
-        <p:style>
-          <a:lnRef idx="1">
-            <a:schemeClr val="accent1"/>
-          </a:lnRef>
-          <a:fillRef idx="0">
-            <a:schemeClr val="accent1"/>
-          </a:fillRef>
-          <a:effectRef idx="0">
-            <a:schemeClr val="accent1"/>
-          </a:effectRef>
-          <a:fontRef idx="minor">
-            <a:schemeClr val="tx1"/>
-          </a:fontRef>
-        </p:style>
-      </p:cxnSp>
-      <p:cxnSp>
-        <p:nvCxnSpPr>
-          <p:cNvPr id="10" name="Conector recto de flecha 9"/>
-          <p:cNvCxnSpPr>
-            <a:stCxn id="6" idx="1"/>
-          </p:cNvCxnSpPr>
-          <p:nvPr/>
-        </p:nvCxnSpPr>
-        <p:spPr>
-          <a:xfrm flipH="1">
-            <a:off x="2902592" y="2063543"/>
-            <a:ext cx="4720848" cy="3011796"/>
-          </a:xfrm>
-          <a:prstGeom prst="straightConnector1">
-            <a:avLst/>
-          </a:prstGeom>
-          <a:ln>
-            <a:tailEnd type="triangle"/>
-          </a:ln>
-        </p:spPr>
-        <p:style>
-          <a:lnRef idx="1">
-            <a:schemeClr val="accent1"/>
-          </a:lnRef>
-          <a:fillRef idx="0">
-            <a:schemeClr val="accent1"/>
-          </a:fillRef>
-          <a:effectRef idx="0">
-            <a:schemeClr val="accent1"/>
-          </a:effectRef>
-          <a:fontRef idx="minor">
-            <a:schemeClr val="tx1"/>
-          </a:fontRef>
-        </p:style>
-      </p:cxnSp>
+              <a:t>Cada 1000 ms genera un valor que es transformado a una fecha </a:t>
+            </a:r>
+          </a:p>
+        </p:txBody>
+      </p:sp>
       <p:pic>
         <p:nvPicPr>
-          <p:cNvPr id="13" name="Imagen 12"/>
+          <p:cNvPr id="6" name="Imagen 5"/>
           <p:cNvPicPr>
             <a:picLocks noChangeAspect="1"/>
           </p:cNvPicPr>
@@ -7378,17 +7721,64 @@
         </p:blipFill>
         <p:spPr>
           <a:xfrm>
-            <a:off x="6877714" y="3465357"/>
-            <a:ext cx="5314286" cy="2457143"/>
+            <a:off x="604070" y="2245178"/>
+            <a:ext cx="6057900" cy="800100"/>
           </a:xfrm>
           <a:prstGeom prst="rect">
             <a:avLst/>
           </a:prstGeom>
         </p:spPr>
       </p:pic>
+      <p:sp>
+        <p:nvSpPr>
+          <p:cNvPr id="7" name="CuadroTexto 6"/>
+          <p:cNvSpPr txBox="1"/>
+          <p:nvPr/>
+        </p:nvSpPr>
+        <p:spPr>
+          <a:xfrm>
+            <a:off x="7297783" y="2569029"/>
+            <a:ext cx="2486835" cy="646331"/>
+          </a:xfrm>
+          <a:prstGeom prst="rect">
+            <a:avLst/>
+          </a:prstGeom>
+          <a:noFill/>
+        </p:spPr>
+        <p:txBody>
+          <a:bodyPr wrap="none" rtlCol="0">
+            <a:spAutoFit/>
+          </a:bodyPr>
+          <a:lstStyle/>
+          <a:p>
+            <a:r>
+              <a:rPr lang="es-ES" dirty="0" err="1"/>
+              <a:t>Asi</a:t>
+            </a:r>
+            <a:r>
+              <a:rPr lang="es-ES" dirty="0"/>
+              <a:t> presentamos el reloj.</a:t>
+            </a:r>
+          </a:p>
+          <a:p>
+            <a:r>
+              <a:rPr lang="es-ES" dirty="0"/>
+              <a:t>Nótese el </a:t>
+            </a:r>
+            <a:r>
+              <a:rPr lang="es-ES" dirty="0" err="1"/>
+              <a:t>async</a:t>
+            </a:r>
+            <a:r>
+              <a:rPr lang="es-ES" dirty="0"/>
+              <a:t> y el pipe</a:t>
+            </a:r>
+          </a:p>
+        </p:txBody>
+      </p:sp>
       <p:pic>
         <p:nvPicPr>
-          <p:cNvPr id="18" name="Imagen 17"/>
+          <p:cNvPr id="8" name="Imagen 7"/>
           <p:cNvPicPr>
             <a:picLocks noChangeAspect="1"/>
           </p:cNvPicPr>
@@ -7402,59 +7792,24 @@
         </p:blipFill>
         <p:spPr>
           <a:xfrm>
-            <a:off x="6877714" y="6011034"/>
-            <a:ext cx="4409524" cy="752381"/>
+            <a:off x="604070" y="3726928"/>
+            <a:ext cx="4057143" cy="1076190"/>
           </a:xfrm>
           <a:prstGeom prst="rect">
             <a:avLst/>
           </a:prstGeom>
         </p:spPr>
       </p:pic>
-      <p:cxnSp>
-        <p:nvCxnSpPr>
-          <p:cNvPr id="22" name="Conector recto de flecha 21"/>
-          <p:cNvCxnSpPr>
-            <a:endCxn id="18" idx="1"/>
-          </p:cNvCxnSpPr>
-          <p:nvPr/>
-        </p:nvCxnSpPr>
-        <p:spPr>
-          <a:xfrm>
-            <a:off x="5075693" y="5879829"/>
-            <a:ext cx="1802021" cy="507396"/>
-          </a:xfrm>
-          <a:prstGeom prst="straightConnector1">
-            <a:avLst/>
-          </a:prstGeom>
-          <a:ln>
-            <a:tailEnd type="triangle"/>
-          </a:ln>
-        </p:spPr>
-        <p:style>
-          <a:lnRef idx="1">
-            <a:schemeClr val="accent1"/>
-          </a:lnRef>
-          <a:fillRef idx="0">
-            <a:schemeClr val="accent1"/>
-          </a:fillRef>
-          <a:effectRef idx="0">
-            <a:schemeClr val="accent1"/>
-          </a:effectRef>
-          <a:fontRef idx="minor">
-            <a:schemeClr val="tx1"/>
-          </a:fontRef>
-        </p:style>
-      </p:cxnSp>
-      <p:sp>
-        <p:nvSpPr>
-          <p:cNvPr id="23" name="CuadroTexto 22"/>
+      <p:sp>
+        <p:nvSpPr>
+          <p:cNvPr id="9" name="CuadroTexto 8"/>
           <p:cNvSpPr txBox="1"/>
           <p:nvPr/>
         </p:nvSpPr>
         <p:spPr>
           <a:xfrm>
-            <a:off x="2838806" y="5567454"/>
-            <a:ext cx="2309928" cy="369332"/>
+            <a:off x="5251268" y="3853280"/>
+            <a:ext cx="4969181" cy="923330"/>
           </a:xfrm>
           <a:prstGeom prst="rect">
             <a:avLst/>
@@ -7469,80 +7824,31 @@
           <a:p>
             <a:r>
               <a:rPr lang="es-ES" dirty="0"/>
-              <a:t>Retorna un observable</a:t>
-            </a:r>
-          </a:p>
-        </p:txBody>
-      </p:sp>
-      <p:cxnSp>
-        <p:nvCxnSpPr>
-          <p:cNvPr id="25" name="Conector recto de flecha 24"/>
-          <p:cNvCxnSpPr/>
-          <p:nvPr/>
-        </p:nvCxnSpPr>
-        <p:spPr>
-          <a:xfrm flipH="1">
-            <a:off x="8095376" y="2659310"/>
-            <a:ext cx="184558" cy="806047"/>
-          </a:xfrm>
-          <a:prstGeom prst="straightConnector1">
-            <a:avLst/>
-          </a:prstGeom>
-          <a:ln>
-            <a:tailEnd type="triangle"/>
-          </a:ln>
-        </p:spPr>
-        <p:style>
-          <a:lnRef idx="1">
-            <a:schemeClr val="accent1"/>
-          </a:lnRef>
-          <a:fillRef idx="0">
-            <a:schemeClr val="accent1"/>
-          </a:fillRef>
-          <a:effectRef idx="0">
-            <a:schemeClr val="accent1"/>
-          </a:effectRef>
-          <a:fontRef idx="minor">
-            <a:schemeClr val="tx1"/>
-          </a:fontRef>
-        </p:style>
-      </p:cxnSp>
-      <p:cxnSp>
-        <p:nvCxnSpPr>
-          <p:cNvPr id="27" name="Conector recto de flecha 26"/>
-          <p:cNvCxnSpPr/>
-          <p:nvPr/>
-        </p:nvCxnSpPr>
-        <p:spPr>
-          <a:xfrm flipH="1">
-            <a:off x="9378892" y="2692866"/>
-            <a:ext cx="1283515" cy="2256639"/>
-          </a:xfrm>
-          <a:prstGeom prst="straightConnector1">
-            <a:avLst/>
-          </a:prstGeom>
-          <a:ln>
-            <a:tailEnd type="triangle"/>
-          </a:ln>
-        </p:spPr>
-        <p:style>
-          <a:lnRef idx="1">
-            <a:schemeClr val="accent1"/>
-          </a:lnRef>
-          <a:fillRef idx="0">
-            <a:schemeClr val="accent1"/>
-          </a:fillRef>
-          <a:effectRef idx="0">
-            <a:schemeClr val="accent1"/>
-          </a:effectRef>
-          <a:fontRef idx="minor">
-            <a:schemeClr val="tx1"/>
-          </a:fontRef>
-        </p:style>
-      </p:cxnSp>
+              <a:t>Zip toma una dato de un observable y otro del otro</a:t>
+            </a:r>
+          </a:p>
+          <a:p>
+            <a:r>
+              <a:rPr lang="es-ES" dirty="0"/>
+              <a:t>El pipe une los dos en un </a:t>
+            </a:r>
+            <a:r>
+              <a:rPr lang="es-ES" dirty="0" err="1"/>
+              <a:t>array</a:t>
+            </a:r>
+            <a:endParaRPr lang="es-ES" dirty="0"/>
+          </a:p>
+          <a:p>
+            <a:r>
+              <a:rPr lang="es-ES" dirty="0"/>
+              <a:t>Tienen que pasar 6 segundos</a:t>
+            </a:r>
+          </a:p>
+        </p:txBody>
+      </p:sp>
       <p:pic>
         <p:nvPicPr>
-          <p:cNvPr id="28" name="Imagen 27"/>
+          <p:cNvPr id="10" name="Imagen 9"/>
           <p:cNvPicPr>
             <a:picLocks noChangeAspect="1"/>
           </p:cNvPicPr>
@@ -7556,151 +7862,42 @@
         </p:blipFill>
         <p:spPr>
           <a:xfrm>
-            <a:off x="282067" y="6133527"/>
-            <a:ext cx="4866667" cy="638095"/>
+            <a:off x="604070" y="5099621"/>
+            <a:ext cx="2161905" cy="1152381"/>
           </a:xfrm>
           <a:prstGeom prst="rect">
             <a:avLst/>
           </a:prstGeom>
         </p:spPr>
       </p:pic>
-      <p:sp>
-        <p:nvSpPr>
-          <p:cNvPr id="30" name="CuadroTexto 29"/>
-          <p:cNvSpPr txBox="1"/>
-          <p:nvPr/>
-        </p:nvSpPr>
-        <p:spPr>
-          <a:xfrm>
-            <a:off x="10352015" y="4240687"/>
-            <a:ext cx="1137234" cy="369332"/>
-          </a:xfrm>
-          <a:prstGeom prst="rect">
-            <a:avLst/>
-          </a:prstGeom>
-        </p:spPr>
-        <p:style>
-          <a:lnRef idx="2">
-            <a:schemeClr val="dk1"/>
-          </a:lnRef>
-          <a:fillRef idx="1">
-            <a:schemeClr val="lt1"/>
-          </a:fillRef>
-          <a:effectRef idx="0">
-            <a:schemeClr val="dk1"/>
-          </a:effectRef>
-          <a:fontRef idx="minor">
-            <a:schemeClr val="dk1"/>
-          </a:fontRef>
-        </p:style>
-        <p:txBody>
-          <a:bodyPr wrap="none" rtlCol="0">
-            <a:spAutoFit/>
-          </a:bodyPr>
-          <a:lstStyle/>
-          <a:p>
-            <a:r>
-              <a:rPr lang="es-ES" dirty="0" err="1"/>
-              <a:t>Servicio.ts</a:t>
-            </a:r>
-            <a:endParaRPr lang="es-ES" dirty="0"/>
-          </a:p>
-        </p:txBody>
-      </p:sp>
-      <p:sp>
-        <p:nvSpPr>
-          <p:cNvPr id="31" name="CuadroTexto 30"/>
-          <p:cNvSpPr txBox="1"/>
-          <p:nvPr/>
-        </p:nvSpPr>
-        <p:spPr>
-          <a:xfrm>
-            <a:off x="3037449" y="6366539"/>
-            <a:ext cx="2104807" cy="369332"/>
-          </a:xfrm>
-          <a:prstGeom prst="rect">
-            <a:avLst/>
-          </a:prstGeom>
-        </p:spPr>
-        <p:style>
-          <a:lnRef idx="2">
-            <a:schemeClr val="dk1"/>
-          </a:lnRef>
-          <a:fillRef idx="1">
-            <a:schemeClr val="lt1"/>
-          </a:fillRef>
-          <a:effectRef idx="0">
-            <a:schemeClr val="dk1"/>
-          </a:effectRef>
-          <a:fontRef idx="minor">
-            <a:schemeClr val="dk1"/>
-          </a:fontRef>
-        </p:style>
-        <p:txBody>
-          <a:bodyPr wrap="none" rtlCol="0">
-            <a:spAutoFit/>
-          </a:bodyPr>
-          <a:lstStyle/>
-          <a:p>
-            <a:r>
-              <a:rPr lang="es-ES" dirty="0"/>
-              <a:t>En el </a:t>
-            </a:r>
-            <a:r>
-              <a:rPr lang="es-ES" dirty="0" err="1"/>
-              <a:t>componente.ts</a:t>
-            </a:r>
-            <a:endParaRPr lang="es-ES" dirty="0"/>
-          </a:p>
-        </p:txBody>
-      </p:sp>
-      <p:sp>
-        <p:nvSpPr>
-          <p:cNvPr id="32" name="CuadroTexto 31"/>
-          <p:cNvSpPr txBox="1"/>
-          <p:nvPr/>
-        </p:nvSpPr>
-        <p:spPr>
-          <a:xfrm>
-            <a:off x="3593202" y="3033259"/>
-            <a:ext cx="1534266" cy="369332"/>
-          </a:xfrm>
-          <a:prstGeom prst="rect">
-            <a:avLst/>
-          </a:prstGeom>
-        </p:spPr>
-        <p:style>
-          <a:lnRef idx="2">
-            <a:schemeClr val="dk1"/>
-          </a:lnRef>
-          <a:fillRef idx="1">
-            <a:schemeClr val="lt1"/>
-          </a:fillRef>
-          <a:effectRef idx="0">
-            <a:schemeClr val="dk1"/>
-          </a:effectRef>
-          <a:fontRef idx="minor">
-            <a:schemeClr val="dk1"/>
-          </a:fontRef>
-        </p:style>
-        <p:txBody>
-          <a:bodyPr wrap="none" rtlCol="0">
-            <a:spAutoFit/>
-          </a:bodyPr>
-          <a:lstStyle/>
-          <a:p>
-            <a:r>
-              <a:rPr lang="es-ES" dirty="0" err="1"/>
-              <a:t>app.module.ts</a:t>
-            </a:r>
-            <a:endParaRPr lang="es-ES" dirty="0"/>
-          </a:p>
-        </p:txBody>
-      </p:sp>
+      <p:pic>
+        <p:nvPicPr>
+          <p:cNvPr id="11" name="Imagen 10"/>
+          <p:cNvPicPr>
+            <a:picLocks noChangeAspect="1"/>
+          </p:cNvPicPr>
+          <p:nvPr/>
+        </p:nvPicPr>
+        <p:blipFill>
+          <a:blip r:embed="rId6"/>
+          <a:stretch>
+            <a:fillRect/>
+          </a:stretch>
+        </p:blipFill>
+        <p:spPr>
+          <a:xfrm>
+            <a:off x="5012048" y="5031674"/>
+            <a:ext cx="5447619" cy="1552381"/>
+          </a:xfrm>
+          <a:prstGeom prst="rect">
+            <a:avLst/>
+          </a:prstGeom>
+        </p:spPr>
+      </p:pic>
     </p:spTree>
     <p:extLst>
       <p:ext uri="{BB962C8B-B14F-4D97-AF65-F5344CB8AC3E}">
-        <p14:creationId xmlns:p14="http://schemas.microsoft.com/office/powerpoint/2010/main" val="949299333"/>
+        <p14:creationId xmlns:p14="http://schemas.microsoft.com/office/powerpoint/2010/main" val="4080962157"/>
       </p:ext>
     </p:extLst>
   </p:cSld>
@@ -7727,28 +7924,6 @@
           <a:chExt cx="0" cy="0"/>
         </a:xfrm>
       </p:grpSpPr>
-      <p:sp>
-        <p:nvSpPr>
-          <p:cNvPr id="2" name="Título 1"/>
-          <p:cNvSpPr>
-            <a:spLocks noGrp="1"/>
-          </p:cNvSpPr>
-          <p:nvPr>
-            <p:ph type="title"/>
-          </p:nvPr>
-        </p:nvSpPr>
-        <p:spPr/>
-        <p:txBody>
-          <a:bodyPr/>
-          <a:lstStyle/>
-          <a:p>
-            <a:r>
-              <a:rPr lang="es-ES" dirty="0"/>
-              <a:t>Varias peticiones en paralelo</a:t>
-            </a:r>
-          </a:p>
-        </p:txBody>
-      </p:sp>
       <p:pic>
         <p:nvPicPr>
           <p:cNvPr id="4" name="Imagen 3"/>
@@ -7765,8 +7940,8 @@
         </p:blipFill>
         <p:spPr>
           <a:xfrm>
-            <a:off x="838200" y="1690688"/>
-            <a:ext cx="4276190" cy="1600000"/>
+            <a:off x="5495361" y="4439994"/>
+            <a:ext cx="6200000" cy="1914286"/>
           </a:xfrm>
           <a:prstGeom prst="rect">
             <a:avLst/>
@@ -7775,7 +7950,7 @@
       </p:pic>
       <p:pic>
         <p:nvPicPr>
-          <p:cNvPr id="5" name="Imagen 4"/>
+          <p:cNvPr id="6" name="Imagen 5"/>
           <p:cNvPicPr>
             <a:picLocks noChangeAspect="1"/>
           </p:cNvPicPr>
@@ -7789,107 +7964,17 @@
         </p:blipFill>
         <p:spPr>
           <a:xfrm>
-            <a:off x="6403841" y="1690688"/>
-            <a:ext cx="4619048" cy="704762"/>
+            <a:off x="6249021" y="281487"/>
+            <a:ext cx="5580952" cy="3647619"/>
           </a:xfrm>
           <a:prstGeom prst="rect">
             <a:avLst/>
           </a:prstGeom>
         </p:spPr>
       </p:pic>
-      <p:sp>
-        <p:nvSpPr>
-          <p:cNvPr id="6" name="CuadroTexto 5"/>
-          <p:cNvSpPr txBox="1"/>
-          <p:nvPr/>
-        </p:nvSpPr>
-        <p:spPr>
-          <a:xfrm>
-            <a:off x="3816991" y="2691170"/>
-            <a:ext cx="1137234" cy="369332"/>
-          </a:xfrm>
-          <a:prstGeom prst="rect">
-            <a:avLst/>
-          </a:prstGeom>
-        </p:spPr>
-        <p:style>
-          <a:lnRef idx="2">
-            <a:schemeClr val="dk1"/>
-          </a:lnRef>
-          <a:fillRef idx="1">
-            <a:schemeClr val="lt1"/>
-          </a:fillRef>
-          <a:effectRef idx="0">
-            <a:schemeClr val="dk1"/>
-          </a:effectRef>
-          <a:fontRef idx="minor">
-            <a:schemeClr val="dk1"/>
-          </a:fontRef>
-        </p:style>
-        <p:txBody>
-          <a:bodyPr wrap="none" rtlCol="0">
-            <a:spAutoFit/>
-          </a:bodyPr>
-          <a:lstStyle/>
-          <a:p>
-            <a:r>
-              <a:rPr lang="es-ES" dirty="0" err="1"/>
-              <a:t>Servicio.ts</a:t>
-            </a:r>
-            <a:endParaRPr lang="es-ES" dirty="0"/>
-          </a:p>
-        </p:txBody>
-      </p:sp>
-      <p:sp>
-        <p:nvSpPr>
-          <p:cNvPr id="7" name="CuadroTexto 6"/>
-          <p:cNvSpPr txBox="1"/>
-          <p:nvPr/>
-        </p:nvSpPr>
-        <p:spPr>
-          <a:xfrm>
-            <a:off x="8986007" y="1936690"/>
-            <a:ext cx="1814664" cy="369332"/>
-          </a:xfrm>
-          <a:prstGeom prst="rect">
-            <a:avLst/>
-          </a:prstGeom>
-        </p:spPr>
-        <p:style>
-          <a:lnRef idx="2">
-            <a:schemeClr val="dk1"/>
-          </a:lnRef>
-          <a:fillRef idx="1">
-            <a:schemeClr val="lt1"/>
-          </a:fillRef>
-          <a:effectRef idx="0">
-            <a:schemeClr val="dk1"/>
-          </a:effectRef>
-          <a:fontRef idx="minor">
-            <a:schemeClr val="dk1"/>
-          </a:fontRef>
-        </p:style>
-        <p:txBody>
-          <a:bodyPr wrap="none" rtlCol="0">
-            <a:spAutoFit/>
-          </a:bodyPr>
-          <a:lstStyle/>
-          <a:p>
-            <a:r>
-              <a:rPr lang="es-ES" dirty="0"/>
-              <a:t>El </a:t>
-            </a:r>
-            <a:r>
-              <a:rPr lang="es-ES" dirty="0" err="1"/>
-              <a:t>componente.ts</a:t>
-            </a:r>
-            <a:endParaRPr lang="es-ES" dirty="0"/>
-          </a:p>
-        </p:txBody>
-      </p:sp>
       <p:pic>
         <p:nvPicPr>
-          <p:cNvPr id="8" name="Imagen 7"/>
+          <p:cNvPr id="7" name="Imagen 6"/>
           <p:cNvPicPr>
             <a:picLocks noChangeAspect="1"/>
           </p:cNvPicPr>
@@ -7903,273 +7988,8 @@
         </p:blipFill>
         <p:spPr>
           <a:xfrm>
-            <a:off x="904600" y="4291170"/>
-            <a:ext cx="3285714" cy="704762"/>
-          </a:xfrm>
-          <a:prstGeom prst="rect">
-            <a:avLst/>
-          </a:prstGeom>
-        </p:spPr>
-      </p:pic>
-      <p:pic>
-        <p:nvPicPr>
-          <p:cNvPr id="9" name="Imagen 8"/>
-          <p:cNvPicPr>
-            <a:picLocks noChangeAspect="1"/>
-          </p:cNvPicPr>
-          <p:nvPr/>
-        </p:nvPicPr>
-        <p:blipFill>
-          <a:blip r:embed="rId5"/>
-          <a:stretch>
-            <a:fillRect/>
-          </a:stretch>
-        </p:blipFill>
-        <p:spPr>
-          <a:xfrm>
-            <a:off x="909628" y="5368393"/>
-            <a:ext cx="2066667" cy="819048"/>
-          </a:xfrm>
-          <a:prstGeom prst="rect">
-            <a:avLst/>
-          </a:prstGeom>
-        </p:spPr>
-      </p:pic>
-      <p:sp>
-        <p:nvSpPr>
-          <p:cNvPr id="10" name="CuadroTexto 9"/>
-          <p:cNvSpPr txBox="1"/>
-          <p:nvPr/>
-        </p:nvSpPr>
-        <p:spPr>
-          <a:xfrm>
-            <a:off x="3053080" y="4811266"/>
-            <a:ext cx="2025747" cy="369332"/>
-          </a:xfrm>
-          <a:prstGeom prst="rect">
-            <a:avLst/>
-          </a:prstGeom>
-        </p:spPr>
-        <p:style>
-          <a:lnRef idx="2">
-            <a:schemeClr val="dk1"/>
-          </a:lnRef>
-          <a:fillRef idx="1">
-            <a:schemeClr val="lt1"/>
-          </a:fillRef>
-          <a:effectRef idx="0">
-            <a:schemeClr val="dk1"/>
-          </a:effectRef>
-          <a:fontRef idx="minor">
-            <a:schemeClr val="dk1"/>
-          </a:fontRef>
-        </p:style>
-        <p:txBody>
-          <a:bodyPr wrap="none" rtlCol="0">
-            <a:spAutoFit/>
-          </a:bodyPr>
-          <a:lstStyle/>
-          <a:p>
-            <a:r>
-              <a:rPr lang="es-ES" dirty="0" err="1"/>
-              <a:t>Assets</a:t>
-            </a:r>
-            <a:r>
-              <a:rPr lang="es-ES" dirty="0"/>
-              <a:t>/Datos.1.json</a:t>
-            </a:r>
-          </a:p>
-        </p:txBody>
-      </p:sp>
-      <p:sp>
-        <p:nvSpPr>
-          <p:cNvPr id="11" name="CuadroTexto 10"/>
-          <p:cNvSpPr txBox="1"/>
-          <p:nvPr/>
-        </p:nvSpPr>
-        <p:spPr>
-          <a:xfrm>
-            <a:off x="2547457" y="5777917"/>
-            <a:ext cx="1851020" cy="369332"/>
-          </a:xfrm>
-          <a:prstGeom prst="rect">
-            <a:avLst/>
-          </a:prstGeom>
-        </p:spPr>
-        <p:style>
-          <a:lnRef idx="2">
-            <a:schemeClr val="dk1"/>
-          </a:lnRef>
-          <a:fillRef idx="1">
-            <a:schemeClr val="lt1"/>
-          </a:fillRef>
-          <a:effectRef idx="0">
-            <a:schemeClr val="dk1"/>
-          </a:effectRef>
-          <a:fontRef idx="minor">
-            <a:schemeClr val="dk1"/>
-          </a:fontRef>
-        </p:style>
-        <p:txBody>
-          <a:bodyPr wrap="none" rtlCol="0">
-            <a:spAutoFit/>
-          </a:bodyPr>
-          <a:lstStyle/>
-          <a:p>
-            <a:r>
-              <a:rPr lang="es-ES" dirty="0" err="1"/>
-              <a:t>Assets</a:t>
-            </a:r>
-            <a:r>
-              <a:rPr lang="es-ES" dirty="0"/>
-              <a:t>/</a:t>
-            </a:r>
-            <a:r>
-              <a:rPr lang="es-ES" dirty="0" err="1"/>
-              <a:t>Datos.json</a:t>
-            </a:r>
-            <a:endParaRPr lang="es-ES" dirty="0"/>
-          </a:p>
-        </p:txBody>
-      </p:sp>
-      <p:pic>
-        <p:nvPicPr>
-          <p:cNvPr id="12" name="Imagen 11"/>
-          <p:cNvPicPr>
-            <a:picLocks noChangeAspect="1"/>
-          </p:cNvPicPr>
-          <p:nvPr/>
-        </p:nvPicPr>
-        <p:blipFill>
-          <a:blip r:embed="rId6"/>
-          <a:stretch>
-            <a:fillRect/>
-          </a:stretch>
-        </p:blipFill>
-        <p:spPr>
-          <a:xfrm>
-            <a:off x="6403841" y="4386408"/>
-            <a:ext cx="4466667" cy="1219048"/>
-          </a:xfrm>
-          <a:prstGeom prst="rect">
-            <a:avLst/>
-          </a:prstGeom>
-        </p:spPr>
-      </p:pic>
-      <p:cxnSp>
-        <p:nvCxnSpPr>
-          <p:cNvPr id="14" name="Conector recto de flecha 13"/>
-          <p:cNvCxnSpPr/>
-          <p:nvPr/>
-        </p:nvCxnSpPr>
-        <p:spPr>
-          <a:xfrm flipH="1">
-            <a:off x="7373923" y="2121356"/>
-            <a:ext cx="486561" cy="2417088"/>
-          </a:xfrm>
-          <a:prstGeom prst="straightConnector1">
-            <a:avLst/>
-          </a:prstGeom>
-          <a:ln>
-            <a:tailEnd type="triangle"/>
-          </a:ln>
-        </p:spPr>
-        <p:style>
-          <a:lnRef idx="1">
-            <a:schemeClr val="accent1"/>
-          </a:lnRef>
-          <a:fillRef idx="0">
-            <a:schemeClr val="accent1"/>
-          </a:fillRef>
-          <a:effectRef idx="0">
-            <a:schemeClr val="accent1"/>
-          </a:effectRef>
-          <a:fontRef idx="minor">
-            <a:schemeClr val="tx1"/>
-          </a:fontRef>
-        </p:style>
-      </p:cxnSp>
-      <p:cxnSp>
-        <p:nvCxnSpPr>
-          <p:cNvPr id="16" name="Conector recto de flecha 15"/>
-          <p:cNvCxnSpPr/>
-          <p:nvPr/>
-        </p:nvCxnSpPr>
-        <p:spPr>
-          <a:xfrm flipH="1" flipV="1">
-            <a:off x="2348917" y="2919369"/>
-            <a:ext cx="2605308" cy="1031846"/>
-          </a:xfrm>
-          <a:prstGeom prst="straightConnector1">
-            <a:avLst/>
-          </a:prstGeom>
-          <a:ln>
-            <a:tailEnd type="triangle"/>
-          </a:ln>
-        </p:spPr>
-        <p:style>
-          <a:lnRef idx="1">
-            <a:schemeClr val="accent1"/>
-          </a:lnRef>
-          <a:fillRef idx="0">
-            <a:schemeClr val="accent1"/>
-          </a:fillRef>
-          <a:effectRef idx="0">
-            <a:schemeClr val="accent1"/>
-          </a:effectRef>
-          <a:fontRef idx="minor">
-            <a:schemeClr val="tx1"/>
-          </a:fontRef>
-        </p:style>
-      </p:cxnSp>
-      <p:sp>
-        <p:nvSpPr>
-          <p:cNvPr id="17" name="CuadroTexto 16"/>
-          <p:cNvSpPr txBox="1"/>
-          <p:nvPr/>
-        </p:nvSpPr>
-        <p:spPr>
-          <a:xfrm>
-            <a:off x="5078827" y="3934437"/>
-            <a:ext cx="926792" cy="369332"/>
-          </a:xfrm>
-          <a:prstGeom prst="rect">
-            <a:avLst/>
-          </a:prstGeom>
-          <a:noFill/>
-        </p:spPr>
-        <p:txBody>
-          <a:bodyPr wrap="none" rtlCol="0">
-            <a:spAutoFit/>
-          </a:bodyPr>
-          <a:lstStyle/>
-          <a:p>
-            <a:r>
-              <a:rPr lang="es-ES" dirty="0" err="1"/>
-              <a:t>forkJoin</a:t>
-            </a:r>
-            <a:endParaRPr lang="es-ES" dirty="0"/>
-          </a:p>
-        </p:txBody>
-      </p:sp>
-      <p:pic>
-        <p:nvPicPr>
-          <p:cNvPr id="18" name="Imagen 17"/>
-          <p:cNvPicPr>
-            <a:picLocks noChangeAspect="1"/>
-          </p:cNvPicPr>
-          <p:nvPr/>
-        </p:nvPicPr>
-        <p:blipFill>
-          <a:blip r:embed="rId7"/>
-          <a:stretch>
-            <a:fillRect/>
-          </a:stretch>
-        </p:blipFill>
-        <p:spPr>
-          <a:xfrm>
-            <a:off x="838200" y="1239629"/>
-            <a:ext cx="2867025" cy="304800"/>
+            <a:off x="1212941" y="1845673"/>
+            <a:ext cx="2990850" cy="1181100"/>
           </a:xfrm>
           <a:prstGeom prst="rect">
             <a:avLst/>
@@ -8179,7 +7999,7 @@
     </p:spTree>
     <p:extLst>
       <p:ext uri="{BB962C8B-B14F-4D97-AF65-F5344CB8AC3E}">
-        <p14:creationId xmlns:p14="http://schemas.microsoft.com/office/powerpoint/2010/main" val="2328631036"/>
+        <p14:creationId xmlns:p14="http://schemas.microsoft.com/office/powerpoint/2010/main" val="3620995449"/>
       </p:ext>
     </p:extLst>
   </p:cSld>
@@ -8206,49 +8026,9 @@
           <a:chExt cx="0" cy="0"/>
         </a:xfrm>
       </p:grpSpPr>
-      <p:sp>
-        <p:nvSpPr>
-          <p:cNvPr id="2" name="Título 1"/>
-          <p:cNvSpPr>
-            <a:spLocks noGrp="1"/>
-          </p:cNvSpPr>
-          <p:nvPr>
-            <p:ph type="title"/>
-          </p:nvPr>
-        </p:nvSpPr>
-        <p:spPr>
-          <a:xfrm>
-            <a:off x="838200" y="365126"/>
-            <a:ext cx="10663106" cy="759000"/>
-          </a:xfrm>
-        </p:spPr>
-        <p:txBody>
-          <a:bodyPr/>
-          <a:lstStyle/>
-          <a:p>
-            <a:r>
-              <a:rPr lang="es-ES" dirty="0"/>
-              <a:t>Peticiones en serie. Uso de </a:t>
-            </a:r>
-            <a:r>
-              <a:rPr lang="es-ES" dirty="0" err="1"/>
-              <a:t>async</a:t>
-            </a:r>
-            <a:r>
-              <a:rPr lang="es-ES" dirty="0"/>
-              <a:t>, </a:t>
-            </a:r>
-            <a:r>
-              <a:rPr lang="es-ES" dirty="0" err="1"/>
-              <a:t>await</a:t>
-            </a:r>
-            <a:endParaRPr lang="es-ES" dirty="0"/>
-          </a:p>
-        </p:txBody>
-      </p:sp>
       <p:pic>
         <p:nvPicPr>
-          <p:cNvPr id="5" name="Imagen 4"/>
+          <p:cNvPr id="4" name="Imagen 3"/>
           <p:cNvPicPr>
             <a:picLocks noChangeAspect="1"/>
           </p:cNvPicPr>
@@ -8262,8 +8042,8 @@
         </p:blipFill>
         <p:spPr>
           <a:xfrm>
-            <a:off x="242552" y="1503014"/>
-            <a:ext cx="7438095" cy="1752381"/>
+            <a:off x="5534568" y="374226"/>
+            <a:ext cx="6504762" cy="4838095"/>
           </a:xfrm>
           <a:prstGeom prst="rect">
             <a:avLst/>
@@ -8272,7 +8052,7 @@
       </p:pic>
       <p:pic>
         <p:nvPicPr>
-          <p:cNvPr id="6" name="Imagen 5"/>
+          <p:cNvPr id="5" name="Imagen 4"/>
           <p:cNvPicPr>
             <a:picLocks noChangeAspect="1"/>
           </p:cNvPicPr>
@@ -8286,8 +8066,8 @@
         </p:blipFill>
         <p:spPr>
           <a:xfrm>
-            <a:off x="242552" y="4199926"/>
-            <a:ext cx="6180952" cy="695238"/>
+            <a:off x="115520" y="374226"/>
+            <a:ext cx="5419048" cy="1666667"/>
           </a:xfrm>
           <a:prstGeom prst="rect">
             <a:avLst/>
@@ -8296,33 +8076,20 @@
       </p:pic>
       <p:sp>
         <p:nvSpPr>
-          <p:cNvPr id="7" name="CuadroTexto 6"/>
+          <p:cNvPr id="6" name="CuadroTexto 5"/>
           <p:cNvSpPr txBox="1"/>
           <p:nvPr/>
         </p:nvSpPr>
         <p:spPr>
           <a:xfrm>
-            <a:off x="6308521" y="2754247"/>
-            <a:ext cx="1137234" cy="369332"/>
-          </a:xfrm>
-          <a:prstGeom prst="rect">
-            <a:avLst/>
-          </a:prstGeom>
-        </p:spPr>
-        <p:style>
-          <a:lnRef idx="2">
-            <a:schemeClr val="dk1"/>
-          </a:lnRef>
-          <a:fillRef idx="1">
-            <a:schemeClr val="lt1"/>
-          </a:fillRef>
-          <a:effectRef idx="0">
-            <a:schemeClr val="dk1"/>
-          </a:effectRef>
-          <a:fontRef idx="minor">
-            <a:schemeClr val="dk1"/>
-          </a:fontRef>
-        </p:style>
+            <a:off x="165463" y="3683726"/>
+            <a:ext cx="4513993" cy="369332"/>
+          </a:xfrm>
+          <a:prstGeom prst="rect">
+            <a:avLst/>
+          </a:prstGeom>
+          <a:noFill/>
+        </p:spPr>
         <p:txBody>
           <a:bodyPr wrap="none" rtlCol="0">
             <a:spAutoFit/>
@@ -8330,84 +8097,37 @@
           <a:lstStyle/>
           <a:p>
             <a:r>
+              <a:rPr lang="es-ES" dirty="0"/>
+              <a:t>El observable captura eventos </a:t>
+            </a:r>
+            <a:r>
               <a:rPr lang="es-ES" dirty="0" err="1"/>
-              <a:t>Servicio.ts</a:t>
+              <a:t>click</a:t>
+            </a:r>
+            <a:r>
+              <a:rPr lang="es-ES" dirty="0"/>
+              <a:t>, </a:t>
+            </a:r>
+            <a:r>
+              <a:rPr lang="es-ES" dirty="0" err="1"/>
+              <a:t>keyup</a:t>
+            </a:r>
+            <a:r>
+              <a:rPr lang="es-ES" dirty="0"/>
+              <a:t>, </a:t>
+            </a:r>
+            <a:r>
+              <a:rPr lang="es-ES" dirty="0" err="1"/>
+              <a:t>etc</a:t>
             </a:r>
             <a:endParaRPr lang="es-ES" dirty="0"/>
           </a:p>
         </p:txBody>
       </p:sp>
-      <p:sp>
-        <p:nvSpPr>
-          <p:cNvPr id="8" name="CuadroTexto 7"/>
-          <p:cNvSpPr txBox="1"/>
-          <p:nvPr/>
-        </p:nvSpPr>
-        <p:spPr>
-          <a:xfrm>
-            <a:off x="5739904" y="4679361"/>
-            <a:ext cx="1596656" cy="369332"/>
-          </a:xfrm>
-          <a:prstGeom prst="rect">
-            <a:avLst/>
-          </a:prstGeom>
-        </p:spPr>
-        <p:style>
-          <a:lnRef idx="2">
-            <a:schemeClr val="dk1"/>
-          </a:lnRef>
-          <a:fillRef idx="1">
-            <a:schemeClr val="lt1"/>
-          </a:fillRef>
-          <a:effectRef idx="0">
-            <a:schemeClr val="dk1"/>
-          </a:effectRef>
-          <a:fontRef idx="minor">
-            <a:schemeClr val="dk1"/>
-          </a:fontRef>
-        </p:style>
-        <p:txBody>
-          <a:bodyPr wrap="none" rtlCol="0">
-            <a:spAutoFit/>
-          </a:bodyPr>
-          <a:lstStyle/>
-          <a:p>
-            <a:r>
-              <a:rPr lang="es-ES" dirty="0" err="1"/>
-              <a:t>componente.ts</a:t>
-            </a:r>
-            <a:endParaRPr lang="es-ES" dirty="0"/>
-          </a:p>
-        </p:txBody>
-      </p:sp>
-      <p:pic>
-        <p:nvPicPr>
-          <p:cNvPr id="10" name="Imagen 9"/>
-          <p:cNvPicPr>
-            <a:picLocks noChangeAspect="1"/>
-          </p:cNvPicPr>
-          <p:nvPr/>
-        </p:nvPicPr>
-        <p:blipFill>
-          <a:blip r:embed="rId4"/>
-          <a:stretch>
-            <a:fillRect/>
-          </a:stretch>
-        </p:blipFill>
-        <p:spPr>
-          <a:xfrm>
-            <a:off x="7764014" y="1367296"/>
-            <a:ext cx="4247619" cy="4542857"/>
-          </a:xfrm>
-          <a:prstGeom prst="rect">
-            <a:avLst/>
-          </a:prstGeom>
-        </p:spPr>
-      </p:pic>
     </p:spTree>
     <p:extLst>
       <p:ext uri="{BB962C8B-B14F-4D97-AF65-F5344CB8AC3E}">
-        <p14:creationId xmlns:p14="http://schemas.microsoft.com/office/powerpoint/2010/main" val="3477894215"/>
+        <p14:creationId xmlns:p14="http://schemas.microsoft.com/office/powerpoint/2010/main" val="4178849005"/>
       </p:ext>
     </p:extLst>
   </p:cSld>
@@ -8434,33 +8154,6 @@
           <a:chExt cx="0" cy="0"/>
         </a:xfrm>
       </p:grpSpPr>
-      <p:sp>
-        <p:nvSpPr>
-          <p:cNvPr id="2" name="Título 1"/>
-          <p:cNvSpPr>
-            <a:spLocks noGrp="1"/>
-          </p:cNvSpPr>
-          <p:nvPr>
-            <p:ph type="title"/>
-          </p:nvPr>
-        </p:nvSpPr>
-        <p:spPr/>
-        <p:txBody>
-          <a:bodyPr/>
-          <a:lstStyle/>
-          <a:p>
-            <a:r>
-              <a:rPr lang="es-ES" dirty="0"/>
-              <a:t>Control de errores </a:t>
-            </a:r>
-            <a:r>
-              <a:rPr lang="es-ES" dirty="0" err="1"/>
-              <a:t>await</a:t>
-            </a:r>
-            <a:endParaRPr lang="es-ES" dirty="0"/>
-          </a:p>
-        </p:txBody>
-      </p:sp>
       <p:pic>
         <p:nvPicPr>
           <p:cNvPr id="4" name="Imagen 3"/>
@@ -8477,8 +8170,8 @@
         </p:blipFill>
         <p:spPr>
           <a:xfrm>
-            <a:off x="250063" y="1279111"/>
-            <a:ext cx="6457143" cy="4333333"/>
+            <a:off x="706217" y="681008"/>
+            <a:ext cx="4457143" cy="3876190"/>
           </a:xfrm>
           <a:prstGeom prst="rect">
             <a:avLst/>
@@ -8501,128 +8194,92 @@
         </p:blipFill>
         <p:spPr>
           <a:xfrm>
-            <a:off x="6044789" y="1396529"/>
-            <a:ext cx="5971429" cy="1095238"/>
+            <a:off x="6526121" y="681008"/>
+            <a:ext cx="1647825" cy="742950"/>
           </a:xfrm>
           <a:prstGeom prst="rect">
             <a:avLst/>
           </a:prstGeom>
         </p:spPr>
       </p:pic>
-      <p:pic>
-        <p:nvPicPr>
-          <p:cNvPr id="6" name="Imagen 5"/>
-          <p:cNvPicPr>
-            <a:picLocks noChangeAspect="1"/>
-          </p:cNvPicPr>
-          <p:nvPr/>
-        </p:nvPicPr>
-        <p:blipFill>
-          <a:blip r:embed="rId4"/>
-          <a:stretch>
-            <a:fillRect/>
-          </a:stretch>
-        </p:blipFill>
-        <p:spPr>
-          <a:xfrm>
-            <a:off x="7507137" y="3674909"/>
-            <a:ext cx="4123809" cy="1504762"/>
-          </a:xfrm>
-          <a:prstGeom prst="rect">
-            <a:avLst/>
-          </a:prstGeom>
-        </p:spPr>
-      </p:pic>
-      <p:sp>
-        <p:nvSpPr>
-          <p:cNvPr id="7" name="CuadroTexto 6"/>
+      <p:sp>
+        <p:nvSpPr>
+          <p:cNvPr id="6" name="CuadroTexto 5"/>
           <p:cNvSpPr txBox="1"/>
           <p:nvPr/>
         </p:nvSpPr>
         <p:spPr>
           <a:xfrm>
-            <a:off x="5184396" y="4306210"/>
-            <a:ext cx="1137234" cy="369332"/>
-          </a:xfrm>
-          <a:prstGeom prst="rect">
-            <a:avLst/>
-          </a:prstGeom>
-        </p:spPr>
-        <p:style>
-          <a:lnRef idx="2">
-            <a:schemeClr val="dk1"/>
-          </a:lnRef>
-          <a:fillRef idx="1">
-            <a:schemeClr val="lt1"/>
-          </a:fillRef>
-          <a:effectRef idx="0">
-            <a:schemeClr val="dk1"/>
-          </a:effectRef>
-          <a:fontRef idx="minor">
-            <a:schemeClr val="dk1"/>
-          </a:fontRef>
-        </p:style>
-        <p:txBody>
-          <a:bodyPr wrap="none" rtlCol="0">
+            <a:off x="6130834" y="2525873"/>
+            <a:ext cx="5155474" cy="2031325"/>
+          </a:xfrm>
+          <a:prstGeom prst="rect">
+            <a:avLst/>
+          </a:prstGeom>
+          <a:noFill/>
+        </p:spPr>
+        <p:txBody>
+          <a:bodyPr wrap="square" rtlCol="0">
             <a:spAutoFit/>
           </a:bodyPr>
           <a:lstStyle/>
           <a:p>
             <a:r>
+              <a:rPr lang="es-ES" dirty="0"/>
+              <a:t>Crea un observable que tiene un </a:t>
+            </a:r>
+            <a:r>
               <a:rPr lang="es-ES" dirty="0" err="1"/>
-              <a:t>Servicio.ts</a:t>
-            </a:r>
+              <a:t>interval</a:t>
+            </a:r>
+            <a:r>
+              <a:rPr lang="es-ES" dirty="0"/>
+              <a:t> y produce un error.</a:t>
+            </a:r>
+          </a:p>
+          <a:p>
+            <a:r>
+              <a:rPr lang="es-ES" dirty="0"/>
+              <a:t>Si c &gt; 20 entonces se completa.</a:t>
+            </a:r>
+          </a:p>
+          <a:p>
+            <a:r>
+              <a:rPr lang="es-ES" dirty="0"/>
+              <a:t>Pero como se produce un error para de emitir.</a:t>
+            </a:r>
+          </a:p>
+          <a:p>
             <a:endParaRPr lang="es-ES" dirty="0"/>
           </a:p>
-        </p:txBody>
-      </p:sp>
-      <p:sp>
-        <p:nvSpPr>
-          <p:cNvPr id="8" name="CuadroTexto 7"/>
-          <p:cNvSpPr txBox="1"/>
-          <p:nvPr/>
-        </p:nvSpPr>
-        <p:spPr>
-          <a:xfrm>
-            <a:off x="10541686" y="909779"/>
-            <a:ext cx="1624227" cy="369332"/>
-          </a:xfrm>
-          <a:prstGeom prst="rect">
-            <a:avLst/>
-          </a:prstGeom>
-        </p:spPr>
-        <p:style>
-          <a:lnRef idx="2">
-            <a:schemeClr val="dk1"/>
-          </a:lnRef>
-          <a:fillRef idx="1">
-            <a:schemeClr val="lt1"/>
-          </a:fillRef>
-          <a:effectRef idx="0">
-            <a:schemeClr val="dk1"/>
-          </a:effectRef>
-          <a:fontRef idx="minor">
-            <a:schemeClr val="dk1"/>
-          </a:fontRef>
-        </p:style>
-        <p:txBody>
-          <a:bodyPr wrap="none" rtlCol="0">
-            <a:spAutoFit/>
-          </a:bodyPr>
-          <a:lstStyle/>
-          <a:p>
+          <a:p>
+            <a:r>
+              <a:rPr lang="es-ES" dirty="0"/>
+              <a:t>El </a:t>
+            </a:r>
             <a:r>
               <a:rPr lang="es-ES" dirty="0" err="1"/>
-              <a:t>Componente.ts</a:t>
-            </a:r>
-            <a:endParaRPr lang="es-ES" dirty="0"/>
+              <a:t>scan</a:t>
+            </a:r>
+            <a:r>
+              <a:rPr lang="es-ES" dirty="0"/>
+              <a:t> es un reduce que acumula en </a:t>
+            </a:r>
+            <a:r>
+              <a:rPr lang="es-ES" dirty="0" err="1"/>
+              <a:t>acc</a:t>
+            </a:r>
+            <a:r>
+              <a:rPr lang="es-ES" dirty="0"/>
+              <a:t> todos los elementos del observable </a:t>
+            </a:r>
           </a:p>
         </p:txBody>
       </p:sp>
     </p:spTree>
     <p:extLst>
       <p:ext uri="{BB962C8B-B14F-4D97-AF65-F5344CB8AC3E}">
-        <p14:creationId xmlns:p14="http://schemas.microsoft.com/office/powerpoint/2010/main" val="3905809783"/>
+        <p14:creationId xmlns:p14="http://schemas.microsoft.com/office/powerpoint/2010/main" val="2345567815"/>
       </p:ext>
     </p:extLst>
   </p:cSld>
@@ -8649,35 +8306,6 @@
           <a:chExt cx="0" cy="0"/>
         </a:xfrm>
       </p:grpSpPr>
-      <p:sp>
-        <p:nvSpPr>
-          <p:cNvPr id="2" name="Título 1"/>
-          <p:cNvSpPr>
-            <a:spLocks noGrp="1"/>
-          </p:cNvSpPr>
-          <p:nvPr>
-            <p:ph type="title"/>
-          </p:nvPr>
-        </p:nvSpPr>
-        <p:spPr>
-          <a:xfrm>
-            <a:off x="427139" y="298014"/>
-            <a:ext cx="10515600" cy="624776"/>
-          </a:xfrm>
-        </p:spPr>
-        <p:txBody>
-          <a:bodyPr>
-            <a:normAutofit fontScale="90000"/>
-          </a:bodyPr>
-          <a:lstStyle/>
-          <a:p>
-            <a:r>
-              <a:rPr lang="es-ES" dirty="0"/>
-              <a:t>EL CORS</a:t>
-            </a:r>
-          </a:p>
-        </p:txBody>
-      </p:sp>
       <p:pic>
         <p:nvPicPr>
           <p:cNvPr id="4" name="Imagen 3"/>
@@ -8694,8 +8322,8 @@
         </p:blipFill>
         <p:spPr>
           <a:xfrm>
-            <a:off x="138953" y="1048134"/>
-            <a:ext cx="6492136" cy="1820902"/>
+            <a:off x="904716" y="985768"/>
+            <a:ext cx="3990476" cy="3266667"/>
           </a:xfrm>
           <a:prstGeom prst="rect">
             <a:avLst/>
@@ -8710,8 +8338,8 @@
         </p:nvSpPr>
         <p:spPr>
           <a:xfrm>
-            <a:off x="218113" y="2994380"/>
-            <a:ext cx="7310912" cy="369332"/>
+            <a:off x="5155474" y="1323702"/>
+            <a:ext cx="6043749" cy="646331"/>
           </a:xfrm>
           <a:prstGeom prst="rect">
             <a:avLst/>
@@ -8719,14 +8347,14 @@
           <a:noFill/>
         </p:spPr>
         <p:txBody>
-          <a:bodyPr wrap="none" rtlCol="0">
+          <a:bodyPr wrap="square" rtlCol="0">
             <a:spAutoFit/>
           </a:bodyPr>
           <a:lstStyle/>
           <a:p>
             <a:r>
               <a:rPr lang="es-ES" dirty="0"/>
-              <a:t>http-server (lanza el servidor web con el raíz en el directorio de la aplicación)</a:t>
+              <a:t>Si falla, se reintenta dos veces, por eso se repite el bloque 012 tres veces </a:t>
             </a:r>
           </a:p>
         </p:txBody>
@@ -8747,108 +8375,18 @@
         </p:blipFill>
         <p:spPr>
           <a:xfrm>
-            <a:off x="218113" y="3363712"/>
-            <a:ext cx="6619048" cy="1600000"/>
+            <a:off x="5297397" y="2698160"/>
+            <a:ext cx="1666875" cy="695325"/>
           </a:xfrm>
           <a:prstGeom prst="rect">
             <a:avLst/>
           </a:prstGeom>
         </p:spPr>
       </p:pic>
-      <p:pic>
-        <p:nvPicPr>
-          <p:cNvPr id="7" name="Imagen 6"/>
-          <p:cNvPicPr>
-            <a:picLocks noChangeAspect="1"/>
-          </p:cNvPicPr>
-          <p:nvPr/>
-        </p:nvPicPr>
-        <p:blipFill>
-          <a:blip r:embed="rId4"/>
-          <a:stretch>
-            <a:fillRect/>
-          </a:stretch>
-        </p:blipFill>
-        <p:spPr>
-          <a:xfrm>
-            <a:off x="4209001" y="4331102"/>
-            <a:ext cx="7780952" cy="609524"/>
-          </a:xfrm>
-          <a:prstGeom prst="rect">
-            <a:avLst/>
-          </a:prstGeom>
-        </p:spPr>
-      </p:pic>
-      <p:pic>
-        <p:nvPicPr>
-          <p:cNvPr id="8" name="Imagen 7"/>
-          <p:cNvPicPr>
-            <a:picLocks noChangeAspect="1"/>
-          </p:cNvPicPr>
-          <p:nvPr/>
-        </p:nvPicPr>
-        <p:blipFill>
-          <a:blip r:embed="rId5"/>
-          <a:stretch>
-            <a:fillRect/>
-          </a:stretch>
-        </p:blipFill>
-        <p:spPr>
-          <a:xfrm>
-            <a:off x="188090" y="5172286"/>
-            <a:ext cx="10047619" cy="1685714"/>
-          </a:xfrm>
-          <a:prstGeom prst="rect">
-            <a:avLst/>
-          </a:prstGeom>
-        </p:spPr>
-      </p:pic>
-      <p:sp>
-        <p:nvSpPr>
-          <p:cNvPr id="9" name="CuadroTexto 8"/>
-          <p:cNvSpPr txBox="1"/>
-          <p:nvPr/>
-        </p:nvSpPr>
-        <p:spPr>
-          <a:xfrm>
-            <a:off x="5847128" y="6277348"/>
-            <a:ext cx="4025589" cy="369332"/>
-          </a:xfrm>
-          <a:prstGeom prst="rect">
-            <a:avLst/>
-          </a:prstGeom>
-        </p:spPr>
-        <p:style>
-          <a:lnRef idx="2">
-            <a:schemeClr val="dk1"/>
-          </a:lnRef>
-          <a:fillRef idx="1">
-            <a:schemeClr val="lt1"/>
-          </a:fillRef>
-          <a:effectRef idx="0">
-            <a:schemeClr val="dk1"/>
-          </a:effectRef>
-          <a:fontRef idx="minor">
-            <a:schemeClr val="dk1"/>
-          </a:fontRef>
-        </p:style>
-        <p:txBody>
-          <a:bodyPr wrap="none" rtlCol="0">
-            <a:spAutoFit/>
-          </a:bodyPr>
-          <a:lstStyle/>
-          <a:p>
-            <a:r>
-              <a:rPr lang="es-ES" dirty="0"/>
-              <a:t>Quitar cabeceras en una posible solución</a:t>
-            </a:r>
-          </a:p>
-        </p:txBody>
-      </p:sp>
     </p:spTree>
     <p:extLst>
       <p:ext uri="{BB962C8B-B14F-4D97-AF65-F5344CB8AC3E}">
-        <p14:creationId xmlns:p14="http://schemas.microsoft.com/office/powerpoint/2010/main" val="4203523006"/>
+        <p14:creationId xmlns:p14="http://schemas.microsoft.com/office/powerpoint/2010/main" val="326323758"/>
       </p:ext>
     </p:extLst>
   </p:cSld>
@@ -9198,25 +8736,27 @@
             <p:ph type="title"/>
           </p:nvPr>
         </p:nvSpPr>
-        <p:spPr/>
+        <p:spPr>
+          <a:xfrm>
+            <a:off x="209026" y="162004"/>
+            <a:ext cx="10515600" cy="995678"/>
+          </a:xfrm>
+        </p:spPr>
         <p:txBody>
           <a:bodyPr/>
           <a:lstStyle/>
           <a:p>
             <a:r>
               <a:rPr lang="es-ES" dirty="0" err="1"/>
-              <a:t>Cors</a:t>
-            </a:r>
-            <a:r>
-              <a:rPr lang="es-ES" dirty="0"/>
-              <a:t> (2)</a:t>
-            </a:r>
+              <a:t>HttpClient</a:t>
+            </a:r>
+            <a:endParaRPr lang="es-ES" dirty="0"/>
           </a:p>
         </p:txBody>
       </p:sp>
       <p:pic>
         <p:nvPicPr>
-          <p:cNvPr id="4" name="Imagen 3"/>
+          <p:cNvPr id="5" name="Imagen 4"/>
           <p:cNvPicPr>
             <a:picLocks noChangeAspect="1"/>
           </p:cNvPicPr>
@@ -9230,17 +8770,141 @@
         </p:blipFill>
         <p:spPr>
           <a:xfrm>
-            <a:off x="838200" y="1547265"/>
-            <a:ext cx="7657143" cy="1733333"/>
+            <a:off x="272250" y="1370119"/>
+            <a:ext cx="7000000" cy="4190476"/>
           </a:xfrm>
           <a:prstGeom prst="rect">
             <a:avLst/>
           </a:prstGeom>
         </p:spPr>
       </p:pic>
+      <p:sp>
+        <p:nvSpPr>
+          <p:cNvPr id="6" name="CuadroTexto 5"/>
+          <p:cNvSpPr txBox="1"/>
+          <p:nvPr/>
+        </p:nvSpPr>
+        <p:spPr>
+          <a:xfrm>
+            <a:off x="7623440" y="1047880"/>
+            <a:ext cx="4118115" cy="2031325"/>
+          </a:xfrm>
+          <a:prstGeom prst="rect">
+            <a:avLst/>
+          </a:prstGeom>
+          <a:noFill/>
+        </p:spPr>
+        <p:txBody>
+          <a:bodyPr wrap="none" rtlCol="0">
+            <a:spAutoFit/>
+          </a:bodyPr>
+          <a:lstStyle/>
+          <a:p>
+            <a:r>
+              <a:rPr lang="es-ES" dirty="0"/>
+              <a:t>Importación</a:t>
+            </a:r>
+          </a:p>
+          <a:p>
+            <a:endParaRPr lang="es-ES" dirty="0"/>
+          </a:p>
+          <a:p>
+            <a:endParaRPr lang="es-ES" dirty="0"/>
+          </a:p>
+          <a:p>
+            <a:r>
+              <a:rPr lang="es-ES" dirty="0"/>
+              <a:t>Declaración</a:t>
+            </a:r>
+          </a:p>
+          <a:p>
+            <a:endParaRPr lang="es-ES" dirty="0"/>
+          </a:p>
+          <a:p>
+            <a:r>
+              <a:rPr lang="es-ES" dirty="0"/>
+              <a:t>Importación de la clase e inyección en el c</a:t>
+            </a:r>
+          </a:p>
+          <a:p>
+            <a:r>
+              <a:rPr lang="es-ES" dirty="0"/>
+              <a:t>constructor</a:t>
+            </a:r>
+          </a:p>
+        </p:txBody>
+      </p:sp>
+      <p:cxnSp>
+        <p:nvCxnSpPr>
+          <p:cNvPr id="8" name="Conector recto de flecha 7"/>
+          <p:cNvCxnSpPr/>
+          <p:nvPr/>
+        </p:nvCxnSpPr>
+        <p:spPr>
+          <a:xfrm flipH="1">
+            <a:off x="2332140" y="1276821"/>
+            <a:ext cx="5291300" cy="543738"/>
+          </a:xfrm>
+          <a:prstGeom prst="straightConnector1">
+            <a:avLst/>
+          </a:prstGeom>
+          <a:ln>
+            <a:tailEnd type="triangle"/>
+          </a:ln>
+        </p:spPr>
+        <p:style>
+          <a:lnRef idx="1">
+            <a:schemeClr val="accent1"/>
+          </a:lnRef>
+          <a:fillRef idx="0">
+            <a:schemeClr val="accent1"/>
+          </a:fillRef>
+          <a:effectRef idx="0">
+            <a:schemeClr val="accent1"/>
+          </a:effectRef>
+          <a:fontRef idx="minor">
+            <a:schemeClr val="tx1"/>
+          </a:fontRef>
+        </p:style>
+      </p:cxnSp>
+      <p:cxnSp>
+        <p:nvCxnSpPr>
+          <p:cNvPr id="10" name="Conector recto de flecha 9"/>
+          <p:cNvCxnSpPr>
+            <a:stCxn id="6" idx="1"/>
+          </p:cNvCxnSpPr>
+          <p:nvPr/>
+        </p:nvCxnSpPr>
+        <p:spPr>
+          <a:xfrm flipH="1">
+            <a:off x="2902592" y="2063543"/>
+            <a:ext cx="4720848" cy="3011796"/>
+          </a:xfrm>
+          <a:prstGeom prst="straightConnector1">
+            <a:avLst/>
+          </a:prstGeom>
+          <a:ln>
+            <a:tailEnd type="triangle"/>
+          </a:ln>
+        </p:spPr>
+        <p:style>
+          <a:lnRef idx="1">
+            <a:schemeClr val="accent1"/>
+          </a:lnRef>
+          <a:fillRef idx="0">
+            <a:schemeClr val="accent1"/>
+          </a:fillRef>
+          <a:effectRef idx="0">
+            <a:schemeClr val="accent1"/>
+          </a:effectRef>
+          <a:fontRef idx="minor">
+            <a:schemeClr val="tx1"/>
+          </a:fontRef>
+        </p:style>
+      </p:cxnSp>
       <p:pic>
         <p:nvPicPr>
-          <p:cNvPr id="5" name="Imagen 4"/>
+          <p:cNvPr id="13" name="Imagen 12"/>
           <p:cNvPicPr>
             <a:picLocks noChangeAspect="1"/>
           </p:cNvPicPr>
@@ -9254,24 +8918,83 @@
         </p:blipFill>
         <p:spPr>
           <a:xfrm>
-            <a:off x="838200" y="3445953"/>
-            <a:ext cx="8267700" cy="419100"/>
+            <a:off x="6877714" y="3465357"/>
+            <a:ext cx="5314286" cy="2457143"/>
           </a:xfrm>
           <a:prstGeom prst="rect">
             <a:avLst/>
           </a:prstGeom>
         </p:spPr>
       </p:pic>
-      <p:sp>
-        <p:nvSpPr>
-          <p:cNvPr id="7" name="CuadroTexto 6"/>
+      <p:pic>
+        <p:nvPicPr>
+          <p:cNvPr id="18" name="Imagen 17"/>
+          <p:cNvPicPr>
+            <a:picLocks noChangeAspect="1"/>
+          </p:cNvPicPr>
+          <p:nvPr/>
+        </p:nvPicPr>
+        <p:blipFill>
+          <a:blip r:embed="rId4"/>
+          <a:stretch>
+            <a:fillRect/>
+          </a:stretch>
+        </p:blipFill>
+        <p:spPr>
+          <a:xfrm>
+            <a:off x="6877714" y="6011034"/>
+            <a:ext cx="4409524" cy="752381"/>
+          </a:xfrm>
+          <a:prstGeom prst="rect">
+            <a:avLst/>
+          </a:prstGeom>
+        </p:spPr>
+      </p:pic>
+      <p:cxnSp>
+        <p:nvCxnSpPr>
+          <p:cNvPr id="22" name="Conector recto de flecha 21"/>
+          <p:cNvCxnSpPr>
+            <a:endCxn id="18" idx="1"/>
+          </p:cNvCxnSpPr>
+          <p:nvPr/>
+        </p:nvCxnSpPr>
+        <p:spPr>
+          <a:xfrm>
+            <a:off x="5075693" y="5879829"/>
+            <a:ext cx="1802021" cy="507396"/>
+          </a:xfrm>
+          <a:prstGeom prst="straightConnector1">
+            <a:avLst/>
+          </a:prstGeom>
+          <a:ln>
+            <a:tailEnd type="triangle"/>
+          </a:ln>
+        </p:spPr>
+        <p:style>
+          <a:lnRef idx="1">
+            <a:schemeClr val="accent1"/>
+          </a:lnRef>
+          <a:fillRef idx="0">
+            <a:schemeClr val="accent1"/>
+          </a:fillRef>
+          <a:effectRef idx="0">
+            <a:schemeClr val="accent1"/>
+          </a:effectRef>
+          <a:fontRef idx="minor">
+            <a:schemeClr val="tx1"/>
+          </a:fontRef>
+        </p:style>
+      </p:cxnSp>
+      <p:sp>
+        <p:nvSpPr>
+          <p:cNvPr id="23" name="CuadroTexto 22"/>
           <p:cNvSpPr txBox="1"/>
           <p:nvPr/>
         </p:nvSpPr>
         <p:spPr>
           <a:xfrm>
-            <a:off x="838200" y="4228051"/>
-            <a:ext cx="6670801" cy="1200329"/>
+            <a:off x="2838806" y="5567454"/>
+            <a:ext cx="2309928" cy="369332"/>
           </a:xfrm>
           <a:prstGeom prst="rect">
             <a:avLst/>
@@ -9286,38 +9009,238 @@
           <a:p>
             <a:r>
               <a:rPr lang="es-ES" dirty="0"/>
-              <a:t>El problema es que enviamos una cabecera y el servidor no la conoce</a:t>
-            </a:r>
-          </a:p>
-          <a:p>
+              <a:t>Retorna un observable</a:t>
+            </a:r>
+          </a:p>
+        </p:txBody>
+      </p:sp>
+      <p:cxnSp>
+        <p:nvCxnSpPr>
+          <p:cNvPr id="25" name="Conector recto de flecha 24"/>
+          <p:cNvCxnSpPr/>
+          <p:nvPr/>
+        </p:nvCxnSpPr>
+        <p:spPr>
+          <a:xfrm flipH="1">
+            <a:off x="8095376" y="2659310"/>
+            <a:ext cx="184558" cy="806047"/>
+          </a:xfrm>
+          <a:prstGeom prst="straightConnector1">
+            <a:avLst/>
+          </a:prstGeom>
+          <a:ln>
+            <a:tailEnd type="triangle"/>
+          </a:ln>
+        </p:spPr>
+        <p:style>
+          <a:lnRef idx="1">
+            <a:schemeClr val="accent1"/>
+          </a:lnRef>
+          <a:fillRef idx="0">
+            <a:schemeClr val="accent1"/>
+          </a:fillRef>
+          <a:effectRef idx="0">
+            <a:schemeClr val="accent1"/>
+          </a:effectRef>
+          <a:fontRef idx="minor">
+            <a:schemeClr val="tx1"/>
+          </a:fontRef>
+        </p:style>
+      </p:cxnSp>
+      <p:cxnSp>
+        <p:nvCxnSpPr>
+          <p:cNvPr id="27" name="Conector recto de flecha 26"/>
+          <p:cNvCxnSpPr/>
+          <p:nvPr/>
+        </p:nvCxnSpPr>
+        <p:spPr>
+          <a:xfrm flipH="1">
+            <a:off x="9378892" y="2692866"/>
+            <a:ext cx="1283515" cy="2256639"/>
+          </a:xfrm>
+          <a:prstGeom prst="straightConnector1">
+            <a:avLst/>
+          </a:prstGeom>
+          <a:ln>
+            <a:tailEnd type="triangle"/>
+          </a:ln>
+        </p:spPr>
+        <p:style>
+          <a:lnRef idx="1">
+            <a:schemeClr val="accent1"/>
+          </a:lnRef>
+          <a:fillRef idx="0">
+            <a:schemeClr val="accent1"/>
+          </a:fillRef>
+          <a:effectRef idx="0">
+            <a:schemeClr val="accent1"/>
+          </a:effectRef>
+          <a:fontRef idx="minor">
+            <a:schemeClr val="tx1"/>
+          </a:fontRef>
+        </p:style>
+      </p:cxnSp>
+      <p:pic>
+        <p:nvPicPr>
+          <p:cNvPr id="28" name="Imagen 27"/>
+          <p:cNvPicPr>
+            <a:picLocks noChangeAspect="1"/>
+          </p:cNvPicPr>
+          <p:nvPr/>
+        </p:nvPicPr>
+        <p:blipFill>
+          <a:blip r:embed="rId5"/>
+          <a:stretch>
+            <a:fillRect/>
+          </a:stretch>
+        </p:blipFill>
+        <p:spPr>
+          <a:xfrm>
+            <a:off x="282067" y="6133527"/>
+            <a:ext cx="4866667" cy="638095"/>
+          </a:xfrm>
+          <a:prstGeom prst="rect">
+            <a:avLst/>
+          </a:prstGeom>
+        </p:spPr>
+      </p:pic>
+      <p:sp>
+        <p:nvSpPr>
+          <p:cNvPr id="30" name="CuadroTexto 29"/>
+          <p:cNvSpPr txBox="1"/>
+          <p:nvPr/>
+        </p:nvSpPr>
+        <p:spPr>
+          <a:xfrm>
+            <a:off x="10352015" y="4240687"/>
+            <a:ext cx="1137234" cy="369332"/>
+          </a:xfrm>
+          <a:prstGeom prst="rect">
+            <a:avLst/>
+          </a:prstGeom>
+        </p:spPr>
+        <p:style>
+          <a:lnRef idx="2">
+            <a:schemeClr val="dk1"/>
+          </a:lnRef>
+          <a:fillRef idx="1">
+            <a:schemeClr val="lt1"/>
+          </a:fillRef>
+          <a:effectRef idx="0">
+            <a:schemeClr val="dk1"/>
+          </a:effectRef>
+          <a:fontRef idx="minor">
+            <a:schemeClr val="dk1"/>
+          </a:fontRef>
+        </p:style>
+        <p:txBody>
+          <a:bodyPr wrap="none" rtlCol="0">
+            <a:spAutoFit/>
+          </a:bodyPr>
+          <a:lstStyle/>
+          <a:p>
+            <a:r>
+              <a:rPr lang="es-ES" dirty="0" err="1"/>
+              <a:t>Servicio.ts</a:t>
+            </a:r>
             <a:endParaRPr lang="es-ES" dirty="0"/>
           </a:p>
-          <a:p>
-            <a:r>
-              <a:rPr lang="es-ES" dirty="0"/>
-              <a:t>Si lanzamos http-server –</a:t>
+        </p:txBody>
+      </p:sp>
+      <p:sp>
+        <p:nvSpPr>
+          <p:cNvPr id="31" name="CuadroTexto 30"/>
+          <p:cNvSpPr txBox="1"/>
+          <p:nvPr/>
+        </p:nvSpPr>
+        <p:spPr>
+          <a:xfrm>
+            <a:off x="3037449" y="6366539"/>
+            <a:ext cx="2104807" cy="369332"/>
+          </a:xfrm>
+          <a:prstGeom prst="rect">
+            <a:avLst/>
+          </a:prstGeom>
+        </p:spPr>
+        <p:style>
+          <a:lnRef idx="2">
+            <a:schemeClr val="dk1"/>
+          </a:lnRef>
+          <a:fillRef idx="1">
+            <a:schemeClr val="lt1"/>
+          </a:fillRef>
+          <a:effectRef idx="0">
+            <a:schemeClr val="dk1"/>
+          </a:effectRef>
+          <a:fontRef idx="minor">
+            <a:schemeClr val="dk1"/>
+          </a:fontRef>
+        </p:style>
+        <p:txBody>
+          <a:bodyPr wrap="none" rtlCol="0">
+            <a:spAutoFit/>
+          </a:bodyPr>
+          <a:lstStyle/>
+          <a:p>
+            <a:r>
+              <a:rPr lang="es-ES" dirty="0"/>
+              <a:t>En el </a:t>
             </a:r>
             <a:r>
               <a:rPr lang="es-ES" dirty="0" err="1"/>
-              <a:t>cors</a:t>
-            </a:r>
-            <a:r>
-              <a:rPr lang="es-ES" dirty="0"/>
-              <a:t>=id </a:t>
-            </a:r>
-          </a:p>
-          <a:p>
-            <a:r>
-              <a:rPr lang="es-ES" dirty="0"/>
-              <a:t>eliminamos el error</a:t>
-            </a:r>
+              <a:t>componente.ts</a:t>
+            </a:r>
+            <a:endParaRPr lang="es-ES" dirty="0"/>
+          </a:p>
+        </p:txBody>
+      </p:sp>
+      <p:sp>
+        <p:nvSpPr>
+          <p:cNvPr id="32" name="CuadroTexto 31"/>
+          <p:cNvSpPr txBox="1"/>
+          <p:nvPr/>
+        </p:nvSpPr>
+        <p:spPr>
+          <a:xfrm>
+            <a:off x="3593202" y="3033259"/>
+            <a:ext cx="1534266" cy="369332"/>
+          </a:xfrm>
+          <a:prstGeom prst="rect">
+            <a:avLst/>
+          </a:prstGeom>
+        </p:spPr>
+        <p:style>
+          <a:lnRef idx="2">
+            <a:schemeClr val="dk1"/>
+          </a:lnRef>
+          <a:fillRef idx="1">
+            <a:schemeClr val="lt1"/>
+          </a:fillRef>
+          <a:effectRef idx="0">
+            <a:schemeClr val="dk1"/>
+          </a:effectRef>
+          <a:fontRef idx="minor">
+            <a:schemeClr val="dk1"/>
+          </a:fontRef>
+        </p:style>
+        <p:txBody>
+          <a:bodyPr wrap="none" rtlCol="0">
+            <a:spAutoFit/>
+          </a:bodyPr>
+          <a:lstStyle/>
+          <a:p>
+            <a:r>
+              <a:rPr lang="es-ES" dirty="0" err="1"/>
+              <a:t>app.module.ts</a:t>
+            </a:r>
+            <a:endParaRPr lang="es-ES" dirty="0"/>
           </a:p>
         </p:txBody>
       </p:sp>
     </p:spTree>
     <p:extLst>
       <p:ext uri="{BB962C8B-B14F-4D97-AF65-F5344CB8AC3E}">
-        <p14:creationId xmlns:p14="http://schemas.microsoft.com/office/powerpoint/2010/main" val="3156097739"/>
+        <p14:creationId xmlns:p14="http://schemas.microsoft.com/office/powerpoint/2010/main" val="949299333"/>
       </p:ext>
     </p:extLst>
   </p:cSld>
@@ -9361,15 +9284,1821 @@
           <a:p>
             <a:r>
               <a:rPr lang="es-ES" dirty="0"/>
-              <a:t>Http Interceptor</a:t>
-            </a:r>
-          </a:p>
-        </p:txBody>
-      </p:sp>
+              <a:t>Varias peticiones en paralelo</a:t>
+            </a:r>
+          </a:p>
+        </p:txBody>
+      </p:sp>
+      <p:pic>
+        <p:nvPicPr>
+          <p:cNvPr id="4" name="Imagen 3"/>
+          <p:cNvPicPr>
+            <a:picLocks noChangeAspect="1"/>
+          </p:cNvPicPr>
+          <p:nvPr/>
+        </p:nvPicPr>
+        <p:blipFill>
+          <a:blip r:embed="rId2"/>
+          <a:stretch>
+            <a:fillRect/>
+          </a:stretch>
+        </p:blipFill>
+        <p:spPr>
+          <a:xfrm>
+            <a:off x="838200" y="1690688"/>
+            <a:ext cx="4276190" cy="1600000"/>
+          </a:xfrm>
+          <a:prstGeom prst="rect">
+            <a:avLst/>
+          </a:prstGeom>
+        </p:spPr>
+      </p:pic>
+      <p:pic>
+        <p:nvPicPr>
+          <p:cNvPr id="5" name="Imagen 4"/>
+          <p:cNvPicPr>
+            <a:picLocks noChangeAspect="1"/>
+          </p:cNvPicPr>
+          <p:nvPr/>
+        </p:nvPicPr>
+        <p:blipFill>
+          <a:blip r:embed="rId3"/>
+          <a:stretch>
+            <a:fillRect/>
+          </a:stretch>
+        </p:blipFill>
+        <p:spPr>
+          <a:xfrm>
+            <a:off x="6403841" y="1690688"/>
+            <a:ext cx="4619048" cy="704762"/>
+          </a:xfrm>
+          <a:prstGeom prst="rect">
+            <a:avLst/>
+          </a:prstGeom>
+        </p:spPr>
+      </p:pic>
+      <p:sp>
+        <p:nvSpPr>
+          <p:cNvPr id="6" name="CuadroTexto 5"/>
+          <p:cNvSpPr txBox="1"/>
+          <p:nvPr/>
+        </p:nvSpPr>
+        <p:spPr>
+          <a:xfrm>
+            <a:off x="3816991" y="2691170"/>
+            <a:ext cx="1137234" cy="369332"/>
+          </a:xfrm>
+          <a:prstGeom prst="rect">
+            <a:avLst/>
+          </a:prstGeom>
+        </p:spPr>
+        <p:style>
+          <a:lnRef idx="2">
+            <a:schemeClr val="dk1"/>
+          </a:lnRef>
+          <a:fillRef idx="1">
+            <a:schemeClr val="lt1"/>
+          </a:fillRef>
+          <a:effectRef idx="0">
+            <a:schemeClr val="dk1"/>
+          </a:effectRef>
+          <a:fontRef idx="minor">
+            <a:schemeClr val="dk1"/>
+          </a:fontRef>
+        </p:style>
+        <p:txBody>
+          <a:bodyPr wrap="none" rtlCol="0">
+            <a:spAutoFit/>
+          </a:bodyPr>
+          <a:lstStyle/>
+          <a:p>
+            <a:r>
+              <a:rPr lang="es-ES" dirty="0" err="1"/>
+              <a:t>Servicio.ts</a:t>
+            </a:r>
+            <a:endParaRPr lang="es-ES" dirty="0"/>
+          </a:p>
+        </p:txBody>
+      </p:sp>
+      <p:sp>
+        <p:nvSpPr>
+          <p:cNvPr id="7" name="CuadroTexto 6"/>
+          <p:cNvSpPr txBox="1"/>
+          <p:nvPr/>
+        </p:nvSpPr>
+        <p:spPr>
+          <a:xfrm>
+            <a:off x="8986007" y="1936690"/>
+            <a:ext cx="1814664" cy="369332"/>
+          </a:xfrm>
+          <a:prstGeom prst="rect">
+            <a:avLst/>
+          </a:prstGeom>
+        </p:spPr>
+        <p:style>
+          <a:lnRef idx="2">
+            <a:schemeClr val="dk1"/>
+          </a:lnRef>
+          <a:fillRef idx="1">
+            <a:schemeClr val="lt1"/>
+          </a:fillRef>
+          <a:effectRef idx="0">
+            <a:schemeClr val="dk1"/>
+          </a:effectRef>
+          <a:fontRef idx="minor">
+            <a:schemeClr val="dk1"/>
+          </a:fontRef>
+        </p:style>
+        <p:txBody>
+          <a:bodyPr wrap="none" rtlCol="0">
+            <a:spAutoFit/>
+          </a:bodyPr>
+          <a:lstStyle/>
+          <a:p>
+            <a:r>
+              <a:rPr lang="es-ES" dirty="0"/>
+              <a:t>El </a:t>
+            </a:r>
+            <a:r>
+              <a:rPr lang="es-ES" dirty="0" err="1"/>
+              <a:t>componente.ts</a:t>
+            </a:r>
+            <a:endParaRPr lang="es-ES" dirty="0"/>
+          </a:p>
+        </p:txBody>
+      </p:sp>
+      <p:pic>
+        <p:nvPicPr>
+          <p:cNvPr id="8" name="Imagen 7"/>
+          <p:cNvPicPr>
+            <a:picLocks noChangeAspect="1"/>
+          </p:cNvPicPr>
+          <p:nvPr/>
+        </p:nvPicPr>
+        <p:blipFill>
+          <a:blip r:embed="rId4"/>
+          <a:stretch>
+            <a:fillRect/>
+          </a:stretch>
+        </p:blipFill>
+        <p:spPr>
+          <a:xfrm>
+            <a:off x="904600" y="4291170"/>
+            <a:ext cx="3285714" cy="704762"/>
+          </a:xfrm>
+          <a:prstGeom prst="rect">
+            <a:avLst/>
+          </a:prstGeom>
+        </p:spPr>
+      </p:pic>
+      <p:pic>
+        <p:nvPicPr>
+          <p:cNvPr id="9" name="Imagen 8"/>
+          <p:cNvPicPr>
+            <a:picLocks noChangeAspect="1"/>
+          </p:cNvPicPr>
+          <p:nvPr/>
+        </p:nvPicPr>
+        <p:blipFill>
+          <a:blip r:embed="rId5"/>
+          <a:stretch>
+            <a:fillRect/>
+          </a:stretch>
+        </p:blipFill>
+        <p:spPr>
+          <a:xfrm>
+            <a:off x="909628" y="5368393"/>
+            <a:ext cx="2066667" cy="819048"/>
+          </a:xfrm>
+          <a:prstGeom prst="rect">
+            <a:avLst/>
+          </a:prstGeom>
+        </p:spPr>
+      </p:pic>
+      <p:sp>
+        <p:nvSpPr>
+          <p:cNvPr id="10" name="CuadroTexto 9"/>
+          <p:cNvSpPr txBox="1"/>
+          <p:nvPr/>
+        </p:nvSpPr>
+        <p:spPr>
+          <a:xfrm>
+            <a:off x="3053080" y="4811266"/>
+            <a:ext cx="2025747" cy="369332"/>
+          </a:xfrm>
+          <a:prstGeom prst="rect">
+            <a:avLst/>
+          </a:prstGeom>
+        </p:spPr>
+        <p:style>
+          <a:lnRef idx="2">
+            <a:schemeClr val="dk1"/>
+          </a:lnRef>
+          <a:fillRef idx="1">
+            <a:schemeClr val="lt1"/>
+          </a:fillRef>
+          <a:effectRef idx="0">
+            <a:schemeClr val="dk1"/>
+          </a:effectRef>
+          <a:fontRef idx="minor">
+            <a:schemeClr val="dk1"/>
+          </a:fontRef>
+        </p:style>
+        <p:txBody>
+          <a:bodyPr wrap="none" rtlCol="0">
+            <a:spAutoFit/>
+          </a:bodyPr>
+          <a:lstStyle/>
+          <a:p>
+            <a:r>
+              <a:rPr lang="es-ES" dirty="0" err="1"/>
+              <a:t>Assets</a:t>
+            </a:r>
+            <a:r>
+              <a:rPr lang="es-ES" dirty="0"/>
+              <a:t>/Datos.1.json</a:t>
+            </a:r>
+          </a:p>
+        </p:txBody>
+      </p:sp>
+      <p:sp>
+        <p:nvSpPr>
+          <p:cNvPr id="11" name="CuadroTexto 10"/>
+          <p:cNvSpPr txBox="1"/>
+          <p:nvPr/>
+        </p:nvSpPr>
+        <p:spPr>
+          <a:xfrm>
+            <a:off x="2547457" y="5777917"/>
+            <a:ext cx="1851020" cy="369332"/>
+          </a:xfrm>
+          <a:prstGeom prst="rect">
+            <a:avLst/>
+          </a:prstGeom>
+        </p:spPr>
+        <p:style>
+          <a:lnRef idx="2">
+            <a:schemeClr val="dk1"/>
+          </a:lnRef>
+          <a:fillRef idx="1">
+            <a:schemeClr val="lt1"/>
+          </a:fillRef>
+          <a:effectRef idx="0">
+            <a:schemeClr val="dk1"/>
+          </a:effectRef>
+          <a:fontRef idx="minor">
+            <a:schemeClr val="dk1"/>
+          </a:fontRef>
+        </p:style>
+        <p:txBody>
+          <a:bodyPr wrap="none" rtlCol="0">
+            <a:spAutoFit/>
+          </a:bodyPr>
+          <a:lstStyle/>
+          <a:p>
+            <a:r>
+              <a:rPr lang="es-ES" dirty="0" err="1"/>
+              <a:t>Assets</a:t>
+            </a:r>
+            <a:r>
+              <a:rPr lang="es-ES" dirty="0"/>
+              <a:t>/</a:t>
+            </a:r>
+            <a:r>
+              <a:rPr lang="es-ES" dirty="0" err="1"/>
+              <a:t>Datos.json</a:t>
+            </a:r>
+            <a:endParaRPr lang="es-ES" dirty="0"/>
+          </a:p>
+        </p:txBody>
+      </p:sp>
+      <p:pic>
+        <p:nvPicPr>
+          <p:cNvPr id="12" name="Imagen 11"/>
+          <p:cNvPicPr>
+            <a:picLocks noChangeAspect="1"/>
+          </p:cNvPicPr>
+          <p:nvPr/>
+        </p:nvPicPr>
+        <p:blipFill>
+          <a:blip r:embed="rId6"/>
+          <a:stretch>
+            <a:fillRect/>
+          </a:stretch>
+        </p:blipFill>
+        <p:spPr>
+          <a:xfrm>
+            <a:off x="6403841" y="4386408"/>
+            <a:ext cx="4466667" cy="1219048"/>
+          </a:xfrm>
+          <a:prstGeom prst="rect">
+            <a:avLst/>
+          </a:prstGeom>
+        </p:spPr>
+      </p:pic>
+      <p:cxnSp>
+        <p:nvCxnSpPr>
+          <p:cNvPr id="14" name="Conector recto de flecha 13"/>
+          <p:cNvCxnSpPr/>
+          <p:nvPr/>
+        </p:nvCxnSpPr>
+        <p:spPr>
+          <a:xfrm flipH="1">
+            <a:off x="7373923" y="2121356"/>
+            <a:ext cx="486561" cy="2417088"/>
+          </a:xfrm>
+          <a:prstGeom prst="straightConnector1">
+            <a:avLst/>
+          </a:prstGeom>
+          <a:ln>
+            <a:tailEnd type="triangle"/>
+          </a:ln>
+        </p:spPr>
+        <p:style>
+          <a:lnRef idx="1">
+            <a:schemeClr val="accent1"/>
+          </a:lnRef>
+          <a:fillRef idx="0">
+            <a:schemeClr val="accent1"/>
+          </a:fillRef>
+          <a:effectRef idx="0">
+            <a:schemeClr val="accent1"/>
+          </a:effectRef>
+          <a:fontRef idx="minor">
+            <a:schemeClr val="tx1"/>
+          </a:fontRef>
+        </p:style>
+      </p:cxnSp>
+      <p:cxnSp>
+        <p:nvCxnSpPr>
+          <p:cNvPr id="16" name="Conector recto de flecha 15"/>
+          <p:cNvCxnSpPr/>
+          <p:nvPr/>
+        </p:nvCxnSpPr>
+        <p:spPr>
+          <a:xfrm flipH="1" flipV="1">
+            <a:off x="2348917" y="2919369"/>
+            <a:ext cx="2605308" cy="1031846"/>
+          </a:xfrm>
+          <a:prstGeom prst="straightConnector1">
+            <a:avLst/>
+          </a:prstGeom>
+          <a:ln>
+            <a:tailEnd type="triangle"/>
+          </a:ln>
+        </p:spPr>
+        <p:style>
+          <a:lnRef idx="1">
+            <a:schemeClr val="accent1"/>
+          </a:lnRef>
+          <a:fillRef idx="0">
+            <a:schemeClr val="accent1"/>
+          </a:fillRef>
+          <a:effectRef idx="0">
+            <a:schemeClr val="accent1"/>
+          </a:effectRef>
+          <a:fontRef idx="minor">
+            <a:schemeClr val="tx1"/>
+          </a:fontRef>
+        </p:style>
+      </p:cxnSp>
+      <p:sp>
+        <p:nvSpPr>
+          <p:cNvPr id="17" name="CuadroTexto 16"/>
+          <p:cNvSpPr txBox="1"/>
+          <p:nvPr/>
+        </p:nvSpPr>
+        <p:spPr>
+          <a:xfrm>
+            <a:off x="5078827" y="3934437"/>
+            <a:ext cx="926792" cy="369332"/>
+          </a:xfrm>
+          <a:prstGeom prst="rect">
+            <a:avLst/>
+          </a:prstGeom>
+          <a:noFill/>
+        </p:spPr>
+        <p:txBody>
+          <a:bodyPr wrap="none" rtlCol="0">
+            <a:spAutoFit/>
+          </a:bodyPr>
+          <a:lstStyle/>
+          <a:p>
+            <a:r>
+              <a:rPr lang="es-ES" dirty="0" err="1"/>
+              <a:t>forkJoin</a:t>
+            </a:r>
+            <a:endParaRPr lang="es-ES" dirty="0"/>
+          </a:p>
+        </p:txBody>
+      </p:sp>
+      <p:pic>
+        <p:nvPicPr>
+          <p:cNvPr id="18" name="Imagen 17"/>
+          <p:cNvPicPr>
+            <a:picLocks noChangeAspect="1"/>
+          </p:cNvPicPr>
+          <p:nvPr/>
+        </p:nvPicPr>
+        <p:blipFill>
+          <a:blip r:embed="rId7"/>
+          <a:stretch>
+            <a:fillRect/>
+          </a:stretch>
+        </p:blipFill>
+        <p:spPr>
+          <a:xfrm>
+            <a:off x="838200" y="1239629"/>
+            <a:ext cx="2867025" cy="304800"/>
+          </a:xfrm>
+          <a:prstGeom prst="rect">
+            <a:avLst/>
+          </a:prstGeom>
+        </p:spPr>
+      </p:pic>
     </p:spTree>
     <p:extLst>
       <p:ext uri="{BB962C8B-B14F-4D97-AF65-F5344CB8AC3E}">
-        <p14:creationId xmlns:p14="http://schemas.microsoft.com/office/powerpoint/2010/main" val="4143135401"/>
+        <p14:creationId xmlns:p14="http://schemas.microsoft.com/office/powerpoint/2010/main" val="2328631036"/>
+      </p:ext>
+    </p:extLst>
+  </p:cSld>
+  <p:clrMapOvr>
+    <a:masterClrMapping/>
+  </p:clrMapOvr>
+</p:sld>
+</file>
+
+<file path=ppt/slides/slide32.xml><?xml version="1.0" encoding="utf-8"?>
+<p:sld xmlns:a="http://schemas.openxmlformats.org/drawingml/2006/main" xmlns:r="http://schemas.openxmlformats.org/officeDocument/2006/relationships" xmlns:p="http://schemas.openxmlformats.org/presentationml/2006/main">
+  <p:cSld>
+    <p:spTree>
+      <p:nvGrpSpPr>
+        <p:cNvPr id="1" name=""/>
+        <p:cNvGrpSpPr/>
+        <p:nvPr/>
+      </p:nvGrpSpPr>
+      <p:grpSpPr>
+        <a:xfrm>
+          <a:off x="0" y="0"/>
+          <a:ext cx="0" cy="0"/>
+          <a:chOff x="0" y="0"/>
+          <a:chExt cx="0" cy="0"/>
+        </a:xfrm>
+      </p:grpSpPr>
+      <p:sp>
+        <p:nvSpPr>
+          <p:cNvPr id="2" name="Título 1"/>
+          <p:cNvSpPr>
+            <a:spLocks noGrp="1"/>
+          </p:cNvSpPr>
+          <p:nvPr>
+            <p:ph type="title"/>
+          </p:nvPr>
+        </p:nvSpPr>
+        <p:spPr>
+          <a:xfrm>
+            <a:off x="838200" y="365126"/>
+            <a:ext cx="10663106" cy="759000"/>
+          </a:xfrm>
+        </p:spPr>
+        <p:txBody>
+          <a:bodyPr/>
+          <a:lstStyle/>
+          <a:p>
+            <a:r>
+              <a:rPr lang="es-ES" dirty="0"/>
+              <a:t>Peticiones en serie. Uso de </a:t>
+            </a:r>
+            <a:r>
+              <a:rPr lang="es-ES" dirty="0" err="1"/>
+              <a:t>async</a:t>
+            </a:r>
+            <a:r>
+              <a:rPr lang="es-ES" dirty="0"/>
+              <a:t>, </a:t>
+            </a:r>
+            <a:r>
+              <a:rPr lang="es-ES" dirty="0" err="1"/>
+              <a:t>await</a:t>
+            </a:r>
+            <a:endParaRPr lang="es-ES" dirty="0"/>
+          </a:p>
+        </p:txBody>
+      </p:sp>
+      <p:pic>
+        <p:nvPicPr>
+          <p:cNvPr id="5" name="Imagen 4"/>
+          <p:cNvPicPr>
+            <a:picLocks noChangeAspect="1"/>
+          </p:cNvPicPr>
+          <p:nvPr/>
+        </p:nvPicPr>
+        <p:blipFill>
+          <a:blip r:embed="rId2"/>
+          <a:stretch>
+            <a:fillRect/>
+          </a:stretch>
+        </p:blipFill>
+        <p:spPr>
+          <a:xfrm>
+            <a:off x="242552" y="1503014"/>
+            <a:ext cx="7438095" cy="1752381"/>
+          </a:xfrm>
+          <a:prstGeom prst="rect">
+            <a:avLst/>
+          </a:prstGeom>
+        </p:spPr>
+      </p:pic>
+      <p:pic>
+        <p:nvPicPr>
+          <p:cNvPr id="6" name="Imagen 5"/>
+          <p:cNvPicPr>
+            <a:picLocks noChangeAspect="1"/>
+          </p:cNvPicPr>
+          <p:nvPr/>
+        </p:nvPicPr>
+        <p:blipFill>
+          <a:blip r:embed="rId3"/>
+          <a:stretch>
+            <a:fillRect/>
+          </a:stretch>
+        </p:blipFill>
+        <p:spPr>
+          <a:xfrm>
+            <a:off x="242552" y="4199926"/>
+            <a:ext cx="6180952" cy="695238"/>
+          </a:xfrm>
+          <a:prstGeom prst="rect">
+            <a:avLst/>
+          </a:prstGeom>
+        </p:spPr>
+      </p:pic>
+      <p:sp>
+        <p:nvSpPr>
+          <p:cNvPr id="7" name="CuadroTexto 6"/>
+          <p:cNvSpPr txBox="1"/>
+          <p:nvPr/>
+        </p:nvSpPr>
+        <p:spPr>
+          <a:xfrm>
+            <a:off x="6308521" y="2754247"/>
+            <a:ext cx="1137234" cy="369332"/>
+          </a:xfrm>
+          <a:prstGeom prst="rect">
+            <a:avLst/>
+          </a:prstGeom>
+        </p:spPr>
+        <p:style>
+          <a:lnRef idx="2">
+            <a:schemeClr val="dk1"/>
+          </a:lnRef>
+          <a:fillRef idx="1">
+            <a:schemeClr val="lt1"/>
+          </a:fillRef>
+          <a:effectRef idx="0">
+            <a:schemeClr val="dk1"/>
+          </a:effectRef>
+          <a:fontRef idx="minor">
+            <a:schemeClr val="dk1"/>
+          </a:fontRef>
+        </p:style>
+        <p:txBody>
+          <a:bodyPr wrap="none" rtlCol="0">
+            <a:spAutoFit/>
+          </a:bodyPr>
+          <a:lstStyle/>
+          <a:p>
+            <a:r>
+              <a:rPr lang="es-ES" dirty="0" err="1"/>
+              <a:t>Servicio.ts</a:t>
+            </a:r>
+            <a:endParaRPr lang="es-ES" dirty="0"/>
+          </a:p>
+        </p:txBody>
+      </p:sp>
+      <p:sp>
+        <p:nvSpPr>
+          <p:cNvPr id="8" name="CuadroTexto 7"/>
+          <p:cNvSpPr txBox="1"/>
+          <p:nvPr/>
+        </p:nvSpPr>
+        <p:spPr>
+          <a:xfrm>
+            <a:off x="5739904" y="4679361"/>
+            <a:ext cx="1596656" cy="369332"/>
+          </a:xfrm>
+          <a:prstGeom prst="rect">
+            <a:avLst/>
+          </a:prstGeom>
+        </p:spPr>
+        <p:style>
+          <a:lnRef idx="2">
+            <a:schemeClr val="dk1"/>
+          </a:lnRef>
+          <a:fillRef idx="1">
+            <a:schemeClr val="lt1"/>
+          </a:fillRef>
+          <a:effectRef idx="0">
+            <a:schemeClr val="dk1"/>
+          </a:effectRef>
+          <a:fontRef idx="minor">
+            <a:schemeClr val="dk1"/>
+          </a:fontRef>
+        </p:style>
+        <p:txBody>
+          <a:bodyPr wrap="none" rtlCol="0">
+            <a:spAutoFit/>
+          </a:bodyPr>
+          <a:lstStyle/>
+          <a:p>
+            <a:r>
+              <a:rPr lang="es-ES" dirty="0" err="1"/>
+              <a:t>componente.ts</a:t>
+            </a:r>
+            <a:endParaRPr lang="es-ES" dirty="0"/>
+          </a:p>
+        </p:txBody>
+      </p:sp>
+      <p:pic>
+        <p:nvPicPr>
+          <p:cNvPr id="10" name="Imagen 9"/>
+          <p:cNvPicPr>
+            <a:picLocks noChangeAspect="1"/>
+          </p:cNvPicPr>
+          <p:nvPr/>
+        </p:nvPicPr>
+        <p:blipFill>
+          <a:blip r:embed="rId4"/>
+          <a:stretch>
+            <a:fillRect/>
+          </a:stretch>
+        </p:blipFill>
+        <p:spPr>
+          <a:xfrm>
+            <a:off x="7764014" y="1367296"/>
+            <a:ext cx="4247619" cy="4542857"/>
+          </a:xfrm>
+          <a:prstGeom prst="rect">
+            <a:avLst/>
+          </a:prstGeom>
+        </p:spPr>
+      </p:pic>
+    </p:spTree>
+    <p:extLst>
+      <p:ext uri="{BB962C8B-B14F-4D97-AF65-F5344CB8AC3E}">
+        <p14:creationId xmlns:p14="http://schemas.microsoft.com/office/powerpoint/2010/main" val="3477894215"/>
+      </p:ext>
+    </p:extLst>
+  </p:cSld>
+  <p:clrMapOvr>
+    <a:masterClrMapping/>
+  </p:clrMapOvr>
+</p:sld>
+</file>
+
+<file path=ppt/slides/slide33.xml><?xml version="1.0" encoding="utf-8"?>
+<p:sld xmlns:a="http://schemas.openxmlformats.org/drawingml/2006/main" xmlns:r="http://schemas.openxmlformats.org/officeDocument/2006/relationships" xmlns:p="http://schemas.openxmlformats.org/presentationml/2006/main">
+  <p:cSld>
+    <p:spTree>
+      <p:nvGrpSpPr>
+        <p:cNvPr id="1" name=""/>
+        <p:cNvGrpSpPr/>
+        <p:nvPr/>
+      </p:nvGrpSpPr>
+      <p:grpSpPr>
+        <a:xfrm>
+          <a:off x="0" y="0"/>
+          <a:ext cx="0" cy="0"/>
+          <a:chOff x="0" y="0"/>
+          <a:chExt cx="0" cy="0"/>
+        </a:xfrm>
+      </p:grpSpPr>
+      <p:sp>
+        <p:nvSpPr>
+          <p:cNvPr id="2" name="Título 1"/>
+          <p:cNvSpPr>
+            <a:spLocks noGrp="1"/>
+          </p:cNvSpPr>
+          <p:nvPr>
+            <p:ph type="title"/>
+          </p:nvPr>
+        </p:nvSpPr>
+        <p:spPr/>
+        <p:txBody>
+          <a:bodyPr/>
+          <a:lstStyle/>
+          <a:p>
+            <a:r>
+              <a:rPr lang="es-ES" dirty="0"/>
+              <a:t>Control de errores </a:t>
+            </a:r>
+            <a:r>
+              <a:rPr lang="es-ES" dirty="0" err="1"/>
+              <a:t>await</a:t>
+            </a:r>
+            <a:endParaRPr lang="es-ES" dirty="0"/>
+          </a:p>
+        </p:txBody>
+      </p:sp>
+      <p:pic>
+        <p:nvPicPr>
+          <p:cNvPr id="4" name="Imagen 3"/>
+          <p:cNvPicPr>
+            <a:picLocks noChangeAspect="1"/>
+          </p:cNvPicPr>
+          <p:nvPr/>
+        </p:nvPicPr>
+        <p:blipFill>
+          <a:blip r:embed="rId2"/>
+          <a:stretch>
+            <a:fillRect/>
+          </a:stretch>
+        </p:blipFill>
+        <p:spPr>
+          <a:xfrm>
+            <a:off x="250063" y="1279111"/>
+            <a:ext cx="6457143" cy="4333333"/>
+          </a:xfrm>
+          <a:prstGeom prst="rect">
+            <a:avLst/>
+          </a:prstGeom>
+        </p:spPr>
+      </p:pic>
+      <p:pic>
+        <p:nvPicPr>
+          <p:cNvPr id="5" name="Imagen 4"/>
+          <p:cNvPicPr>
+            <a:picLocks noChangeAspect="1"/>
+          </p:cNvPicPr>
+          <p:nvPr/>
+        </p:nvPicPr>
+        <p:blipFill>
+          <a:blip r:embed="rId3"/>
+          <a:stretch>
+            <a:fillRect/>
+          </a:stretch>
+        </p:blipFill>
+        <p:spPr>
+          <a:xfrm>
+            <a:off x="6044789" y="1396529"/>
+            <a:ext cx="5971429" cy="1095238"/>
+          </a:xfrm>
+          <a:prstGeom prst="rect">
+            <a:avLst/>
+          </a:prstGeom>
+        </p:spPr>
+      </p:pic>
+      <p:pic>
+        <p:nvPicPr>
+          <p:cNvPr id="6" name="Imagen 5"/>
+          <p:cNvPicPr>
+            <a:picLocks noChangeAspect="1"/>
+          </p:cNvPicPr>
+          <p:nvPr/>
+        </p:nvPicPr>
+        <p:blipFill>
+          <a:blip r:embed="rId4"/>
+          <a:stretch>
+            <a:fillRect/>
+          </a:stretch>
+        </p:blipFill>
+        <p:spPr>
+          <a:xfrm>
+            <a:off x="7507137" y="3674909"/>
+            <a:ext cx="4123809" cy="1504762"/>
+          </a:xfrm>
+          <a:prstGeom prst="rect">
+            <a:avLst/>
+          </a:prstGeom>
+        </p:spPr>
+      </p:pic>
+      <p:sp>
+        <p:nvSpPr>
+          <p:cNvPr id="7" name="CuadroTexto 6"/>
+          <p:cNvSpPr txBox="1"/>
+          <p:nvPr/>
+        </p:nvSpPr>
+        <p:spPr>
+          <a:xfrm>
+            <a:off x="5184396" y="4306210"/>
+            <a:ext cx="1137234" cy="369332"/>
+          </a:xfrm>
+          <a:prstGeom prst="rect">
+            <a:avLst/>
+          </a:prstGeom>
+        </p:spPr>
+        <p:style>
+          <a:lnRef idx="2">
+            <a:schemeClr val="dk1"/>
+          </a:lnRef>
+          <a:fillRef idx="1">
+            <a:schemeClr val="lt1"/>
+          </a:fillRef>
+          <a:effectRef idx="0">
+            <a:schemeClr val="dk1"/>
+          </a:effectRef>
+          <a:fontRef idx="minor">
+            <a:schemeClr val="dk1"/>
+          </a:fontRef>
+        </p:style>
+        <p:txBody>
+          <a:bodyPr wrap="none" rtlCol="0">
+            <a:spAutoFit/>
+          </a:bodyPr>
+          <a:lstStyle/>
+          <a:p>
+            <a:r>
+              <a:rPr lang="es-ES" dirty="0" err="1"/>
+              <a:t>Servicio.ts</a:t>
+            </a:r>
+            <a:endParaRPr lang="es-ES" dirty="0"/>
+          </a:p>
+        </p:txBody>
+      </p:sp>
+      <p:sp>
+        <p:nvSpPr>
+          <p:cNvPr id="8" name="CuadroTexto 7"/>
+          <p:cNvSpPr txBox="1"/>
+          <p:nvPr/>
+        </p:nvSpPr>
+        <p:spPr>
+          <a:xfrm>
+            <a:off x="10541686" y="909779"/>
+            <a:ext cx="1624227" cy="369332"/>
+          </a:xfrm>
+          <a:prstGeom prst="rect">
+            <a:avLst/>
+          </a:prstGeom>
+        </p:spPr>
+        <p:style>
+          <a:lnRef idx="2">
+            <a:schemeClr val="dk1"/>
+          </a:lnRef>
+          <a:fillRef idx="1">
+            <a:schemeClr val="lt1"/>
+          </a:fillRef>
+          <a:effectRef idx="0">
+            <a:schemeClr val="dk1"/>
+          </a:effectRef>
+          <a:fontRef idx="minor">
+            <a:schemeClr val="dk1"/>
+          </a:fontRef>
+        </p:style>
+        <p:txBody>
+          <a:bodyPr wrap="none" rtlCol="0">
+            <a:spAutoFit/>
+          </a:bodyPr>
+          <a:lstStyle/>
+          <a:p>
+            <a:r>
+              <a:rPr lang="es-ES" dirty="0" err="1"/>
+              <a:t>Componente.ts</a:t>
+            </a:r>
+            <a:endParaRPr lang="es-ES" dirty="0"/>
+          </a:p>
+        </p:txBody>
+      </p:sp>
+    </p:spTree>
+    <p:extLst>
+      <p:ext uri="{BB962C8B-B14F-4D97-AF65-F5344CB8AC3E}">
+        <p14:creationId xmlns:p14="http://schemas.microsoft.com/office/powerpoint/2010/main" val="3905809783"/>
+      </p:ext>
+    </p:extLst>
+  </p:cSld>
+  <p:clrMapOvr>
+    <a:masterClrMapping/>
+  </p:clrMapOvr>
+</p:sld>
+</file>
+
+<file path=ppt/slides/slide34.xml><?xml version="1.0" encoding="utf-8"?>
+<p:sld xmlns:a="http://schemas.openxmlformats.org/drawingml/2006/main" xmlns:r="http://schemas.openxmlformats.org/officeDocument/2006/relationships" xmlns:p="http://schemas.openxmlformats.org/presentationml/2006/main">
+  <p:cSld>
+    <p:spTree>
+      <p:nvGrpSpPr>
+        <p:cNvPr id="1" name=""/>
+        <p:cNvGrpSpPr/>
+        <p:nvPr/>
+      </p:nvGrpSpPr>
+      <p:grpSpPr>
+        <a:xfrm>
+          <a:off x="0" y="0"/>
+          <a:ext cx="0" cy="0"/>
+          <a:chOff x="0" y="0"/>
+          <a:chExt cx="0" cy="0"/>
+        </a:xfrm>
+      </p:grpSpPr>
+      <p:sp>
+        <p:nvSpPr>
+          <p:cNvPr id="2" name="Título 1"/>
+          <p:cNvSpPr>
+            <a:spLocks noGrp="1"/>
+          </p:cNvSpPr>
+          <p:nvPr>
+            <p:ph type="title"/>
+          </p:nvPr>
+        </p:nvSpPr>
+        <p:spPr>
+          <a:xfrm>
+            <a:off x="427139" y="298014"/>
+            <a:ext cx="10515600" cy="624776"/>
+          </a:xfrm>
+        </p:spPr>
+        <p:txBody>
+          <a:bodyPr>
+            <a:normAutofit fontScale="90000"/>
+          </a:bodyPr>
+          <a:lstStyle/>
+          <a:p>
+            <a:r>
+              <a:rPr lang="es-ES" dirty="0"/>
+              <a:t>EL CORS</a:t>
+            </a:r>
+          </a:p>
+        </p:txBody>
+      </p:sp>
+      <p:pic>
+        <p:nvPicPr>
+          <p:cNvPr id="4" name="Imagen 3"/>
+          <p:cNvPicPr>
+            <a:picLocks noChangeAspect="1"/>
+          </p:cNvPicPr>
+          <p:nvPr/>
+        </p:nvPicPr>
+        <p:blipFill>
+          <a:blip r:embed="rId2"/>
+          <a:stretch>
+            <a:fillRect/>
+          </a:stretch>
+        </p:blipFill>
+        <p:spPr>
+          <a:xfrm>
+            <a:off x="138953" y="1048134"/>
+            <a:ext cx="6492136" cy="1820902"/>
+          </a:xfrm>
+          <a:prstGeom prst="rect">
+            <a:avLst/>
+          </a:prstGeom>
+        </p:spPr>
+      </p:pic>
+      <p:sp>
+        <p:nvSpPr>
+          <p:cNvPr id="5" name="CuadroTexto 4"/>
+          <p:cNvSpPr txBox="1"/>
+          <p:nvPr/>
+        </p:nvSpPr>
+        <p:spPr>
+          <a:xfrm>
+            <a:off x="218113" y="2994380"/>
+            <a:ext cx="7310912" cy="369332"/>
+          </a:xfrm>
+          <a:prstGeom prst="rect">
+            <a:avLst/>
+          </a:prstGeom>
+          <a:noFill/>
+        </p:spPr>
+        <p:txBody>
+          <a:bodyPr wrap="none" rtlCol="0">
+            <a:spAutoFit/>
+          </a:bodyPr>
+          <a:lstStyle/>
+          <a:p>
+            <a:r>
+              <a:rPr lang="es-ES" dirty="0"/>
+              <a:t>http-server (lanza el servidor web con el raíz en el directorio de la aplicación)</a:t>
+            </a:r>
+          </a:p>
+        </p:txBody>
+      </p:sp>
+      <p:pic>
+        <p:nvPicPr>
+          <p:cNvPr id="6" name="Imagen 5"/>
+          <p:cNvPicPr>
+            <a:picLocks noChangeAspect="1"/>
+          </p:cNvPicPr>
+          <p:nvPr/>
+        </p:nvPicPr>
+        <p:blipFill>
+          <a:blip r:embed="rId3"/>
+          <a:stretch>
+            <a:fillRect/>
+          </a:stretch>
+        </p:blipFill>
+        <p:spPr>
+          <a:xfrm>
+            <a:off x="218113" y="3363712"/>
+            <a:ext cx="6619048" cy="1600000"/>
+          </a:xfrm>
+          <a:prstGeom prst="rect">
+            <a:avLst/>
+          </a:prstGeom>
+        </p:spPr>
+      </p:pic>
+      <p:pic>
+        <p:nvPicPr>
+          <p:cNvPr id="7" name="Imagen 6"/>
+          <p:cNvPicPr>
+            <a:picLocks noChangeAspect="1"/>
+          </p:cNvPicPr>
+          <p:nvPr/>
+        </p:nvPicPr>
+        <p:blipFill>
+          <a:blip r:embed="rId4"/>
+          <a:stretch>
+            <a:fillRect/>
+          </a:stretch>
+        </p:blipFill>
+        <p:spPr>
+          <a:xfrm>
+            <a:off x="4209001" y="4331102"/>
+            <a:ext cx="7780952" cy="609524"/>
+          </a:xfrm>
+          <a:prstGeom prst="rect">
+            <a:avLst/>
+          </a:prstGeom>
+        </p:spPr>
+      </p:pic>
+      <p:pic>
+        <p:nvPicPr>
+          <p:cNvPr id="8" name="Imagen 7"/>
+          <p:cNvPicPr>
+            <a:picLocks noChangeAspect="1"/>
+          </p:cNvPicPr>
+          <p:nvPr/>
+        </p:nvPicPr>
+        <p:blipFill>
+          <a:blip r:embed="rId5"/>
+          <a:stretch>
+            <a:fillRect/>
+          </a:stretch>
+        </p:blipFill>
+        <p:spPr>
+          <a:xfrm>
+            <a:off x="188090" y="5172286"/>
+            <a:ext cx="10047619" cy="1685714"/>
+          </a:xfrm>
+          <a:prstGeom prst="rect">
+            <a:avLst/>
+          </a:prstGeom>
+        </p:spPr>
+      </p:pic>
+      <p:sp>
+        <p:nvSpPr>
+          <p:cNvPr id="9" name="CuadroTexto 8"/>
+          <p:cNvSpPr txBox="1"/>
+          <p:nvPr/>
+        </p:nvSpPr>
+        <p:spPr>
+          <a:xfrm>
+            <a:off x="5847128" y="6277348"/>
+            <a:ext cx="4025589" cy="369332"/>
+          </a:xfrm>
+          <a:prstGeom prst="rect">
+            <a:avLst/>
+          </a:prstGeom>
+        </p:spPr>
+        <p:style>
+          <a:lnRef idx="2">
+            <a:schemeClr val="dk1"/>
+          </a:lnRef>
+          <a:fillRef idx="1">
+            <a:schemeClr val="lt1"/>
+          </a:fillRef>
+          <a:effectRef idx="0">
+            <a:schemeClr val="dk1"/>
+          </a:effectRef>
+          <a:fontRef idx="minor">
+            <a:schemeClr val="dk1"/>
+          </a:fontRef>
+        </p:style>
+        <p:txBody>
+          <a:bodyPr wrap="none" rtlCol="0">
+            <a:spAutoFit/>
+          </a:bodyPr>
+          <a:lstStyle/>
+          <a:p>
+            <a:r>
+              <a:rPr lang="es-ES" dirty="0"/>
+              <a:t>Quitar cabeceras en una posible solución</a:t>
+            </a:r>
+          </a:p>
+        </p:txBody>
+      </p:sp>
+    </p:spTree>
+    <p:extLst>
+      <p:ext uri="{BB962C8B-B14F-4D97-AF65-F5344CB8AC3E}">
+        <p14:creationId xmlns:p14="http://schemas.microsoft.com/office/powerpoint/2010/main" val="4203523006"/>
+      </p:ext>
+    </p:extLst>
+  </p:cSld>
+  <p:clrMapOvr>
+    <a:masterClrMapping/>
+  </p:clrMapOvr>
+</p:sld>
+</file>
+
+<file path=ppt/slides/slide35.xml><?xml version="1.0" encoding="utf-8"?>
+<p:sld xmlns:a="http://schemas.openxmlformats.org/drawingml/2006/main" xmlns:r="http://schemas.openxmlformats.org/officeDocument/2006/relationships" xmlns:p="http://schemas.openxmlformats.org/presentationml/2006/main">
+  <p:cSld>
+    <p:spTree>
+      <p:nvGrpSpPr>
+        <p:cNvPr id="1" name=""/>
+        <p:cNvGrpSpPr/>
+        <p:nvPr/>
+      </p:nvGrpSpPr>
+      <p:grpSpPr>
+        <a:xfrm>
+          <a:off x="0" y="0"/>
+          <a:ext cx="0" cy="0"/>
+          <a:chOff x="0" y="0"/>
+          <a:chExt cx="0" cy="0"/>
+        </a:xfrm>
+      </p:grpSpPr>
+      <p:sp>
+        <p:nvSpPr>
+          <p:cNvPr id="2" name="Título 1"/>
+          <p:cNvSpPr>
+            <a:spLocks noGrp="1"/>
+          </p:cNvSpPr>
+          <p:nvPr>
+            <p:ph type="title"/>
+          </p:nvPr>
+        </p:nvSpPr>
+        <p:spPr/>
+        <p:txBody>
+          <a:bodyPr/>
+          <a:lstStyle/>
+          <a:p>
+            <a:r>
+              <a:rPr lang="es-ES" dirty="0" err="1"/>
+              <a:t>Cors</a:t>
+            </a:r>
+            <a:r>
+              <a:rPr lang="es-ES" dirty="0"/>
+              <a:t> (2)</a:t>
+            </a:r>
+          </a:p>
+        </p:txBody>
+      </p:sp>
+      <p:pic>
+        <p:nvPicPr>
+          <p:cNvPr id="4" name="Imagen 3"/>
+          <p:cNvPicPr>
+            <a:picLocks noChangeAspect="1"/>
+          </p:cNvPicPr>
+          <p:nvPr/>
+        </p:nvPicPr>
+        <p:blipFill>
+          <a:blip r:embed="rId2"/>
+          <a:stretch>
+            <a:fillRect/>
+          </a:stretch>
+        </p:blipFill>
+        <p:spPr>
+          <a:xfrm>
+            <a:off x="838200" y="1547265"/>
+            <a:ext cx="7657143" cy="1733333"/>
+          </a:xfrm>
+          <a:prstGeom prst="rect">
+            <a:avLst/>
+          </a:prstGeom>
+        </p:spPr>
+      </p:pic>
+      <p:pic>
+        <p:nvPicPr>
+          <p:cNvPr id="5" name="Imagen 4"/>
+          <p:cNvPicPr>
+            <a:picLocks noChangeAspect="1"/>
+          </p:cNvPicPr>
+          <p:nvPr/>
+        </p:nvPicPr>
+        <p:blipFill>
+          <a:blip r:embed="rId3"/>
+          <a:stretch>
+            <a:fillRect/>
+          </a:stretch>
+        </p:blipFill>
+        <p:spPr>
+          <a:xfrm>
+            <a:off x="838200" y="3445953"/>
+            <a:ext cx="8267700" cy="419100"/>
+          </a:xfrm>
+          <a:prstGeom prst="rect">
+            <a:avLst/>
+          </a:prstGeom>
+        </p:spPr>
+      </p:pic>
+      <p:sp>
+        <p:nvSpPr>
+          <p:cNvPr id="7" name="CuadroTexto 6"/>
+          <p:cNvSpPr txBox="1"/>
+          <p:nvPr/>
+        </p:nvSpPr>
+        <p:spPr>
+          <a:xfrm>
+            <a:off x="838200" y="4228051"/>
+            <a:ext cx="6670801" cy="1200329"/>
+          </a:xfrm>
+          <a:prstGeom prst="rect">
+            <a:avLst/>
+          </a:prstGeom>
+          <a:noFill/>
+        </p:spPr>
+        <p:txBody>
+          <a:bodyPr wrap="none" rtlCol="0">
+            <a:spAutoFit/>
+          </a:bodyPr>
+          <a:lstStyle/>
+          <a:p>
+            <a:r>
+              <a:rPr lang="es-ES" dirty="0"/>
+              <a:t>El problema es que enviamos una cabecera y el servidor no la conoce</a:t>
+            </a:r>
+          </a:p>
+          <a:p>
+            <a:endParaRPr lang="es-ES" dirty="0"/>
+          </a:p>
+          <a:p>
+            <a:r>
+              <a:rPr lang="es-ES" dirty="0"/>
+              <a:t>Si lanzamos http-server –</a:t>
+            </a:r>
+            <a:r>
+              <a:rPr lang="es-ES" dirty="0" err="1"/>
+              <a:t>cors</a:t>
+            </a:r>
+            <a:r>
+              <a:rPr lang="es-ES" dirty="0"/>
+              <a:t>=id </a:t>
+            </a:r>
+          </a:p>
+          <a:p>
+            <a:r>
+              <a:rPr lang="es-ES" dirty="0"/>
+              <a:t>eliminamos el error</a:t>
+            </a:r>
+          </a:p>
+        </p:txBody>
+      </p:sp>
+    </p:spTree>
+    <p:extLst>
+      <p:ext uri="{BB962C8B-B14F-4D97-AF65-F5344CB8AC3E}">
+        <p14:creationId xmlns:p14="http://schemas.microsoft.com/office/powerpoint/2010/main" val="3156097739"/>
+      </p:ext>
+    </p:extLst>
+  </p:cSld>
+  <p:clrMapOvr>
+    <a:masterClrMapping/>
+  </p:clrMapOvr>
+</p:sld>
+</file>
+
+<file path=ppt/slides/slide36.xml><?xml version="1.0" encoding="utf-8"?>
+<p:sld xmlns:a="http://schemas.openxmlformats.org/drawingml/2006/main" xmlns:r="http://schemas.openxmlformats.org/officeDocument/2006/relationships" xmlns:p="http://schemas.openxmlformats.org/presentationml/2006/main">
+  <p:cSld>
+    <p:spTree>
+      <p:nvGrpSpPr>
+        <p:cNvPr id="1" name=""/>
+        <p:cNvGrpSpPr/>
+        <p:nvPr/>
+      </p:nvGrpSpPr>
+      <p:grpSpPr>
+        <a:xfrm>
+          <a:off x="0" y="0"/>
+          <a:ext cx="0" cy="0"/>
+          <a:chOff x="0" y="0"/>
+          <a:chExt cx="0" cy="0"/>
+        </a:xfrm>
+      </p:grpSpPr>
+      <p:sp>
+        <p:nvSpPr>
+          <p:cNvPr id="2" name="Título 1"/>
+          <p:cNvSpPr>
+            <a:spLocks noGrp="1"/>
+          </p:cNvSpPr>
+          <p:nvPr>
+            <p:ph type="title"/>
+          </p:nvPr>
+        </p:nvSpPr>
+        <p:spPr/>
+        <p:txBody>
+          <a:bodyPr/>
+          <a:lstStyle/>
+          <a:p>
+            <a:r>
+              <a:rPr lang="es-ES" dirty="0"/>
+              <a:t>UPLOAD</a:t>
+            </a:r>
+          </a:p>
+        </p:txBody>
+      </p:sp>
+      <p:pic>
+        <p:nvPicPr>
+          <p:cNvPr id="4" name="Imagen 3"/>
+          <p:cNvPicPr>
+            <a:picLocks noChangeAspect="1"/>
+          </p:cNvPicPr>
+          <p:nvPr/>
+        </p:nvPicPr>
+        <p:blipFill>
+          <a:blip r:embed="rId2"/>
+          <a:stretch>
+            <a:fillRect/>
+          </a:stretch>
+        </p:blipFill>
+        <p:spPr>
+          <a:xfrm>
+            <a:off x="603185" y="2244231"/>
+            <a:ext cx="8390476" cy="2247619"/>
+          </a:xfrm>
+          <a:prstGeom prst="rect">
+            <a:avLst/>
+          </a:prstGeom>
+        </p:spPr>
+      </p:pic>
+      <p:sp>
+        <p:nvSpPr>
+          <p:cNvPr id="5" name="CuadroTexto 4"/>
+          <p:cNvSpPr txBox="1"/>
+          <p:nvPr/>
+        </p:nvSpPr>
+        <p:spPr>
+          <a:xfrm>
+            <a:off x="9237617" y="2786743"/>
+            <a:ext cx="2697918" cy="646331"/>
+          </a:xfrm>
+          <a:prstGeom prst="rect">
+            <a:avLst/>
+          </a:prstGeom>
+          <a:noFill/>
+        </p:spPr>
+        <p:txBody>
+          <a:bodyPr wrap="none" rtlCol="0">
+            <a:spAutoFit/>
+          </a:bodyPr>
+          <a:lstStyle/>
+          <a:p>
+            <a:r>
+              <a:rPr lang="es-ES" dirty="0"/>
+              <a:t>SUBE UN CONTENIDO</a:t>
+            </a:r>
+          </a:p>
+          <a:p>
+            <a:r>
+              <a:rPr lang="es-ES" dirty="0"/>
+              <a:t>Generado por la aplicación</a:t>
+            </a:r>
+          </a:p>
+        </p:txBody>
+      </p:sp>
+    </p:spTree>
+    <p:extLst>
+      <p:ext uri="{BB962C8B-B14F-4D97-AF65-F5344CB8AC3E}">
+        <p14:creationId xmlns:p14="http://schemas.microsoft.com/office/powerpoint/2010/main" val="3575467456"/>
+      </p:ext>
+    </p:extLst>
+  </p:cSld>
+  <p:clrMapOvr>
+    <a:masterClrMapping/>
+  </p:clrMapOvr>
+</p:sld>
+</file>
+
+<file path=ppt/slides/slide37.xml><?xml version="1.0" encoding="utf-8"?>
+<p:sld xmlns:a="http://schemas.openxmlformats.org/drawingml/2006/main" xmlns:r="http://schemas.openxmlformats.org/officeDocument/2006/relationships" xmlns:p="http://schemas.openxmlformats.org/presentationml/2006/main">
+  <p:cSld>
+    <p:spTree>
+      <p:nvGrpSpPr>
+        <p:cNvPr id="1" name=""/>
+        <p:cNvGrpSpPr/>
+        <p:nvPr/>
+      </p:nvGrpSpPr>
+      <p:grpSpPr>
+        <a:xfrm>
+          <a:off x="0" y="0"/>
+          <a:ext cx="0" cy="0"/>
+          <a:chOff x="0" y="0"/>
+          <a:chExt cx="0" cy="0"/>
+        </a:xfrm>
+      </p:grpSpPr>
+      <p:sp>
+        <p:nvSpPr>
+          <p:cNvPr id="2" name="Título 1"/>
+          <p:cNvSpPr>
+            <a:spLocks noGrp="1"/>
+          </p:cNvSpPr>
+          <p:nvPr>
+            <p:ph type="title"/>
+          </p:nvPr>
+        </p:nvSpPr>
+        <p:spPr/>
+        <p:txBody>
+          <a:bodyPr/>
+          <a:lstStyle/>
+          <a:p>
+            <a:r>
+              <a:rPr lang="es-ES" dirty="0"/>
+              <a:t>Subida de un fichero</a:t>
+            </a:r>
+          </a:p>
+        </p:txBody>
+      </p:sp>
+      <p:pic>
+        <p:nvPicPr>
+          <p:cNvPr id="4" name="Imagen 3"/>
+          <p:cNvPicPr>
+            <a:picLocks noChangeAspect="1"/>
+          </p:cNvPicPr>
+          <p:nvPr/>
+        </p:nvPicPr>
+        <p:blipFill>
+          <a:blip r:embed="rId2"/>
+          <a:stretch>
+            <a:fillRect/>
+          </a:stretch>
+        </p:blipFill>
+        <p:spPr>
+          <a:xfrm>
+            <a:off x="752358" y="1816024"/>
+            <a:ext cx="6838095" cy="247619"/>
+          </a:xfrm>
+          <a:prstGeom prst="rect">
+            <a:avLst/>
+          </a:prstGeom>
+        </p:spPr>
+      </p:pic>
+      <p:pic>
+        <p:nvPicPr>
+          <p:cNvPr id="5" name="Imagen 4"/>
+          <p:cNvPicPr>
+            <a:picLocks noChangeAspect="1"/>
+          </p:cNvPicPr>
+          <p:nvPr/>
+        </p:nvPicPr>
+        <p:blipFill>
+          <a:blip r:embed="rId3"/>
+          <a:stretch>
+            <a:fillRect/>
+          </a:stretch>
+        </p:blipFill>
+        <p:spPr>
+          <a:xfrm>
+            <a:off x="752358" y="2358127"/>
+            <a:ext cx="6895238" cy="2333333"/>
+          </a:xfrm>
+          <a:prstGeom prst="rect">
+            <a:avLst/>
+          </a:prstGeom>
+        </p:spPr>
+      </p:pic>
+      <p:pic>
+        <p:nvPicPr>
+          <p:cNvPr id="6" name="Imagen 5"/>
+          <p:cNvPicPr>
+            <a:picLocks noChangeAspect="1"/>
+          </p:cNvPicPr>
+          <p:nvPr/>
+        </p:nvPicPr>
+        <p:blipFill>
+          <a:blip r:embed="rId4"/>
+          <a:stretch>
+            <a:fillRect/>
+          </a:stretch>
+        </p:blipFill>
+        <p:spPr>
+          <a:xfrm>
+            <a:off x="752358" y="5511758"/>
+            <a:ext cx="7009524" cy="780952"/>
+          </a:xfrm>
+          <a:prstGeom prst="rect">
+            <a:avLst/>
+          </a:prstGeom>
+        </p:spPr>
+      </p:pic>
+      <p:sp>
+        <p:nvSpPr>
+          <p:cNvPr id="7" name="CuadroTexto 6"/>
+          <p:cNvSpPr txBox="1"/>
+          <p:nvPr/>
+        </p:nvSpPr>
+        <p:spPr>
+          <a:xfrm>
+            <a:off x="752358" y="5115533"/>
+            <a:ext cx="1461169" cy="369332"/>
+          </a:xfrm>
+          <a:prstGeom prst="rect">
+            <a:avLst/>
+          </a:prstGeom>
+          <a:noFill/>
+        </p:spPr>
+        <p:txBody>
+          <a:bodyPr wrap="none" rtlCol="0">
+            <a:spAutoFit/>
+          </a:bodyPr>
+          <a:lstStyle/>
+          <a:p>
+            <a:r>
+              <a:rPr lang="es-ES" dirty="0"/>
+              <a:t>En el servidor</a:t>
+            </a:r>
+          </a:p>
+        </p:txBody>
+      </p:sp>
+      <p:pic>
+        <p:nvPicPr>
+          <p:cNvPr id="8" name="Imagen 7"/>
+          <p:cNvPicPr>
+            <a:picLocks noChangeAspect="1"/>
+          </p:cNvPicPr>
+          <p:nvPr/>
+        </p:nvPicPr>
+        <p:blipFill>
+          <a:blip r:embed="rId5"/>
+          <a:stretch>
+            <a:fillRect/>
+          </a:stretch>
+        </p:blipFill>
+        <p:spPr>
+          <a:xfrm>
+            <a:off x="7761882" y="2766866"/>
+            <a:ext cx="4190476" cy="2533333"/>
+          </a:xfrm>
+          <a:prstGeom prst="rect">
+            <a:avLst/>
+          </a:prstGeom>
+        </p:spPr>
+      </p:pic>
+      <p:sp>
+        <p:nvSpPr>
+          <p:cNvPr id="9" name="CuadroTexto 8"/>
+          <p:cNvSpPr txBox="1"/>
+          <p:nvPr/>
+        </p:nvSpPr>
+        <p:spPr>
+          <a:xfrm>
+            <a:off x="7942218" y="2185975"/>
+            <a:ext cx="2306144" cy="369332"/>
+          </a:xfrm>
+          <a:prstGeom prst="rect">
+            <a:avLst/>
+          </a:prstGeom>
+          <a:noFill/>
+        </p:spPr>
+        <p:txBody>
+          <a:bodyPr wrap="none" rtlCol="0">
+            <a:spAutoFit/>
+          </a:bodyPr>
+          <a:lstStyle/>
+          <a:p>
+            <a:r>
+              <a:rPr lang="es-ES" dirty="0"/>
+              <a:t>Respuesta del servidor</a:t>
+            </a:r>
+          </a:p>
+        </p:txBody>
+      </p:sp>
+    </p:spTree>
+    <p:extLst>
+      <p:ext uri="{BB962C8B-B14F-4D97-AF65-F5344CB8AC3E}">
+        <p14:creationId xmlns:p14="http://schemas.microsoft.com/office/powerpoint/2010/main" val="2151015952"/>
+      </p:ext>
+    </p:extLst>
+  </p:cSld>
+  <p:clrMapOvr>
+    <a:masterClrMapping/>
+  </p:clrMapOvr>
+</p:sld>
+</file>
+
+<file path=ppt/slides/slide38.xml><?xml version="1.0" encoding="utf-8"?>
+<p:sld xmlns:a="http://schemas.openxmlformats.org/drawingml/2006/main" xmlns:r="http://schemas.openxmlformats.org/officeDocument/2006/relationships" xmlns:p="http://schemas.openxmlformats.org/presentationml/2006/main">
+  <p:cSld>
+    <p:spTree>
+      <p:nvGrpSpPr>
+        <p:cNvPr id="1" name=""/>
+        <p:cNvGrpSpPr/>
+        <p:nvPr/>
+      </p:nvGrpSpPr>
+      <p:grpSpPr>
+        <a:xfrm>
+          <a:off x="0" y="0"/>
+          <a:ext cx="0" cy="0"/>
+          <a:chOff x="0" y="0"/>
+          <a:chExt cx="0" cy="0"/>
+        </a:xfrm>
+      </p:grpSpPr>
+      <p:pic>
+        <p:nvPicPr>
+          <p:cNvPr id="4" name="Imagen 3"/>
+          <p:cNvPicPr>
+            <a:picLocks noChangeAspect="1"/>
+          </p:cNvPicPr>
+          <p:nvPr/>
+        </p:nvPicPr>
+        <p:blipFill>
+          <a:blip r:embed="rId2"/>
+          <a:stretch>
+            <a:fillRect/>
+          </a:stretch>
+        </p:blipFill>
+        <p:spPr>
+          <a:xfrm>
+            <a:off x="220968" y="243842"/>
+            <a:ext cx="5709492" cy="6095849"/>
+          </a:xfrm>
+          <a:prstGeom prst="rect">
+            <a:avLst/>
+          </a:prstGeom>
+        </p:spPr>
+      </p:pic>
+      <p:pic>
+        <p:nvPicPr>
+          <p:cNvPr id="6" name="Imagen 5"/>
+          <p:cNvPicPr>
+            <a:picLocks noChangeAspect="1"/>
+          </p:cNvPicPr>
+          <p:nvPr/>
+        </p:nvPicPr>
+        <p:blipFill>
+          <a:blip r:embed="rId3"/>
+          <a:stretch>
+            <a:fillRect/>
+          </a:stretch>
+        </p:blipFill>
+        <p:spPr>
+          <a:xfrm>
+            <a:off x="5230095" y="331087"/>
+            <a:ext cx="6961905" cy="2590476"/>
+          </a:xfrm>
+          <a:prstGeom prst="rect">
+            <a:avLst/>
+          </a:prstGeom>
+        </p:spPr>
+      </p:pic>
+    </p:spTree>
+    <p:extLst>
+      <p:ext uri="{BB962C8B-B14F-4D97-AF65-F5344CB8AC3E}">
+        <p14:creationId xmlns:p14="http://schemas.microsoft.com/office/powerpoint/2010/main" val="2170096163"/>
+      </p:ext>
+    </p:extLst>
+  </p:cSld>
+  <p:clrMapOvr>
+    <a:masterClrMapping/>
+  </p:clrMapOvr>
+</p:sld>
+</file>
+
+<file path=ppt/slides/slide39.xml><?xml version="1.0" encoding="utf-8"?>
+<p:sld xmlns:a="http://schemas.openxmlformats.org/drawingml/2006/main" xmlns:r="http://schemas.openxmlformats.org/officeDocument/2006/relationships" xmlns:p="http://schemas.openxmlformats.org/presentationml/2006/main">
+  <p:cSld>
+    <p:spTree>
+      <p:nvGrpSpPr>
+        <p:cNvPr id="1" name=""/>
+        <p:cNvGrpSpPr/>
+        <p:nvPr/>
+      </p:nvGrpSpPr>
+      <p:grpSpPr>
+        <a:xfrm>
+          <a:off x="0" y="0"/>
+          <a:ext cx="0" cy="0"/>
+          <a:chOff x="0" y="0"/>
+          <a:chExt cx="0" cy="0"/>
+        </a:xfrm>
+      </p:grpSpPr>
+      <p:pic>
+        <p:nvPicPr>
+          <p:cNvPr id="4" name="Imagen 3"/>
+          <p:cNvPicPr>
+            <a:picLocks noChangeAspect="1"/>
+          </p:cNvPicPr>
+          <p:nvPr/>
+        </p:nvPicPr>
+        <p:blipFill>
+          <a:blip r:embed="rId2"/>
+          <a:stretch>
+            <a:fillRect/>
+          </a:stretch>
+        </p:blipFill>
+        <p:spPr>
+          <a:xfrm>
+            <a:off x="615855" y="567422"/>
+            <a:ext cx="3239572" cy="1130749"/>
+          </a:xfrm>
+          <a:prstGeom prst="rect">
+            <a:avLst/>
+          </a:prstGeom>
+        </p:spPr>
+      </p:pic>
+      <p:pic>
+        <p:nvPicPr>
+          <p:cNvPr id="5" name="Imagen 4"/>
+          <p:cNvPicPr>
+            <a:picLocks noChangeAspect="1"/>
+          </p:cNvPicPr>
+          <p:nvPr/>
+        </p:nvPicPr>
+        <p:blipFill>
+          <a:blip r:embed="rId3"/>
+          <a:stretch>
+            <a:fillRect/>
+          </a:stretch>
+        </p:blipFill>
+        <p:spPr>
+          <a:xfrm>
+            <a:off x="-164457" y="2728052"/>
+            <a:ext cx="5096649" cy="3695715"/>
+          </a:xfrm>
+          <a:prstGeom prst="rect">
+            <a:avLst/>
+          </a:prstGeom>
+        </p:spPr>
+      </p:pic>
+      <p:pic>
+        <p:nvPicPr>
+          <p:cNvPr id="6" name="Imagen 5"/>
+          <p:cNvPicPr>
+            <a:picLocks noChangeAspect="1"/>
+          </p:cNvPicPr>
+          <p:nvPr/>
+        </p:nvPicPr>
+        <p:blipFill>
+          <a:blip r:embed="rId4"/>
+          <a:stretch>
+            <a:fillRect/>
+          </a:stretch>
+        </p:blipFill>
+        <p:spPr>
+          <a:xfrm>
+            <a:off x="6459749" y="4997434"/>
+            <a:ext cx="4828571" cy="1200000"/>
+          </a:xfrm>
+          <a:prstGeom prst="rect">
+            <a:avLst/>
+          </a:prstGeom>
+        </p:spPr>
+      </p:pic>
+      <p:cxnSp>
+        <p:nvCxnSpPr>
+          <p:cNvPr id="8" name="Conector recto de flecha 7"/>
+          <p:cNvCxnSpPr/>
+          <p:nvPr/>
+        </p:nvCxnSpPr>
+        <p:spPr>
+          <a:xfrm flipH="1">
+            <a:off x="4861518" y="5486400"/>
+            <a:ext cx="1103854" cy="0"/>
+          </a:xfrm>
+          <a:prstGeom prst="straightConnector1">
+            <a:avLst/>
+          </a:prstGeom>
+          <a:ln>
+            <a:tailEnd type="triangle"/>
+          </a:ln>
+        </p:spPr>
+        <p:style>
+          <a:lnRef idx="1">
+            <a:schemeClr val="accent1"/>
+          </a:lnRef>
+          <a:fillRef idx="0">
+            <a:schemeClr val="accent1"/>
+          </a:fillRef>
+          <a:effectRef idx="0">
+            <a:schemeClr val="accent1"/>
+          </a:effectRef>
+          <a:fontRef idx="minor">
+            <a:schemeClr val="tx1"/>
+          </a:fontRef>
+        </p:style>
+      </p:cxnSp>
+      <p:pic>
+        <p:nvPicPr>
+          <p:cNvPr id="9" name="Imagen 8"/>
+          <p:cNvPicPr>
+            <a:picLocks noChangeAspect="1"/>
+          </p:cNvPicPr>
+          <p:nvPr/>
+        </p:nvPicPr>
+        <p:blipFill>
+          <a:blip r:embed="rId5"/>
+          <a:stretch>
+            <a:fillRect/>
+          </a:stretch>
+        </p:blipFill>
+        <p:spPr>
+          <a:xfrm>
+            <a:off x="4188823" y="377315"/>
+            <a:ext cx="7507410" cy="2160630"/>
+          </a:xfrm>
+          <a:prstGeom prst="rect">
+            <a:avLst/>
+          </a:prstGeom>
+        </p:spPr>
+      </p:pic>
+    </p:spTree>
+    <p:extLst>
+      <p:ext uri="{BB962C8B-B14F-4D97-AF65-F5344CB8AC3E}">
+        <p14:creationId xmlns:p14="http://schemas.microsoft.com/office/powerpoint/2010/main" val="375348237"/>
       </p:ext>
     </p:extLst>
   </p:cSld>
@@ -9711,6 +11440,877 @@
     <p:extLst>
       <p:ext uri="{BB962C8B-B14F-4D97-AF65-F5344CB8AC3E}">
         <p14:creationId xmlns:p14="http://schemas.microsoft.com/office/powerpoint/2010/main" val="3284054239"/>
+      </p:ext>
+    </p:extLst>
+  </p:cSld>
+  <p:clrMapOvr>
+    <a:masterClrMapping/>
+  </p:clrMapOvr>
+</p:sld>
+</file>
+
+<file path=ppt/slides/slide40.xml><?xml version="1.0" encoding="utf-8"?>
+<p:sld xmlns:a="http://schemas.openxmlformats.org/drawingml/2006/main" xmlns:r="http://schemas.openxmlformats.org/officeDocument/2006/relationships" xmlns:p="http://schemas.openxmlformats.org/presentationml/2006/main">
+  <p:cSld>
+    <p:spTree>
+      <p:nvGrpSpPr>
+        <p:cNvPr id="1" name=""/>
+        <p:cNvGrpSpPr/>
+        <p:nvPr/>
+      </p:nvGrpSpPr>
+      <p:grpSpPr>
+        <a:xfrm>
+          <a:off x="0" y="0"/>
+          <a:ext cx="0" cy="0"/>
+          <a:chOff x="0" y="0"/>
+          <a:chExt cx="0" cy="0"/>
+        </a:xfrm>
+      </p:grpSpPr>
+      <p:sp>
+        <p:nvSpPr>
+          <p:cNvPr id="2" name="Título 1"/>
+          <p:cNvSpPr>
+            <a:spLocks noGrp="1"/>
+          </p:cNvSpPr>
+          <p:nvPr>
+            <p:ph type="title"/>
+          </p:nvPr>
+        </p:nvSpPr>
+        <p:spPr/>
+        <p:txBody>
+          <a:bodyPr/>
+          <a:lstStyle/>
+          <a:p>
+            <a:r>
+              <a:rPr lang="es-ES" dirty="0"/>
+              <a:t>Http Interceptor</a:t>
+            </a:r>
+          </a:p>
+        </p:txBody>
+      </p:sp>
+      <p:pic>
+        <p:nvPicPr>
+          <p:cNvPr id="3" name="Imagen 2"/>
+          <p:cNvPicPr>
+            <a:picLocks noChangeAspect="1"/>
+          </p:cNvPicPr>
+          <p:nvPr/>
+        </p:nvPicPr>
+        <p:blipFill>
+          <a:blip r:embed="rId2"/>
+          <a:stretch>
+            <a:fillRect/>
+          </a:stretch>
+        </p:blipFill>
+        <p:spPr>
+          <a:xfrm>
+            <a:off x="281021" y="182880"/>
+            <a:ext cx="6345474" cy="6499407"/>
+          </a:xfrm>
+          <a:prstGeom prst="rect">
+            <a:avLst/>
+          </a:prstGeom>
+        </p:spPr>
+      </p:pic>
+      <p:sp>
+        <p:nvSpPr>
+          <p:cNvPr id="4" name="CuadroTexto 3"/>
+          <p:cNvSpPr txBox="1"/>
+          <p:nvPr/>
+        </p:nvSpPr>
+        <p:spPr>
+          <a:xfrm>
+            <a:off x="7036526" y="2292214"/>
+            <a:ext cx="4842159" cy="369332"/>
+          </a:xfrm>
+          <a:prstGeom prst="rect">
+            <a:avLst/>
+          </a:prstGeom>
+          <a:noFill/>
+        </p:spPr>
+        <p:txBody>
+          <a:bodyPr wrap="none" rtlCol="0">
+            <a:spAutoFit/>
+          </a:bodyPr>
+          <a:lstStyle/>
+          <a:p>
+            <a:r>
+              <a:rPr lang="es-ES" dirty="0"/>
+              <a:t>Hay que implementar la interface </a:t>
+            </a:r>
+            <a:r>
+              <a:rPr lang="es-ES" dirty="0" err="1"/>
+              <a:t>HttpInterceptor</a:t>
+            </a:r>
+            <a:endParaRPr lang="es-ES" dirty="0"/>
+          </a:p>
+        </p:txBody>
+      </p:sp>
+      <p:cxnSp>
+        <p:nvCxnSpPr>
+          <p:cNvPr id="6" name="Conector recto de flecha 5"/>
+          <p:cNvCxnSpPr/>
+          <p:nvPr/>
+        </p:nvCxnSpPr>
+        <p:spPr>
+          <a:xfrm flipH="1">
+            <a:off x="4720046" y="2448895"/>
+            <a:ext cx="2185851" cy="224636"/>
+          </a:xfrm>
+          <a:prstGeom prst="straightConnector1">
+            <a:avLst/>
+          </a:prstGeom>
+          <a:ln>
+            <a:tailEnd type="triangle"/>
+          </a:ln>
+        </p:spPr>
+        <p:style>
+          <a:lnRef idx="1">
+            <a:schemeClr val="accent1"/>
+          </a:lnRef>
+          <a:fillRef idx="0">
+            <a:schemeClr val="accent1"/>
+          </a:fillRef>
+          <a:effectRef idx="0">
+            <a:schemeClr val="accent1"/>
+          </a:effectRef>
+          <a:fontRef idx="minor">
+            <a:schemeClr val="tx1"/>
+          </a:fontRef>
+        </p:style>
+      </p:cxnSp>
+      <p:sp>
+        <p:nvSpPr>
+          <p:cNvPr id="7" name="CuadroTexto 6"/>
+          <p:cNvSpPr txBox="1"/>
+          <p:nvPr/>
+        </p:nvSpPr>
+        <p:spPr>
+          <a:xfrm>
+            <a:off x="7184571" y="3161211"/>
+            <a:ext cx="4175567" cy="369332"/>
+          </a:xfrm>
+          <a:prstGeom prst="rect">
+            <a:avLst/>
+          </a:prstGeom>
+          <a:noFill/>
+        </p:spPr>
+        <p:txBody>
+          <a:bodyPr wrap="none" rtlCol="0">
+            <a:spAutoFit/>
+          </a:bodyPr>
+          <a:lstStyle/>
+          <a:p>
+            <a:r>
+              <a:rPr lang="es-ES" dirty="0"/>
+              <a:t>Puedo añadir </a:t>
+            </a:r>
+            <a:r>
+              <a:rPr lang="es-ES" dirty="0" err="1"/>
+              <a:t>headers</a:t>
+            </a:r>
+            <a:r>
+              <a:rPr lang="es-ES" dirty="0"/>
+              <a:t> en todas las </a:t>
+            </a:r>
+            <a:r>
+              <a:rPr lang="es-ES" dirty="0" err="1"/>
+              <a:t>request</a:t>
+            </a:r>
+            <a:endParaRPr lang="es-ES" dirty="0"/>
+          </a:p>
+        </p:txBody>
+      </p:sp>
+      <p:cxnSp>
+        <p:nvCxnSpPr>
+          <p:cNvPr id="9" name="Conector recto de flecha 8"/>
+          <p:cNvCxnSpPr/>
+          <p:nvPr/>
+        </p:nvCxnSpPr>
+        <p:spPr>
+          <a:xfrm flipH="1">
+            <a:off x="2899954" y="3345877"/>
+            <a:ext cx="4136572" cy="930032"/>
+          </a:xfrm>
+          <a:prstGeom prst="straightConnector1">
+            <a:avLst/>
+          </a:prstGeom>
+          <a:ln>
+            <a:tailEnd type="triangle"/>
+          </a:ln>
+        </p:spPr>
+        <p:style>
+          <a:lnRef idx="1">
+            <a:schemeClr val="accent1"/>
+          </a:lnRef>
+          <a:fillRef idx="0">
+            <a:schemeClr val="accent1"/>
+          </a:fillRef>
+          <a:effectRef idx="0">
+            <a:schemeClr val="accent1"/>
+          </a:effectRef>
+          <a:fontRef idx="minor">
+            <a:schemeClr val="tx1"/>
+          </a:fontRef>
+        </p:style>
+      </p:cxnSp>
+      <p:sp>
+        <p:nvSpPr>
+          <p:cNvPr id="10" name="CuadroTexto 9"/>
+          <p:cNvSpPr txBox="1"/>
+          <p:nvPr/>
+        </p:nvSpPr>
+        <p:spPr>
+          <a:xfrm>
+            <a:off x="7036526" y="5355771"/>
+            <a:ext cx="4502130" cy="369332"/>
+          </a:xfrm>
+          <a:prstGeom prst="rect">
+            <a:avLst/>
+          </a:prstGeom>
+          <a:noFill/>
+        </p:spPr>
+        <p:txBody>
+          <a:bodyPr wrap="none" rtlCol="0">
+            <a:spAutoFit/>
+          </a:bodyPr>
+          <a:lstStyle/>
+          <a:p>
+            <a:r>
+              <a:rPr lang="es-ES" dirty="0"/>
+              <a:t>Puedo examinar la response y saber el tiempo</a:t>
+            </a:r>
+          </a:p>
+        </p:txBody>
+      </p:sp>
+      <p:cxnSp>
+        <p:nvCxnSpPr>
+          <p:cNvPr id="12" name="Conector recto de flecha 11"/>
+          <p:cNvCxnSpPr/>
+          <p:nvPr/>
+        </p:nvCxnSpPr>
+        <p:spPr>
+          <a:xfrm flipH="1" flipV="1">
+            <a:off x="3979817" y="5477691"/>
+            <a:ext cx="2926080" cy="113212"/>
+          </a:xfrm>
+          <a:prstGeom prst="straightConnector1">
+            <a:avLst/>
+          </a:prstGeom>
+          <a:ln>
+            <a:tailEnd type="triangle"/>
+          </a:ln>
+        </p:spPr>
+        <p:style>
+          <a:lnRef idx="1">
+            <a:schemeClr val="accent1"/>
+          </a:lnRef>
+          <a:fillRef idx="0">
+            <a:schemeClr val="accent1"/>
+          </a:fillRef>
+          <a:effectRef idx="0">
+            <a:schemeClr val="accent1"/>
+          </a:effectRef>
+          <a:fontRef idx="minor">
+            <a:schemeClr val="tx1"/>
+          </a:fontRef>
+        </p:style>
+      </p:cxnSp>
+      <p:pic>
+        <p:nvPicPr>
+          <p:cNvPr id="13" name="Imagen 12"/>
+          <p:cNvPicPr>
+            <a:picLocks noChangeAspect="1"/>
+          </p:cNvPicPr>
+          <p:nvPr/>
+        </p:nvPicPr>
+        <p:blipFill>
+          <a:blip r:embed="rId3"/>
+          <a:stretch>
+            <a:fillRect/>
+          </a:stretch>
+        </p:blipFill>
+        <p:spPr>
+          <a:xfrm>
+            <a:off x="7036526" y="325363"/>
+            <a:ext cx="4257675" cy="1304925"/>
+          </a:xfrm>
+          <a:prstGeom prst="rect">
+            <a:avLst/>
+          </a:prstGeom>
+        </p:spPr>
+      </p:pic>
+      <p:sp>
+        <p:nvSpPr>
+          <p:cNvPr id="14" name="CuadroTexto 13"/>
+          <p:cNvSpPr txBox="1"/>
+          <p:nvPr/>
+        </p:nvSpPr>
+        <p:spPr>
+          <a:xfrm>
+            <a:off x="9771113" y="1151317"/>
+            <a:ext cx="1337226" cy="369332"/>
+          </a:xfrm>
+          <a:prstGeom prst="rect">
+            <a:avLst/>
+          </a:prstGeom>
+        </p:spPr>
+        <p:style>
+          <a:lnRef idx="2">
+            <a:schemeClr val="dk1"/>
+          </a:lnRef>
+          <a:fillRef idx="1">
+            <a:schemeClr val="lt1"/>
+          </a:fillRef>
+          <a:effectRef idx="0">
+            <a:schemeClr val="dk1"/>
+          </a:effectRef>
+          <a:fontRef idx="minor">
+            <a:schemeClr val="dk1"/>
+          </a:fontRef>
+        </p:style>
+        <p:txBody>
+          <a:bodyPr wrap="none" rtlCol="0">
+            <a:spAutoFit/>
+          </a:bodyPr>
+          <a:lstStyle/>
+          <a:p>
+            <a:r>
+              <a:rPr lang="es-ES" dirty="0" err="1"/>
+              <a:t>App.module</a:t>
+            </a:r>
+            <a:endParaRPr lang="es-ES" dirty="0"/>
+          </a:p>
+        </p:txBody>
+      </p:sp>
+      <p:sp>
+        <p:nvSpPr>
+          <p:cNvPr id="16" name="CuadroTexto 15"/>
+          <p:cNvSpPr txBox="1"/>
+          <p:nvPr/>
+        </p:nvSpPr>
+        <p:spPr>
+          <a:xfrm>
+            <a:off x="7037423" y="1703308"/>
+            <a:ext cx="4841262" cy="369332"/>
+          </a:xfrm>
+          <a:prstGeom prst="rect">
+            <a:avLst/>
+          </a:prstGeom>
+          <a:noFill/>
+        </p:spPr>
+        <p:txBody>
+          <a:bodyPr wrap="none" rtlCol="0">
+            <a:spAutoFit/>
+          </a:bodyPr>
+          <a:lstStyle/>
+          <a:p>
+            <a:r>
+              <a:rPr lang="es-ES" dirty="0"/>
+              <a:t>Podría definir varios interceptores. Por eso el true</a:t>
+            </a:r>
+          </a:p>
+        </p:txBody>
+      </p:sp>
+      <p:sp>
+        <p:nvSpPr>
+          <p:cNvPr id="17" name="CuadroTexto 16"/>
+          <p:cNvSpPr txBox="1"/>
+          <p:nvPr/>
+        </p:nvSpPr>
+        <p:spPr>
+          <a:xfrm>
+            <a:off x="7311961" y="5974401"/>
+            <a:ext cx="4267643" cy="707886"/>
+          </a:xfrm>
+          <a:prstGeom prst="rect">
+            <a:avLst/>
+          </a:prstGeom>
+          <a:noFill/>
+        </p:spPr>
+        <p:txBody>
+          <a:bodyPr wrap="none" rtlCol="0">
+            <a:spAutoFit/>
+          </a:bodyPr>
+          <a:lstStyle/>
+          <a:p>
+            <a:r>
+              <a:rPr lang="es-ES" sz="4000" dirty="0"/>
+              <a:t>INTERCEPTOR HTTP</a:t>
+            </a:r>
+          </a:p>
+        </p:txBody>
+      </p:sp>
+    </p:spTree>
+    <p:extLst>
+      <p:ext uri="{BB962C8B-B14F-4D97-AF65-F5344CB8AC3E}">
+        <p14:creationId xmlns:p14="http://schemas.microsoft.com/office/powerpoint/2010/main" val="4143135401"/>
+      </p:ext>
+    </p:extLst>
+  </p:cSld>
+  <p:clrMapOvr>
+    <a:masterClrMapping/>
+  </p:clrMapOvr>
+</p:sld>
+</file>
+
+<file path=ppt/slides/slide41.xml><?xml version="1.0" encoding="utf-8"?>
+<p:sld xmlns:a="http://schemas.openxmlformats.org/drawingml/2006/main" xmlns:r="http://schemas.openxmlformats.org/officeDocument/2006/relationships" xmlns:p="http://schemas.openxmlformats.org/presentationml/2006/main">
+  <p:cSld>
+    <p:spTree>
+      <p:nvGrpSpPr>
+        <p:cNvPr id="1" name=""/>
+        <p:cNvGrpSpPr/>
+        <p:nvPr/>
+      </p:nvGrpSpPr>
+      <p:grpSpPr>
+        <a:xfrm>
+          <a:off x="0" y="0"/>
+          <a:ext cx="0" cy="0"/>
+          <a:chOff x="0" y="0"/>
+          <a:chExt cx="0" cy="0"/>
+        </a:xfrm>
+      </p:grpSpPr>
+      <p:pic>
+        <p:nvPicPr>
+          <p:cNvPr id="4" name="Imagen 3"/>
+          <p:cNvPicPr>
+            <a:picLocks noChangeAspect="1"/>
+          </p:cNvPicPr>
+          <p:nvPr/>
+        </p:nvPicPr>
+        <p:blipFill>
+          <a:blip r:embed="rId2"/>
+          <a:stretch>
+            <a:fillRect/>
+          </a:stretch>
+        </p:blipFill>
+        <p:spPr>
+          <a:xfrm>
+            <a:off x="269966" y="559553"/>
+            <a:ext cx="6114286" cy="2885714"/>
+          </a:xfrm>
+          <a:prstGeom prst="rect">
+            <a:avLst/>
+          </a:prstGeom>
+        </p:spPr>
+      </p:pic>
+      <p:pic>
+        <p:nvPicPr>
+          <p:cNvPr id="5" name="Imagen 4"/>
+          <p:cNvPicPr>
+            <a:picLocks noChangeAspect="1"/>
+          </p:cNvPicPr>
+          <p:nvPr/>
+        </p:nvPicPr>
+        <p:blipFill>
+          <a:blip r:embed="rId3"/>
+          <a:stretch>
+            <a:fillRect/>
+          </a:stretch>
+        </p:blipFill>
+        <p:spPr>
+          <a:xfrm>
+            <a:off x="8376632" y="348932"/>
+            <a:ext cx="3380952" cy="800000"/>
+          </a:xfrm>
+          <a:prstGeom prst="rect">
+            <a:avLst/>
+          </a:prstGeom>
+        </p:spPr>
+      </p:pic>
+      <p:pic>
+        <p:nvPicPr>
+          <p:cNvPr id="6" name="Imagen 5"/>
+          <p:cNvPicPr>
+            <a:picLocks noChangeAspect="1"/>
+          </p:cNvPicPr>
+          <p:nvPr/>
+        </p:nvPicPr>
+        <p:blipFill>
+          <a:blip r:embed="rId4"/>
+          <a:stretch>
+            <a:fillRect/>
+          </a:stretch>
+        </p:blipFill>
+        <p:spPr>
+          <a:xfrm>
+            <a:off x="6915039" y="2802775"/>
+            <a:ext cx="5152381" cy="323810"/>
+          </a:xfrm>
+          <a:prstGeom prst="rect">
+            <a:avLst/>
+          </a:prstGeom>
+        </p:spPr>
+      </p:pic>
+      <p:pic>
+        <p:nvPicPr>
+          <p:cNvPr id="7" name="Imagen 6"/>
+          <p:cNvPicPr>
+            <a:picLocks noChangeAspect="1"/>
+          </p:cNvPicPr>
+          <p:nvPr/>
+        </p:nvPicPr>
+        <p:blipFill>
+          <a:blip r:embed="rId5"/>
+          <a:stretch>
+            <a:fillRect/>
+          </a:stretch>
+        </p:blipFill>
+        <p:spPr>
+          <a:xfrm>
+            <a:off x="269966" y="3606074"/>
+            <a:ext cx="8914286" cy="3104762"/>
+          </a:xfrm>
+          <a:prstGeom prst="rect">
+            <a:avLst/>
+          </a:prstGeom>
+        </p:spPr>
+      </p:pic>
+      <p:sp>
+        <p:nvSpPr>
+          <p:cNvPr id="8" name="CuadroTexto 7"/>
+          <p:cNvSpPr txBox="1"/>
+          <p:nvPr/>
+        </p:nvSpPr>
+        <p:spPr>
+          <a:xfrm>
+            <a:off x="6915039" y="2378365"/>
+            <a:ext cx="2993576" cy="369332"/>
+          </a:xfrm>
+          <a:prstGeom prst="rect">
+            <a:avLst/>
+          </a:prstGeom>
+          <a:noFill/>
+        </p:spPr>
+        <p:txBody>
+          <a:bodyPr wrap="none" rtlCol="0">
+            <a:spAutoFit/>
+          </a:bodyPr>
+          <a:lstStyle/>
+          <a:p>
+            <a:r>
+              <a:rPr lang="es-ES" dirty="0"/>
+              <a:t>Definido en </a:t>
+            </a:r>
+            <a:r>
+              <a:rPr lang="es-ES" dirty="0" err="1"/>
+              <a:t>Servicio.service.ts</a:t>
+            </a:r>
+            <a:endParaRPr lang="es-ES" dirty="0"/>
+          </a:p>
+        </p:txBody>
+      </p:sp>
+      <p:sp>
+        <p:nvSpPr>
+          <p:cNvPr id="9" name="CuadroTexto 8"/>
+          <p:cNvSpPr txBox="1"/>
+          <p:nvPr/>
+        </p:nvSpPr>
+        <p:spPr>
+          <a:xfrm>
+            <a:off x="8411827" y="1148932"/>
+            <a:ext cx="3160370" cy="923330"/>
+          </a:xfrm>
+          <a:prstGeom prst="rect">
+            <a:avLst/>
+          </a:prstGeom>
+          <a:noFill/>
+        </p:spPr>
+        <p:txBody>
+          <a:bodyPr wrap="square" rtlCol="0">
+            <a:spAutoFit/>
+          </a:bodyPr>
+          <a:lstStyle/>
+          <a:p>
+            <a:r>
+              <a:rPr lang="es-ES" dirty="0"/>
+              <a:t>Componente cualquiera donde tenemos un error no controlado </a:t>
+            </a:r>
+          </a:p>
+        </p:txBody>
+      </p:sp>
+      <p:sp>
+        <p:nvSpPr>
+          <p:cNvPr id="10" name="CuadroTexto 9"/>
+          <p:cNvSpPr txBox="1"/>
+          <p:nvPr/>
+        </p:nvSpPr>
+        <p:spPr>
+          <a:xfrm>
+            <a:off x="1701046" y="2985133"/>
+            <a:ext cx="3549048" cy="369332"/>
+          </a:xfrm>
+          <a:prstGeom prst="rect">
+            <a:avLst/>
+          </a:prstGeom>
+        </p:spPr>
+        <p:style>
+          <a:lnRef idx="2">
+            <a:schemeClr val="dk1"/>
+          </a:lnRef>
+          <a:fillRef idx="1">
+            <a:schemeClr val="lt1"/>
+          </a:fillRef>
+          <a:effectRef idx="0">
+            <a:schemeClr val="dk1"/>
+          </a:effectRef>
+          <a:fontRef idx="minor">
+            <a:schemeClr val="dk1"/>
+          </a:fontRef>
+        </p:style>
+        <p:txBody>
+          <a:bodyPr wrap="none" rtlCol="0">
+            <a:spAutoFit/>
+          </a:bodyPr>
+          <a:lstStyle/>
+          <a:p>
+            <a:r>
+              <a:rPr lang="es-ES" dirty="0"/>
+              <a:t>Clase que implemente </a:t>
+            </a:r>
+            <a:r>
+              <a:rPr lang="es-ES" dirty="0" err="1"/>
+              <a:t>ErrorHandler</a:t>
+            </a:r>
+            <a:endParaRPr lang="es-ES" dirty="0"/>
+          </a:p>
+        </p:txBody>
+      </p:sp>
+      <p:sp>
+        <p:nvSpPr>
+          <p:cNvPr id="11" name="CuadroTexto 10"/>
+          <p:cNvSpPr txBox="1"/>
+          <p:nvPr/>
+        </p:nvSpPr>
+        <p:spPr>
+          <a:xfrm>
+            <a:off x="966651" y="6341504"/>
+            <a:ext cx="3441711" cy="369332"/>
+          </a:xfrm>
+          <a:prstGeom prst="rect">
+            <a:avLst/>
+          </a:prstGeom>
+        </p:spPr>
+        <p:style>
+          <a:lnRef idx="2">
+            <a:schemeClr val="dk1"/>
+          </a:lnRef>
+          <a:fillRef idx="1">
+            <a:schemeClr val="lt1"/>
+          </a:fillRef>
+          <a:effectRef idx="0">
+            <a:schemeClr val="dk1"/>
+          </a:effectRef>
+          <a:fontRef idx="minor">
+            <a:schemeClr val="dk1"/>
+          </a:fontRef>
+        </p:style>
+        <p:txBody>
+          <a:bodyPr wrap="none" rtlCol="0">
+            <a:spAutoFit/>
+          </a:bodyPr>
+          <a:lstStyle/>
+          <a:p>
+            <a:r>
+              <a:rPr lang="es-ES" dirty="0"/>
+              <a:t>Componente que presenta el error</a:t>
+            </a:r>
+          </a:p>
+        </p:txBody>
+      </p:sp>
+      <p:pic>
+        <p:nvPicPr>
+          <p:cNvPr id="12" name="Imagen 11"/>
+          <p:cNvPicPr>
+            <a:picLocks noChangeAspect="1"/>
+          </p:cNvPicPr>
+          <p:nvPr/>
+        </p:nvPicPr>
+        <p:blipFill>
+          <a:blip r:embed="rId6"/>
+          <a:stretch>
+            <a:fillRect/>
+          </a:stretch>
+        </p:blipFill>
+        <p:spPr>
+          <a:xfrm>
+            <a:off x="4810292" y="5565251"/>
+            <a:ext cx="6761905" cy="1057143"/>
+          </a:xfrm>
+          <a:prstGeom prst="rect">
+            <a:avLst/>
+          </a:prstGeom>
+        </p:spPr>
+      </p:pic>
+      <p:pic>
+        <p:nvPicPr>
+          <p:cNvPr id="13" name="Imagen 12"/>
+          <p:cNvPicPr>
+            <a:picLocks noChangeAspect="1"/>
+          </p:cNvPicPr>
+          <p:nvPr/>
+        </p:nvPicPr>
+        <p:blipFill>
+          <a:blip r:embed="rId7"/>
+          <a:stretch>
+            <a:fillRect/>
+          </a:stretch>
+        </p:blipFill>
+        <p:spPr>
+          <a:xfrm>
+            <a:off x="5250094" y="1125916"/>
+            <a:ext cx="2790825" cy="981075"/>
+          </a:xfrm>
+          <a:prstGeom prst="rect">
+            <a:avLst/>
+          </a:prstGeom>
+        </p:spPr>
+      </p:pic>
+      <p:sp>
+        <p:nvSpPr>
+          <p:cNvPr id="14" name="CuadroTexto 13"/>
+          <p:cNvSpPr txBox="1"/>
+          <p:nvPr/>
+        </p:nvSpPr>
+        <p:spPr>
+          <a:xfrm>
+            <a:off x="5820686" y="964266"/>
+            <a:ext cx="2388090" cy="369332"/>
+          </a:xfrm>
+          <a:prstGeom prst="rect">
+            <a:avLst/>
+          </a:prstGeom>
+        </p:spPr>
+        <p:style>
+          <a:lnRef idx="2">
+            <a:schemeClr val="dk1"/>
+          </a:lnRef>
+          <a:fillRef idx="1">
+            <a:schemeClr val="lt1"/>
+          </a:fillRef>
+          <a:effectRef idx="0">
+            <a:schemeClr val="dk1"/>
+          </a:effectRef>
+          <a:fontRef idx="minor">
+            <a:schemeClr val="dk1"/>
+          </a:fontRef>
+        </p:style>
+        <p:txBody>
+          <a:bodyPr wrap="none" rtlCol="0">
+            <a:spAutoFit/>
+          </a:bodyPr>
+          <a:lstStyle/>
+          <a:p>
+            <a:r>
+              <a:rPr lang="es-ES" dirty="0" err="1"/>
+              <a:t>app.module</a:t>
+            </a:r>
+            <a:r>
+              <a:rPr lang="es-ES" dirty="0"/>
+              <a:t> (</a:t>
+            </a:r>
+            <a:r>
+              <a:rPr lang="es-ES" dirty="0" err="1"/>
+              <a:t>providers</a:t>
+            </a:r>
+            <a:r>
+              <a:rPr lang="es-ES" dirty="0"/>
+              <a:t>)</a:t>
+            </a:r>
+          </a:p>
+        </p:txBody>
+      </p:sp>
+      <p:sp>
+        <p:nvSpPr>
+          <p:cNvPr id="15" name="CuadroTexto 14"/>
+          <p:cNvSpPr txBox="1"/>
+          <p:nvPr/>
+        </p:nvSpPr>
+        <p:spPr>
+          <a:xfrm>
+            <a:off x="5608320" y="3956247"/>
+            <a:ext cx="5006948" cy="646331"/>
+          </a:xfrm>
+          <a:prstGeom prst="rect">
+            <a:avLst/>
+          </a:prstGeom>
+        </p:spPr>
+        <p:style>
+          <a:lnRef idx="2">
+            <a:schemeClr val="dk1"/>
+          </a:lnRef>
+          <a:fillRef idx="1">
+            <a:schemeClr val="lt1"/>
+          </a:fillRef>
+          <a:effectRef idx="0">
+            <a:schemeClr val="dk1"/>
+          </a:effectRef>
+          <a:fontRef idx="minor">
+            <a:schemeClr val="dk1"/>
+          </a:fontRef>
+        </p:style>
+        <p:txBody>
+          <a:bodyPr wrap="none" rtlCol="0">
+            <a:spAutoFit/>
+          </a:bodyPr>
+          <a:lstStyle/>
+          <a:p>
+            <a:r>
+              <a:rPr lang="es-ES" dirty="0"/>
+              <a:t>Por alguna razón debemos usar </a:t>
+            </a:r>
+            <a:r>
+              <a:rPr lang="es-ES" dirty="0" err="1"/>
+              <a:t>ChangeDetectorRef</a:t>
+            </a:r>
+            <a:endParaRPr lang="es-ES" dirty="0"/>
+          </a:p>
+          <a:p>
+            <a:r>
+              <a:rPr lang="es-ES" dirty="0"/>
+              <a:t>Para que se actualice la presentación del error</a:t>
+            </a:r>
+          </a:p>
+        </p:txBody>
+      </p:sp>
+      <p:sp>
+        <p:nvSpPr>
+          <p:cNvPr id="16" name="CuadroTexto 15"/>
+          <p:cNvSpPr txBox="1"/>
+          <p:nvPr/>
+        </p:nvSpPr>
+        <p:spPr>
+          <a:xfrm>
+            <a:off x="229298" y="36333"/>
+            <a:ext cx="4699363" cy="523220"/>
+          </a:xfrm>
+          <a:prstGeom prst="rect">
+            <a:avLst/>
+          </a:prstGeom>
+          <a:noFill/>
+        </p:spPr>
+        <p:txBody>
+          <a:bodyPr wrap="none" rtlCol="0">
+            <a:spAutoFit/>
+          </a:bodyPr>
+          <a:lstStyle/>
+          <a:p>
+            <a:r>
+              <a:rPr lang="es-ES" sz="2800" dirty="0"/>
+              <a:t>GESTOR GLOBAL DE ERRORES</a:t>
+            </a:r>
+            <a:r>
+              <a:rPr lang="es-ES" dirty="0"/>
+              <a:t> </a:t>
+            </a:r>
+          </a:p>
+        </p:txBody>
+      </p:sp>
+    </p:spTree>
+    <p:extLst>
+      <p:ext uri="{BB962C8B-B14F-4D97-AF65-F5344CB8AC3E}">
+        <p14:creationId xmlns:p14="http://schemas.microsoft.com/office/powerpoint/2010/main" val="1358291434"/>
       </p:ext>
     </p:extLst>
   </p:cSld>
